--- a/Powerpoint/SOLID_S.pptx
+++ b/Powerpoint/SOLID_S.pptx
@@ -5,16 +5,18 @@
     <p:sldMasterId id="2147483762" r:id="rId1"/>
   </p:sldMasterIdLst>
   <p:handoutMasterIdLst>
-    <p:handoutMasterId r:id="rId9"/>
+    <p:handoutMasterId r:id="rId11"/>
   </p:handoutMasterIdLst>
   <p:sldIdLst>
     <p:sldId id="256" r:id="rId2"/>
     <p:sldId id="262" r:id="rId3"/>
     <p:sldId id="257" r:id="rId4"/>
-    <p:sldId id="258" r:id="rId5"/>
-    <p:sldId id="259" r:id="rId6"/>
-    <p:sldId id="260" r:id="rId7"/>
-    <p:sldId id="261" r:id="rId8"/>
+    <p:sldId id="263" r:id="rId5"/>
+    <p:sldId id="264" r:id="rId6"/>
+    <p:sldId id="258" r:id="rId7"/>
+    <p:sldId id="259" r:id="rId8"/>
+    <p:sldId id="260" r:id="rId9"/>
+    <p:sldId id="261" r:id="rId10"/>
   </p:sldIdLst>
   <p:sldSz cx="12192000" cy="6858000"/>
   <p:notesSz cx="6858000" cy="9144000"/>
@@ -6420,7 +6422,7 @@
           <a:p>
             <a:r>
               <a:rPr lang="ru-RU" b="1" dirty="0"/>
-              <a:t>Принцип открытости/закрытости</a:t>
+              <a:t>Принцип единственной ответственности</a:t>
             </a:r>
             <a:r>
               <a:rPr lang="en-US" b="1" dirty="0"/>
@@ -6431,7 +6433,7 @@
             </a:br>
             <a:r>
               <a:rPr lang="en-US" sz="3200" i="1" dirty="0"/>
-              <a:t>The Open Closed Principle</a:t>
+              <a:t>The Single Responsibility Principle</a:t>
             </a:r>
             <a:endParaRPr lang="en-US" dirty="0"/>
           </a:p>
@@ -6439,10 +6441,10 @@
       </p:sp>
       <p:sp>
         <p:nvSpPr>
-          <p:cNvPr id="3" name="TextBox 2">
+          <p:cNvPr id="15" name="TextBox 14">
             <a:extLst>
               <a:ext uri="{FF2B5EF4-FFF2-40B4-BE49-F238E27FC236}">
-                <a16:creationId xmlns:a16="http://schemas.microsoft.com/office/drawing/2014/main" id="{0449A707-99AE-4210-AF89-4A9F25E03165}"/>
+                <a16:creationId xmlns:a16="http://schemas.microsoft.com/office/drawing/2014/main" id="{101A60AD-0F18-481A-96EA-970C064E5E5F}"/>
               </a:ext>
             </a:extLst>
           </p:cNvPr>
@@ -6451,8 +6453,8 @@
         </p:nvSpPr>
         <p:spPr>
           <a:xfrm>
-            <a:off x="576263" y="2233613"/>
-            <a:ext cx="9836982" cy="2616101"/>
+            <a:off x="576263" y="3101831"/>
+            <a:ext cx="9836982" cy="830997"/>
           </a:xfrm>
           <a:prstGeom prst="rect">
             <a:avLst/>
@@ -6460,68 +6462,32 @@
           <a:noFill/>
         </p:spPr>
         <p:txBody>
-          <a:bodyPr wrap="square" rtlCol="0">
+          <a:bodyPr wrap="square" rtlCol="0" anchor="ctr">
             <a:spAutoFit/>
           </a:bodyPr>
           <a:lstStyle/>
           <a:p>
-            <a:r>
-              <a:rPr lang="ru-RU" sz="2800" dirty="0">
+            <a:pPr algn="ctr"/>
+            <a:r>
+              <a:rPr lang="ru-RU" sz="4800" dirty="0" smtClean="0">
                 <a:solidFill>
                   <a:srgbClr val="FFFF00"/>
                 </a:solidFill>
               </a:rPr>
-              <a:t>Программные сущности должны быть открыты для расширения, но закрыты для модификации.</a:t>
-            </a:r>
-          </a:p>
-          <a:p>
-            <a:endParaRPr lang="ru-RU" sz="2800" dirty="0"/>
-          </a:p>
-          <a:p>
-            <a:r>
-              <a:rPr lang="ru-RU" sz="2000" dirty="0"/>
-              <a:t>Принцип открытости/закрытости (англ. </a:t>
-            </a:r>
-            <a:r>
-              <a:rPr lang="ru-RU" sz="2000" dirty="0" err="1"/>
-              <a:t>The</a:t>
-            </a:r>
-            <a:r>
-              <a:rPr lang="ru-RU" sz="2000" dirty="0"/>
-              <a:t> </a:t>
-            </a:r>
-            <a:r>
-              <a:rPr lang="ru-RU" sz="2000" dirty="0" err="1"/>
-              <a:t>Open</a:t>
-            </a:r>
-            <a:r>
-              <a:rPr lang="ru-RU" sz="2000" dirty="0"/>
-              <a:t> </a:t>
-            </a:r>
-            <a:r>
-              <a:rPr lang="ru-RU" sz="2000" dirty="0" err="1"/>
-              <a:t>Closed</a:t>
-            </a:r>
-            <a:r>
-              <a:rPr lang="ru-RU" sz="2000" dirty="0"/>
-              <a:t> </a:t>
-            </a:r>
-            <a:r>
-              <a:rPr lang="ru-RU" sz="2000" dirty="0" err="1"/>
-              <a:t>Principle</a:t>
-            </a:r>
-            <a:r>
-              <a:rPr lang="ru-RU" sz="2000" dirty="0"/>
-              <a:t>, OCP) — принцип ООП, устанавливающий следующее положение: «программные сущности (классы, модули, функции и т. п.) должны быть открыты для расширения, но закрыты для изменения.</a:t>
-            </a:r>
-            <a:endParaRPr lang="en-US" sz="2000" dirty="0"/>
+              <a:t>Демонстрация</a:t>
+            </a:r>
+            <a:endParaRPr lang="ru-RU" sz="4800" dirty="0">
+              <a:solidFill>
+                <a:srgbClr val="FFFF00"/>
+              </a:solidFill>
+            </a:endParaRPr>
           </a:p>
         </p:txBody>
       </p:sp>
     </p:spTree>
     <p:extLst>
       <p:ext uri="{BB962C8B-B14F-4D97-AF65-F5344CB8AC3E}">
-        <p14:creationId xmlns:p14="http://schemas.microsoft.com/office/powerpoint/2010/main" val="2724221835"/>
+        <p14:creationId xmlns:p14="http://schemas.microsoft.com/office/powerpoint/2010/main" val="341898640"/>
       </p:ext>
     </p:extLst>
   </p:cSld>
@@ -6531,6 +6497,13 @@
   <p:transition spd="slow">
     <p:cover/>
   </p:transition>
+  <p:timing>
+    <p:tnLst>
+      <p:par>
+        <p:cTn id="1" dur="indefinite" restart="never" nodeType="tmRoot"/>
+      </p:par>
+    </p:tnLst>
+  </p:timing>
 </p:sld>
 </file>
 
@@ -6576,6 +6549,280 @@
           <a:p>
             <a:r>
               <a:rPr lang="ru-RU" b="1" dirty="0"/>
+              <a:t>Принцип единственной ответственности</a:t>
+            </a:r>
+            <a:r>
+              <a:rPr lang="en-US" b="1" dirty="0"/>
+              <a:t/>
+            </a:r>
+            <a:br>
+              <a:rPr lang="en-US" b="1" dirty="0"/>
+            </a:br>
+            <a:r>
+              <a:rPr lang="en-US" sz="3200" i="1" dirty="0"/>
+              <a:t>The Single Responsibility Principle</a:t>
+            </a:r>
+            <a:endParaRPr lang="en-US" dirty="0"/>
+          </a:p>
+        </p:txBody>
+      </p:sp>
+      <p:sp>
+        <p:nvSpPr>
+          <p:cNvPr id="5" name="TextBox 4">
+            <a:extLst>
+              <a:ext uri="{FF2B5EF4-FFF2-40B4-BE49-F238E27FC236}">
+                <a16:creationId xmlns:a16="http://schemas.microsoft.com/office/drawing/2014/main" id="{101A60AD-0F18-481A-96EA-970C064E5E5F}"/>
+              </a:ext>
+            </a:extLst>
+          </p:cNvPr>
+          <p:cNvSpPr txBox="1"/>
+          <p:nvPr/>
+        </p:nvSpPr>
+        <p:spPr>
+          <a:xfrm>
+            <a:off x="680320" y="2239811"/>
+            <a:ext cx="9756771" cy="1077218"/>
+          </a:xfrm>
+          <a:prstGeom prst="rect">
+            <a:avLst/>
+          </a:prstGeom>
+          <a:noFill/>
+        </p:spPr>
+        <p:txBody>
+          <a:bodyPr wrap="square" rtlCol="0" anchor="ctr">
+            <a:spAutoFit/>
+          </a:bodyPr>
+          <a:lstStyle/>
+          <a:p>
+            <a:r>
+              <a:rPr lang="ru-RU" sz="3200" dirty="0"/>
+              <a:t>Архитектура приложений: концептуальные слои и договоренности по их использованию</a:t>
+            </a:r>
+            <a:endParaRPr lang="ru-RU" sz="3200" dirty="0"/>
+          </a:p>
+        </p:txBody>
+      </p:sp>
+    </p:spTree>
+    <p:extLst>
+      <p:ext uri="{BB962C8B-B14F-4D97-AF65-F5344CB8AC3E}">
+        <p14:creationId xmlns:p14="http://schemas.microsoft.com/office/powerpoint/2010/main" val="2629252122"/>
+      </p:ext>
+    </p:extLst>
+  </p:cSld>
+  <p:clrMapOvr>
+    <a:masterClrMapping/>
+  </p:clrMapOvr>
+  <p:transition spd="slow">
+    <p:cover/>
+  </p:transition>
+  <p:timing>
+    <p:tnLst>
+      <p:par>
+        <p:cTn id="1" dur="indefinite" restart="never" nodeType="tmRoot"/>
+      </p:par>
+    </p:tnLst>
+  </p:timing>
+</p:sld>
+</file>
+
+<file path=ppt/slides/slide6.xml><?xml version="1.0" encoding="utf-8"?>
+<p:sld xmlns:a="http://schemas.openxmlformats.org/drawingml/2006/main" xmlns:r="http://schemas.openxmlformats.org/officeDocument/2006/relationships" xmlns:p="http://schemas.openxmlformats.org/presentationml/2006/main">
+  <p:cSld>
+    <p:spTree>
+      <p:nvGrpSpPr>
+        <p:cNvPr id="1" name=""/>
+        <p:cNvGrpSpPr/>
+        <p:nvPr/>
+      </p:nvGrpSpPr>
+      <p:grpSpPr>
+        <a:xfrm>
+          <a:off x="0" y="0"/>
+          <a:ext cx="0" cy="0"/>
+          <a:chOff x="0" y="0"/>
+          <a:chExt cx="0" cy="0"/>
+        </a:xfrm>
+      </p:grpSpPr>
+      <p:sp>
+        <p:nvSpPr>
+          <p:cNvPr id="4" name="Заголовок 3">
+            <a:extLst>
+              <a:ext uri="{FF2B5EF4-FFF2-40B4-BE49-F238E27FC236}">
+                <a16:creationId xmlns:a16="http://schemas.microsoft.com/office/drawing/2014/main" id="{56B210DD-3C70-4225-BAC0-26F0709D6072}"/>
+              </a:ext>
+            </a:extLst>
+          </p:cNvPr>
+          <p:cNvSpPr>
+            <a:spLocks noGrp="1"/>
+          </p:cNvSpPr>
+          <p:nvPr>
+            <p:ph type="title"/>
+          </p:nvPr>
+        </p:nvSpPr>
+        <p:spPr/>
+        <p:txBody>
+          <a:bodyPr>
+            <a:normAutofit/>
+          </a:bodyPr>
+          <a:lstStyle/>
+          <a:p>
+            <a:r>
+              <a:rPr lang="ru-RU" b="1" dirty="0"/>
+              <a:t>Принцип открытости/закрытости</a:t>
+            </a:r>
+            <a:r>
+              <a:rPr lang="en-US" b="1" dirty="0"/>
+              <a:t/>
+            </a:r>
+            <a:br>
+              <a:rPr lang="en-US" b="1" dirty="0"/>
+            </a:br>
+            <a:r>
+              <a:rPr lang="en-US" sz="3200" i="1" dirty="0"/>
+              <a:t>The Open Closed Principle</a:t>
+            </a:r>
+            <a:endParaRPr lang="en-US" dirty="0"/>
+          </a:p>
+        </p:txBody>
+      </p:sp>
+      <p:sp>
+        <p:nvSpPr>
+          <p:cNvPr id="3" name="TextBox 2">
+            <a:extLst>
+              <a:ext uri="{FF2B5EF4-FFF2-40B4-BE49-F238E27FC236}">
+                <a16:creationId xmlns:a16="http://schemas.microsoft.com/office/drawing/2014/main" id="{0449A707-99AE-4210-AF89-4A9F25E03165}"/>
+              </a:ext>
+            </a:extLst>
+          </p:cNvPr>
+          <p:cNvSpPr txBox="1"/>
+          <p:nvPr/>
+        </p:nvSpPr>
+        <p:spPr>
+          <a:xfrm>
+            <a:off x="576263" y="2233613"/>
+            <a:ext cx="9836982" cy="2616101"/>
+          </a:xfrm>
+          <a:prstGeom prst="rect">
+            <a:avLst/>
+          </a:prstGeom>
+          <a:noFill/>
+        </p:spPr>
+        <p:txBody>
+          <a:bodyPr wrap="square" rtlCol="0">
+            <a:spAutoFit/>
+          </a:bodyPr>
+          <a:lstStyle/>
+          <a:p>
+            <a:r>
+              <a:rPr lang="ru-RU" sz="2800" dirty="0">
+                <a:solidFill>
+                  <a:srgbClr val="FFFF00"/>
+                </a:solidFill>
+              </a:rPr>
+              <a:t>Программные сущности должны быть открыты для расширения, но закрыты для модификации.</a:t>
+            </a:r>
+          </a:p>
+          <a:p>
+            <a:endParaRPr lang="ru-RU" sz="2800" dirty="0"/>
+          </a:p>
+          <a:p>
+            <a:r>
+              <a:rPr lang="ru-RU" sz="2000" dirty="0"/>
+              <a:t>Принцип открытости/закрытости (англ. </a:t>
+            </a:r>
+            <a:r>
+              <a:rPr lang="ru-RU" sz="2000" dirty="0" err="1"/>
+              <a:t>The</a:t>
+            </a:r>
+            <a:r>
+              <a:rPr lang="ru-RU" sz="2000" dirty="0"/>
+              <a:t> </a:t>
+            </a:r>
+            <a:r>
+              <a:rPr lang="ru-RU" sz="2000" dirty="0" err="1"/>
+              <a:t>Open</a:t>
+            </a:r>
+            <a:r>
+              <a:rPr lang="ru-RU" sz="2000" dirty="0"/>
+              <a:t> </a:t>
+            </a:r>
+            <a:r>
+              <a:rPr lang="ru-RU" sz="2000" dirty="0" err="1"/>
+              <a:t>Closed</a:t>
+            </a:r>
+            <a:r>
+              <a:rPr lang="ru-RU" sz="2000" dirty="0"/>
+              <a:t> </a:t>
+            </a:r>
+            <a:r>
+              <a:rPr lang="ru-RU" sz="2000" dirty="0" err="1"/>
+              <a:t>Principle</a:t>
+            </a:r>
+            <a:r>
+              <a:rPr lang="ru-RU" sz="2000" dirty="0"/>
+              <a:t>, OCP) — принцип ООП, устанавливающий следующее положение: «программные сущности (классы, модули, функции и т. п.) должны быть открыты для расширения, но закрыты для изменения.</a:t>
+            </a:r>
+            <a:endParaRPr lang="en-US" sz="2000" dirty="0"/>
+          </a:p>
+        </p:txBody>
+      </p:sp>
+    </p:spTree>
+    <p:extLst>
+      <p:ext uri="{BB962C8B-B14F-4D97-AF65-F5344CB8AC3E}">
+        <p14:creationId xmlns:p14="http://schemas.microsoft.com/office/powerpoint/2010/main" val="2724221835"/>
+      </p:ext>
+    </p:extLst>
+  </p:cSld>
+  <p:clrMapOvr>
+    <a:masterClrMapping/>
+  </p:clrMapOvr>
+  <p:transition spd="slow">
+    <p:cover/>
+  </p:transition>
+</p:sld>
+</file>
+
+<file path=ppt/slides/slide7.xml><?xml version="1.0" encoding="utf-8"?>
+<p:sld xmlns:a="http://schemas.openxmlformats.org/drawingml/2006/main" xmlns:r="http://schemas.openxmlformats.org/officeDocument/2006/relationships" xmlns:p="http://schemas.openxmlformats.org/presentationml/2006/main">
+  <p:cSld>
+    <p:spTree>
+      <p:nvGrpSpPr>
+        <p:cNvPr id="1" name=""/>
+        <p:cNvGrpSpPr/>
+        <p:nvPr/>
+      </p:nvGrpSpPr>
+      <p:grpSpPr>
+        <a:xfrm>
+          <a:off x="0" y="0"/>
+          <a:ext cx="0" cy="0"/>
+          <a:chOff x="0" y="0"/>
+          <a:chExt cx="0" cy="0"/>
+        </a:xfrm>
+      </p:grpSpPr>
+      <p:sp>
+        <p:nvSpPr>
+          <p:cNvPr id="4" name="Заголовок 3">
+            <a:extLst>
+              <a:ext uri="{FF2B5EF4-FFF2-40B4-BE49-F238E27FC236}">
+                <a16:creationId xmlns:a16="http://schemas.microsoft.com/office/drawing/2014/main" id="{56B210DD-3C70-4225-BAC0-26F0709D6072}"/>
+              </a:ext>
+            </a:extLst>
+          </p:cNvPr>
+          <p:cNvSpPr>
+            <a:spLocks noGrp="1"/>
+          </p:cNvSpPr>
+          <p:nvPr>
+            <p:ph type="title"/>
+          </p:nvPr>
+        </p:nvSpPr>
+        <p:spPr/>
+        <p:txBody>
+          <a:bodyPr>
+            <a:normAutofit/>
+          </a:bodyPr>
+          <a:lstStyle/>
+          <a:p>
+            <a:r>
+              <a:rPr lang="ru-RU" b="1" dirty="0"/>
               <a:t>Принцип подстановки Барбары Лисков</a:t>
             </a:r>
             <a:r>
@@ -6690,7 +6937,7 @@
 </p:sld>
 </file>
 
-<file path=ppt/slides/slide6.xml><?xml version="1.0" encoding="utf-8"?>
+<file path=ppt/slides/slide8.xml><?xml version="1.0" encoding="utf-8"?>
 <p:sld xmlns:a="http://schemas.openxmlformats.org/drawingml/2006/main" xmlns:r="http://schemas.openxmlformats.org/officeDocument/2006/relationships" xmlns:p="http://schemas.openxmlformats.org/presentationml/2006/main">
   <p:cSld>
     <p:spTree>
@@ -6845,7 +7092,7 @@
 </p:sld>
 </file>
 
-<file path=ppt/slides/slide7.xml><?xml version="1.0" encoding="utf-8"?>
+<file path=ppt/slides/slide9.xml><?xml version="1.0" encoding="utf-8"?>
 <p:sld xmlns:a="http://schemas.openxmlformats.org/drawingml/2006/main" xmlns:r="http://schemas.openxmlformats.org/officeDocument/2006/relationships" xmlns:p="http://schemas.openxmlformats.org/presentationml/2006/main">
   <p:cSld>
     <p:spTree>

--- a/Powerpoint/SOLID_S.pptx
+++ b/Powerpoint/SOLID_S.pptx
@@ -219,7 +219,7 @@
           <a:p>
             <a:fld id="{CDDF240B-3CA8-4045-B7C9-8B67F6FA2B5E}" type="datetimeFigureOut">
               <a:rPr lang="en-US" smtClean="0"/>
-              <a:t>2019-01-23</a:t>
+              <a:t>2019-01-24</a:t>
             </a:fld>
             <a:endParaRPr lang="en-US"/>
           </a:p>
@@ -1251,7 +1251,7 @@
           <a:p>
             <a:fld id="{679D33B1-6C88-4DB6-8F59-77EBF0001DE5}" type="datetimeFigureOut">
               <a:rPr lang="en-US" smtClean="0"/>
-              <a:t>2019-01-23</a:t>
+              <a:t>2019-01-24</a:t>
             </a:fld>
             <a:endParaRPr lang="en-US"/>
           </a:p>
@@ -2161,7 +2161,7 @@
           <a:p>
             <a:fld id="{679D33B1-6C88-4DB6-8F59-77EBF0001DE5}" type="datetimeFigureOut">
               <a:rPr lang="en-US" smtClean="0"/>
-              <a:t>2019-01-23</a:t>
+              <a:t>2019-01-24</a:t>
             </a:fld>
             <a:endParaRPr lang="en-US"/>
           </a:p>
@@ -2467,7 +2467,7 @@
           <a:p>
             <a:fld id="{679D33B1-6C88-4DB6-8F59-77EBF0001DE5}" type="datetimeFigureOut">
               <a:rPr lang="en-US" smtClean="0"/>
-              <a:t>2019-01-23</a:t>
+              <a:t>2019-01-24</a:t>
             </a:fld>
             <a:endParaRPr lang="en-US"/>
           </a:p>
@@ -2853,7 +2853,7 @@
           <a:p>
             <a:fld id="{679D33B1-6C88-4DB6-8F59-77EBF0001DE5}" type="datetimeFigureOut">
               <a:rPr lang="en-US" smtClean="0"/>
-              <a:t>2019-01-23</a:t>
+              <a:t>2019-01-24</a:t>
             </a:fld>
             <a:endParaRPr lang="en-US"/>
           </a:p>
@@ -3226,7 +3226,7 @@
           <a:p>
             <a:fld id="{679D33B1-6C88-4DB6-8F59-77EBF0001DE5}" type="datetimeFigureOut">
               <a:rPr lang="en-US" smtClean="0"/>
-              <a:t>2019-01-23</a:t>
+              <a:t>2019-01-24</a:t>
             </a:fld>
             <a:endParaRPr lang="en-US"/>
           </a:p>
@@ -3729,7 +3729,7 @@
           <a:p>
             <a:fld id="{679D33B1-6C88-4DB6-8F59-77EBF0001DE5}" type="datetimeFigureOut">
               <a:rPr lang="en-US" smtClean="0"/>
-              <a:t>2019-01-23</a:t>
+              <a:t>2019-01-24</a:t>
             </a:fld>
             <a:endParaRPr lang="en-US"/>
           </a:p>
@@ -3983,7 +3983,7 @@
           <a:p>
             <a:fld id="{679D33B1-6C88-4DB6-8F59-77EBF0001DE5}" type="datetimeFigureOut">
               <a:rPr lang="en-US" smtClean="0"/>
-              <a:t>2019-01-23</a:t>
+              <a:t>2019-01-24</a:t>
             </a:fld>
             <a:endParaRPr lang="en-US"/>
           </a:p>
@@ -4146,7 +4146,7 @@
           <a:p>
             <a:fld id="{679D33B1-6C88-4DB6-8F59-77EBF0001DE5}" type="datetimeFigureOut">
               <a:rPr lang="en-US" smtClean="0"/>
-              <a:t>2019-01-23</a:t>
+              <a:t>2019-01-24</a:t>
             </a:fld>
             <a:endParaRPr lang="en-US"/>
           </a:p>
@@ -4533,7 +4533,7 @@
           <a:p>
             <a:fld id="{679D33B1-6C88-4DB6-8F59-77EBF0001DE5}" type="datetimeFigureOut">
               <a:rPr lang="en-US" smtClean="0"/>
-              <a:t>2019-01-23</a:t>
+              <a:t>2019-01-24</a:t>
             </a:fld>
             <a:endParaRPr lang="en-US"/>
           </a:p>
@@ -4939,7 +4939,7 @@
           <a:p>
             <a:fld id="{679D33B1-6C88-4DB6-8F59-77EBF0001DE5}" type="datetimeFigureOut">
               <a:rPr lang="en-US" smtClean="0"/>
-              <a:t>2019-01-23</a:t>
+              <a:t>2019-01-24</a:t>
             </a:fld>
             <a:endParaRPr lang="en-US"/>
           </a:p>
@@ -5152,7 +5152,7 @@
           <a:p>
             <a:fld id="{679D33B1-6C88-4DB6-8F59-77EBF0001DE5}" type="datetimeFigureOut">
               <a:rPr lang="en-US" smtClean="0"/>
-              <a:t>2019-01-23</a:t>
+              <a:t>2019-01-24</a:t>
             </a:fld>
             <a:endParaRPr lang="en-US"/>
           </a:p>
@@ -6566,39 +6566,78 @@
           </a:p>
         </p:txBody>
       </p:sp>
-      <p:sp>
-        <p:nvSpPr>
-          <p:cNvPr id="5" name="TextBox 4">
+      <p:pic>
+        <p:nvPicPr>
+          <p:cNvPr id="2" name="Рисунок 1"/>
+          <p:cNvPicPr>
+            <a:picLocks noChangeAspect="1"/>
+          </p:cNvPicPr>
+          <p:nvPr/>
+        </p:nvPicPr>
+        <p:blipFill>
+          <a:blip r:embed="rId2">
             <a:extLst>
-              <a:ext uri="{FF2B5EF4-FFF2-40B4-BE49-F238E27FC236}">
-                <a16:creationId xmlns:a16="http://schemas.microsoft.com/office/drawing/2014/main" id="{101A60AD-0F18-481A-96EA-970C064E5E5F}"/>
+              <a:ext uri="{28A0092B-C50C-407E-A947-70E740481C1C}">
+                <a14:useLocalDpi xmlns:a14="http://schemas.microsoft.com/office/drawing/2010/main" val="0"/>
               </a:ext>
             </a:extLst>
-          </p:cNvPr>
-          <p:cNvSpPr txBox="1"/>
-          <p:nvPr/>
-        </p:nvSpPr>
-        <p:spPr>
-          <a:xfrm>
-            <a:off x="680320" y="2239811"/>
-            <a:ext cx="9756771" cy="1077218"/>
+          </a:blip>
+          <a:stretch>
+            <a:fillRect/>
+          </a:stretch>
+        </p:blipFill>
+        <p:spPr>
+          <a:xfrm>
+            <a:off x="3170074" y="2385120"/>
+            <a:ext cx="7249368" cy="4078309"/>
           </a:xfrm>
           <a:prstGeom prst="rect">
             <a:avLst/>
           </a:prstGeom>
-          <a:noFill/>
-        </p:spPr>
-        <p:txBody>
-          <a:bodyPr wrap="square" rtlCol="0" anchor="ctr">
-            <a:spAutoFit/>
-          </a:bodyPr>
+          <a:effectLst/>
+        </p:spPr>
+      </p:pic>
+      <p:sp>
+        <p:nvSpPr>
+          <p:cNvPr id="3" name="Стрелка вправо 2"/>
+          <p:cNvSpPr/>
+          <p:nvPr/>
+        </p:nvSpPr>
+        <p:spPr>
+          <a:xfrm>
+            <a:off x="680321" y="2385120"/>
+            <a:ext cx="3027383" cy="1615857"/>
+          </a:xfrm>
+          <a:prstGeom prst="rightArrow">
+            <a:avLst>
+              <a:gd name="adj1" fmla="val 79538"/>
+              <a:gd name="adj2" fmla="val 27892"/>
+            </a:avLst>
+          </a:prstGeom>
+        </p:spPr>
+        <p:style>
+          <a:lnRef idx="0">
+            <a:schemeClr val="accent6"/>
+          </a:lnRef>
+          <a:fillRef idx="3">
+            <a:schemeClr val="accent6"/>
+          </a:fillRef>
+          <a:effectRef idx="3">
+            <a:schemeClr val="accent6"/>
+          </a:effectRef>
+          <a:fontRef idx="minor">
+            <a:schemeClr val="lt1"/>
+          </a:fontRef>
+        </p:style>
+        <p:txBody>
+          <a:bodyPr rtlCol="0" anchor="ctr"/>
           <a:lstStyle/>
           <a:p>
             <a:r>
-              <a:rPr lang="ru-RU" sz="3200" dirty="0"/>
-              <a:t>Архитектура приложений: концептуальные слои и договоренности по их использованию</a:t>
-            </a:r>
-            <a:endParaRPr lang="ru-RU" sz="3200" dirty="0"/>
+              <a:rPr lang="ru-RU" sz="1600" dirty="0"/>
+              <a:t>Концептуальные слои и договоренности по их использованию</a:t>
+            </a:r>
+            <a:endParaRPr lang="ru-RU" sz="1600" dirty="0"/>
           </a:p>
         </p:txBody>
       </p:sp>

--- a/Powerpoint/SOLID_S.pptx
+++ b/Powerpoint/SOLID_S.pptx
@@ -219,7 +219,7 @@
           <a:p>
             <a:fld id="{CDDF240B-3CA8-4045-B7C9-8B67F6FA2B5E}" type="datetimeFigureOut">
               <a:rPr lang="en-US" smtClean="0"/>
-              <a:t>2019-01-24</a:t>
+              <a:t>2019-01-25</a:t>
             </a:fld>
             <a:endParaRPr lang="en-US"/>
           </a:p>
@@ -1251,7 +1251,7 @@
           <a:p>
             <a:fld id="{679D33B1-6C88-4DB6-8F59-77EBF0001DE5}" type="datetimeFigureOut">
               <a:rPr lang="en-US" smtClean="0"/>
-              <a:t>2019-01-24</a:t>
+              <a:t>2019-01-25</a:t>
             </a:fld>
             <a:endParaRPr lang="en-US"/>
           </a:p>
@@ -2161,7 +2161,7 @@
           <a:p>
             <a:fld id="{679D33B1-6C88-4DB6-8F59-77EBF0001DE5}" type="datetimeFigureOut">
               <a:rPr lang="en-US" smtClean="0"/>
-              <a:t>2019-01-24</a:t>
+              <a:t>2019-01-25</a:t>
             </a:fld>
             <a:endParaRPr lang="en-US"/>
           </a:p>
@@ -2467,7 +2467,7 @@
           <a:p>
             <a:fld id="{679D33B1-6C88-4DB6-8F59-77EBF0001DE5}" type="datetimeFigureOut">
               <a:rPr lang="en-US" smtClean="0"/>
-              <a:t>2019-01-24</a:t>
+              <a:t>2019-01-25</a:t>
             </a:fld>
             <a:endParaRPr lang="en-US"/>
           </a:p>
@@ -2853,7 +2853,7 @@
           <a:p>
             <a:fld id="{679D33B1-6C88-4DB6-8F59-77EBF0001DE5}" type="datetimeFigureOut">
               <a:rPr lang="en-US" smtClean="0"/>
-              <a:t>2019-01-24</a:t>
+              <a:t>2019-01-25</a:t>
             </a:fld>
             <a:endParaRPr lang="en-US"/>
           </a:p>
@@ -3226,7 +3226,7 @@
           <a:p>
             <a:fld id="{679D33B1-6C88-4DB6-8F59-77EBF0001DE5}" type="datetimeFigureOut">
               <a:rPr lang="en-US" smtClean="0"/>
-              <a:t>2019-01-24</a:t>
+              <a:t>2019-01-25</a:t>
             </a:fld>
             <a:endParaRPr lang="en-US"/>
           </a:p>
@@ -3729,7 +3729,7 @@
           <a:p>
             <a:fld id="{679D33B1-6C88-4DB6-8F59-77EBF0001DE5}" type="datetimeFigureOut">
               <a:rPr lang="en-US" smtClean="0"/>
-              <a:t>2019-01-24</a:t>
+              <a:t>2019-01-25</a:t>
             </a:fld>
             <a:endParaRPr lang="en-US"/>
           </a:p>
@@ -3983,7 +3983,7 @@
           <a:p>
             <a:fld id="{679D33B1-6C88-4DB6-8F59-77EBF0001DE5}" type="datetimeFigureOut">
               <a:rPr lang="en-US" smtClean="0"/>
-              <a:t>2019-01-24</a:t>
+              <a:t>2019-01-25</a:t>
             </a:fld>
             <a:endParaRPr lang="en-US"/>
           </a:p>
@@ -4146,7 +4146,7 @@
           <a:p>
             <a:fld id="{679D33B1-6C88-4DB6-8F59-77EBF0001DE5}" type="datetimeFigureOut">
               <a:rPr lang="en-US" smtClean="0"/>
-              <a:t>2019-01-24</a:t>
+              <a:t>2019-01-25</a:t>
             </a:fld>
             <a:endParaRPr lang="en-US"/>
           </a:p>
@@ -4533,7 +4533,7 @@
           <a:p>
             <a:fld id="{679D33B1-6C88-4DB6-8F59-77EBF0001DE5}" type="datetimeFigureOut">
               <a:rPr lang="en-US" smtClean="0"/>
-              <a:t>2019-01-24</a:t>
+              <a:t>2019-01-25</a:t>
             </a:fld>
             <a:endParaRPr lang="en-US"/>
           </a:p>
@@ -4939,7 +4939,7 @@
           <a:p>
             <a:fld id="{679D33B1-6C88-4DB6-8F59-77EBF0001DE5}" type="datetimeFigureOut">
               <a:rPr lang="en-US" smtClean="0"/>
-              <a:t>2019-01-24</a:t>
+              <a:t>2019-01-25</a:t>
             </a:fld>
             <a:endParaRPr lang="en-US"/>
           </a:p>
@@ -5152,7 +5152,7 @@
           <a:p>
             <a:fld id="{679D33B1-6C88-4DB6-8F59-77EBF0001DE5}" type="datetimeFigureOut">
               <a:rPr lang="en-US" smtClean="0"/>
-              <a:t>2019-01-24</a:t>
+              <a:t>2019-01-25</a:t>
             </a:fld>
             <a:endParaRPr lang="en-US"/>
           </a:p>
@@ -5826,6 +5826,36 @@
           </a:p>
         </p:txBody>
       </p:sp>
+      <p:sp>
+        <p:nvSpPr>
+          <p:cNvPr id="4" name="TextBox 3"/>
+          <p:cNvSpPr txBox="1"/>
+          <p:nvPr/>
+        </p:nvSpPr>
+        <p:spPr>
+          <a:xfrm>
+            <a:off x="548668" y="2061549"/>
+            <a:ext cx="8275788" cy="369332"/>
+          </a:xfrm>
+          <a:prstGeom prst="rect">
+            <a:avLst/>
+          </a:prstGeom>
+          <a:noFill/>
+        </p:spPr>
+        <p:txBody>
+          <a:bodyPr wrap="square" rtlCol="0">
+            <a:spAutoFit/>
+          </a:bodyPr>
+          <a:lstStyle/>
+          <a:p>
+            <a:r>
+              <a:rPr lang="ru-RU" dirty="0" smtClean="0"/>
+              <a:t>Пять основных принципов объектно-ориентированное  программирования</a:t>
+            </a:r>
+            <a:endParaRPr lang="en-US" dirty="0"/>
+          </a:p>
+        </p:txBody>
+      </p:sp>
     </p:spTree>
     <p:extLst>
       <p:ext uri="{BB962C8B-B14F-4D97-AF65-F5344CB8AC3E}">
@@ -5987,7 +6017,7 @@
         </p:nvSpPr>
         <p:spPr>
           <a:xfrm>
-            <a:off x="576263" y="6061129"/>
+            <a:off x="576263" y="6203931"/>
             <a:ext cx="9717919" cy="338554"/>
           </a:xfrm>
           <a:prstGeom prst="rect">
@@ -6073,7 +6103,7 @@
         <p:spPr>
           <a:xfrm>
             <a:off x="576263" y="2233613"/>
-            <a:ext cx="9836982" cy="2677656"/>
+            <a:ext cx="9836982" cy="3970318"/>
           </a:xfrm>
           <a:prstGeom prst="rect">
             <a:avLst/>
@@ -6190,7 +6220,20 @@
               <a:rPr lang="ru-RU" sz="2400" dirty="0" smtClean="0"/>
               <a:t>.</a:t>
             </a:r>
-            <a:endParaRPr lang="en-US" sz="2400" dirty="0"/>
+          </a:p>
+          <a:p>
+            <a:endParaRPr lang="ru-RU" sz="2400" dirty="0"/>
+          </a:p>
+          <a:p>
+            <a:r>
+              <a:rPr lang="ru-RU" dirty="0"/>
+              <a:t>Использование в совокупности данных принципов позволяет повысить вероятность того, что программист создаст систему, которую будет легко поддерживать и расширять в течение долгого </a:t>
+            </a:r>
+            <a:r>
+              <a:rPr lang="ru-RU" dirty="0" smtClean="0"/>
+              <a:t>времени.</a:t>
+            </a:r>
+            <a:endParaRPr lang="en-US" dirty="0"/>
           </a:p>
         </p:txBody>
       </p:sp>
@@ -6637,7 +6680,6 @@
               <a:rPr lang="ru-RU" sz="1600" dirty="0"/>
               <a:t>Концептуальные слои и договоренности по их использованию</a:t>
             </a:r>
-            <a:endParaRPr lang="ru-RU" sz="1600" dirty="0"/>
           </a:p>
         </p:txBody>
       </p:sp>

--- a/Powerpoint/SOLID_S.pptx
+++ b/Powerpoint/SOLID_S.pptx
@@ -5,18 +5,20 @@
     <p:sldMasterId id="2147483762" r:id="rId1"/>
   </p:sldMasterIdLst>
   <p:handoutMasterIdLst>
-    <p:handoutMasterId r:id="rId11"/>
+    <p:handoutMasterId r:id="rId13"/>
   </p:handoutMasterIdLst>
   <p:sldIdLst>
     <p:sldId id="256" r:id="rId2"/>
     <p:sldId id="262" r:id="rId3"/>
-    <p:sldId id="257" r:id="rId4"/>
-    <p:sldId id="263" r:id="rId5"/>
-    <p:sldId id="264" r:id="rId6"/>
-    <p:sldId id="258" r:id="rId7"/>
-    <p:sldId id="259" r:id="rId8"/>
-    <p:sldId id="260" r:id="rId9"/>
-    <p:sldId id="261" r:id="rId10"/>
+    <p:sldId id="265" r:id="rId4"/>
+    <p:sldId id="266" r:id="rId5"/>
+    <p:sldId id="257" r:id="rId6"/>
+    <p:sldId id="263" r:id="rId7"/>
+    <p:sldId id="264" r:id="rId8"/>
+    <p:sldId id="258" r:id="rId9"/>
+    <p:sldId id="259" r:id="rId10"/>
+    <p:sldId id="260" r:id="rId11"/>
+    <p:sldId id="261" r:id="rId12"/>
   </p:sldIdLst>
   <p:sldSz cx="12192000" cy="6858000"/>
   <p:notesSz cx="6858000" cy="9144000"/>
@@ -5954,6 +5956,320 @@
 </p:sld>
 </file>
 
+<file path=ppt/slides/slide10.xml><?xml version="1.0" encoding="utf-8"?>
+<p:sld xmlns:a="http://schemas.openxmlformats.org/drawingml/2006/main" xmlns:r="http://schemas.openxmlformats.org/officeDocument/2006/relationships" xmlns:p="http://schemas.openxmlformats.org/presentationml/2006/main">
+  <p:cSld>
+    <p:spTree>
+      <p:nvGrpSpPr>
+        <p:cNvPr id="1" name=""/>
+        <p:cNvGrpSpPr/>
+        <p:nvPr/>
+      </p:nvGrpSpPr>
+      <p:grpSpPr>
+        <a:xfrm>
+          <a:off x="0" y="0"/>
+          <a:ext cx="0" cy="0"/>
+          <a:chOff x="0" y="0"/>
+          <a:chExt cx="0" cy="0"/>
+        </a:xfrm>
+      </p:grpSpPr>
+      <p:sp>
+        <p:nvSpPr>
+          <p:cNvPr id="4" name="Заголовок 3">
+            <a:extLst>
+              <a:ext uri="{FF2B5EF4-FFF2-40B4-BE49-F238E27FC236}">
+                <a16:creationId xmlns:a16="http://schemas.microsoft.com/office/drawing/2014/main" id="{56B210DD-3C70-4225-BAC0-26F0709D6072}"/>
+              </a:ext>
+            </a:extLst>
+          </p:cNvPr>
+          <p:cNvSpPr>
+            <a:spLocks noGrp="1"/>
+          </p:cNvSpPr>
+          <p:nvPr>
+            <p:ph type="title"/>
+          </p:nvPr>
+        </p:nvSpPr>
+        <p:spPr/>
+        <p:txBody>
+          <a:bodyPr>
+            <a:normAutofit/>
+          </a:bodyPr>
+          <a:lstStyle/>
+          <a:p>
+            <a:r>
+              <a:rPr lang="ru-RU" b="1" dirty="0"/>
+              <a:t>Принцип разделения интерфейса</a:t>
+            </a:r>
+            <a:r>
+              <a:rPr lang="en-US" b="1" dirty="0"/>
+              <a:t/>
+            </a:r>
+            <a:br>
+              <a:rPr lang="en-US" b="1" dirty="0"/>
+            </a:br>
+            <a:r>
+              <a:rPr lang="en-US" sz="3200" i="1" dirty="0"/>
+              <a:t>The Interface Segregation Principle</a:t>
+            </a:r>
+            <a:endParaRPr lang="en-US" dirty="0"/>
+          </a:p>
+        </p:txBody>
+      </p:sp>
+      <p:sp>
+        <p:nvSpPr>
+          <p:cNvPr id="3" name="TextBox 2">
+            <a:extLst>
+              <a:ext uri="{FF2B5EF4-FFF2-40B4-BE49-F238E27FC236}">
+                <a16:creationId xmlns:a16="http://schemas.microsoft.com/office/drawing/2014/main" id="{9D5961E6-AF38-4100-8B63-BD9839E777E6}"/>
+              </a:ext>
+            </a:extLst>
+          </p:cNvPr>
+          <p:cNvSpPr txBox="1"/>
+          <p:nvPr/>
+        </p:nvSpPr>
+        <p:spPr>
+          <a:xfrm>
+            <a:off x="576263" y="2233613"/>
+            <a:ext cx="9836982" cy="3354765"/>
+          </a:xfrm>
+          <a:prstGeom prst="rect">
+            <a:avLst/>
+          </a:prstGeom>
+          <a:noFill/>
+        </p:spPr>
+        <p:txBody>
+          <a:bodyPr wrap="square" rtlCol="0">
+            <a:spAutoFit/>
+          </a:bodyPr>
+          <a:lstStyle/>
+          <a:p>
+            <a:r>
+              <a:rPr lang="ru-RU" sz="2800" dirty="0">
+                <a:solidFill>
+                  <a:srgbClr val="FFFF00"/>
+                </a:solidFill>
+              </a:rPr>
+              <a:t>Много интерфейсов, специально предназначенных для клиентов, лучше, чем один интерфейс общего назначения.</a:t>
+            </a:r>
+          </a:p>
+          <a:p>
+            <a:endParaRPr lang="ru-RU" sz="2800" dirty="0"/>
+          </a:p>
+          <a:p>
+            <a:r>
+              <a:rPr lang="ru-RU" sz="2000" dirty="0"/>
+              <a:t>Принцип разделения интерфейса (англ. </a:t>
+            </a:r>
+            <a:r>
+              <a:rPr lang="ru-RU" sz="2000" dirty="0" err="1"/>
+              <a:t>Interface</a:t>
+            </a:r>
+            <a:r>
+              <a:rPr lang="ru-RU" sz="2000" dirty="0"/>
+              <a:t> </a:t>
+            </a:r>
+            <a:r>
+              <a:rPr lang="ru-RU" sz="2000" dirty="0" err="1"/>
+              <a:t>Segregation</a:t>
+            </a:r>
+            <a:r>
+              <a:rPr lang="ru-RU" sz="2000" dirty="0"/>
+              <a:t> </a:t>
+            </a:r>
+            <a:r>
+              <a:rPr lang="ru-RU" sz="2000" dirty="0" err="1"/>
+              <a:t>Principle</a:t>
+            </a:r>
+            <a:r>
+              <a:rPr lang="ru-RU" sz="2000" dirty="0"/>
+              <a:t>, ISP) — один из пяти принципов проектирования классов «SOLID» в объектно-ориентированном программировании. Следование этому принципу помогает системе оставаться гибкой при внесении изменений в логику работы и пригодной для рефакторинга. </a:t>
+            </a:r>
+            <a:endParaRPr lang="en-US" sz="2000" dirty="0"/>
+          </a:p>
+        </p:txBody>
+      </p:sp>
+    </p:spTree>
+    <p:extLst>
+      <p:ext uri="{BB962C8B-B14F-4D97-AF65-F5344CB8AC3E}">
+        <p14:creationId xmlns:p14="http://schemas.microsoft.com/office/powerpoint/2010/main" val="4123811333"/>
+      </p:ext>
+    </p:extLst>
+  </p:cSld>
+  <p:clrMapOvr>
+    <a:masterClrMapping/>
+  </p:clrMapOvr>
+  <p:transition spd="slow">
+    <p:cover/>
+  </p:transition>
+  <p:timing>
+    <p:tnLst>
+      <p:par>
+        <p:cTn id="1" dur="indefinite" restart="never" nodeType="tmRoot"/>
+      </p:par>
+    </p:tnLst>
+  </p:timing>
+</p:sld>
+</file>
+
+<file path=ppt/slides/slide11.xml><?xml version="1.0" encoding="utf-8"?>
+<p:sld xmlns:a="http://schemas.openxmlformats.org/drawingml/2006/main" xmlns:r="http://schemas.openxmlformats.org/officeDocument/2006/relationships" xmlns:p="http://schemas.openxmlformats.org/presentationml/2006/main">
+  <p:cSld>
+    <p:spTree>
+      <p:nvGrpSpPr>
+        <p:cNvPr id="1" name=""/>
+        <p:cNvGrpSpPr/>
+        <p:nvPr/>
+      </p:nvGrpSpPr>
+      <p:grpSpPr>
+        <a:xfrm>
+          <a:off x="0" y="0"/>
+          <a:ext cx="0" cy="0"/>
+          <a:chOff x="0" y="0"/>
+          <a:chExt cx="0" cy="0"/>
+        </a:xfrm>
+      </p:grpSpPr>
+      <p:sp>
+        <p:nvSpPr>
+          <p:cNvPr id="4" name="Заголовок 3">
+            <a:extLst>
+              <a:ext uri="{FF2B5EF4-FFF2-40B4-BE49-F238E27FC236}">
+                <a16:creationId xmlns:a16="http://schemas.microsoft.com/office/drawing/2014/main" id="{56B210DD-3C70-4225-BAC0-26F0709D6072}"/>
+              </a:ext>
+            </a:extLst>
+          </p:cNvPr>
+          <p:cNvSpPr>
+            <a:spLocks noGrp="1"/>
+          </p:cNvSpPr>
+          <p:nvPr>
+            <p:ph type="title"/>
+          </p:nvPr>
+        </p:nvSpPr>
+        <p:spPr/>
+        <p:txBody>
+          <a:bodyPr>
+            <a:normAutofit/>
+          </a:bodyPr>
+          <a:lstStyle/>
+          <a:p>
+            <a:r>
+              <a:rPr lang="ru-RU" b="1" dirty="0"/>
+              <a:t>Принцип инверсии зависимостей</a:t>
+            </a:r>
+            <a:r>
+              <a:rPr lang="en-US" b="1" dirty="0"/>
+              <a:t/>
+            </a:r>
+            <a:br>
+              <a:rPr lang="en-US" b="1" dirty="0"/>
+            </a:br>
+            <a:r>
+              <a:rPr lang="en-US" sz="3200" i="1" dirty="0"/>
+              <a:t>The Dependency Inversion Principle</a:t>
+            </a:r>
+            <a:endParaRPr lang="en-US" dirty="0"/>
+          </a:p>
+        </p:txBody>
+      </p:sp>
+      <p:sp>
+        <p:nvSpPr>
+          <p:cNvPr id="3" name="TextBox 2">
+            <a:extLst>
+              <a:ext uri="{FF2B5EF4-FFF2-40B4-BE49-F238E27FC236}">
+                <a16:creationId xmlns:a16="http://schemas.microsoft.com/office/drawing/2014/main" id="{E2033C19-F6E3-4D93-9DFB-30667C14D781}"/>
+              </a:ext>
+            </a:extLst>
+          </p:cNvPr>
+          <p:cNvSpPr txBox="1"/>
+          <p:nvPr/>
+        </p:nvSpPr>
+        <p:spPr>
+          <a:xfrm>
+            <a:off x="576263" y="2233613"/>
+            <a:ext cx="9836982" cy="2616101"/>
+          </a:xfrm>
+          <a:prstGeom prst="rect">
+            <a:avLst/>
+          </a:prstGeom>
+          <a:noFill/>
+        </p:spPr>
+        <p:txBody>
+          <a:bodyPr wrap="square" rtlCol="0">
+            <a:spAutoFit/>
+          </a:bodyPr>
+          <a:lstStyle/>
+          <a:p>
+            <a:r>
+              <a:rPr lang="ru-RU" sz="2800" dirty="0">
+                <a:solidFill>
+                  <a:srgbClr val="FFFF00"/>
+                </a:solidFill>
+              </a:rPr>
+              <a:t>Зависимость на Абстракциях. Нет зависимости на что-то конкретное.</a:t>
+            </a:r>
+          </a:p>
+          <a:p>
+            <a:endParaRPr lang="ru-RU" sz="2800" dirty="0"/>
+          </a:p>
+          <a:p>
+            <a:r>
+              <a:rPr lang="ru-RU" sz="2000" dirty="0"/>
+              <a:t>Принцип инверсии зависимостей (англ. </a:t>
+            </a:r>
+            <a:r>
+              <a:rPr lang="ru-RU" sz="2000" dirty="0" err="1"/>
+              <a:t>dependency</a:t>
+            </a:r>
+            <a:r>
+              <a:rPr lang="ru-RU" sz="2000" dirty="0"/>
+              <a:t> </a:t>
+            </a:r>
+            <a:r>
+              <a:rPr lang="ru-RU" sz="2000" dirty="0" err="1"/>
+              <a:t>inversion</a:t>
+            </a:r>
+            <a:r>
+              <a:rPr lang="ru-RU" sz="2000" dirty="0"/>
+              <a:t> </a:t>
+            </a:r>
+            <a:r>
+              <a:rPr lang="ru-RU" sz="2000" dirty="0" err="1"/>
+              <a:t>principle</a:t>
+            </a:r>
+            <a:r>
+              <a:rPr lang="ru-RU" sz="2000" dirty="0"/>
+              <a:t>, DIP) — важный принцип объектно-ориентированного программирования, используемый для уменьшения зацепления в компьютерных программах. </a:t>
+            </a:r>
+            <a:r>
+              <a:rPr lang="ru-RU" sz="2000"/>
+              <a:t>Входит в пятёрку принципов SOLID.</a:t>
+            </a:r>
+            <a:endParaRPr lang="en-US" sz="2000" dirty="0"/>
+          </a:p>
+        </p:txBody>
+      </p:sp>
+    </p:spTree>
+    <p:extLst>
+      <p:ext uri="{BB962C8B-B14F-4D97-AF65-F5344CB8AC3E}">
+        <p14:creationId xmlns:p14="http://schemas.microsoft.com/office/powerpoint/2010/main" val="2251797272"/>
+      </p:ext>
+    </p:extLst>
+  </p:cSld>
+  <p:clrMapOvr>
+    <a:masterClrMapping/>
+  </p:clrMapOvr>
+  <p:transition spd="slow">
+    <p:cover/>
+  </p:transition>
+  <p:timing>
+    <p:tnLst>
+      <p:par>
+        <p:cTn id="1" dur="indefinite" restart="never" nodeType="tmRoot"/>
+      </p:par>
+    </p:tnLst>
+  </p:timing>
+</p:sld>
+</file>
+
 <file path=ppt/slides/slide2.xml><?xml version="1.0" encoding="utf-8"?>
 <p:sld xmlns:a="http://schemas.openxmlformats.org/drawingml/2006/main" xmlns:r="http://schemas.openxmlformats.org/officeDocument/2006/relationships" xmlns:p="http://schemas.openxmlformats.org/presentationml/2006/main">
   <p:cSld>
@@ -6103,7 +6419,7 @@
         <p:spPr>
           <a:xfrm>
             <a:off x="576263" y="2233613"/>
-            <a:ext cx="9836982" cy="3970318"/>
+            <a:ext cx="9836982" cy="3539430"/>
           </a:xfrm>
           <a:prstGeom prst="rect">
             <a:avLst/>
@@ -6117,15 +6433,15 @@
           <a:lstStyle/>
           <a:p>
             <a:r>
-              <a:rPr lang="en-US" sz="2400" dirty="0"/>
+              <a:rPr lang="en-US" sz="2800" dirty="0"/>
               <a:t>SOLID (</a:t>
             </a:r>
             <a:r>
-              <a:rPr lang="ru-RU" sz="2400" dirty="0"/>
+              <a:rPr lang="ru-RU" sz="2800" dirty="0"/>
               <a:t>сокр. от англ. </a:t>
             </a:r>
             <a:r>
-              <a:rPr lang="en-US" sz="2400" b="1" dirty="0">
+              <a:rPr lang="en-US" sz="2800" b="1" dirty="0">
                 <a:solidFill>
                   <a:srgbClr val="FFFF00"/>
                 </a:solidFill>
@@ -6133,11 +6449,11 @@
               <a:t>single responsibility</a:t>
             </a:r>
             <a:r>
-              <a:rPr lang="en-US" sz="2400" dirty="0"/>
+              <a:rPr lang="en-US" sz="2800" dirty="0"/>
               <a:t>, </a:t>
             </a:r>
             <a:r>
-              <a:rPr lang="en-US" sz="2400" b="1" dirty="0">
+              <a:rPr lang="en-US" sz="2800" b="1" dirty="0">
                 <a:solidFill>
                   <a:srgbClr val="FFFF00"/>
                 </a:solidFill>
@@ -6145,11 +6461,11 @@
               <a:t>open-closed</a:t>
             </a:r>
             <a:r>
-              <a:rPr lang="en-US" sz="2400" dirty="0"/>
+              <a:rPr lang="en-US" sz="2800" dirty="0"/>
               <a:t>, </a:t>
             </a:r>
             <a:r>
-              <a:rPr lang="en-US" sz="2400" b="1" dirty="0" err="1">
+              <a:rPr lang="en-US" sz="2800" b="1" dirty="0" err="1">
                 <a:solidFill>
                   <a:srgbClr val="FFFF00"/>
                 </a:solidFill>
@@ -6157,7 +6473,7 @@
               <a:t>Liskov</a:t>
             </a:r>
             <a:r>
-              <a:rPr lang="en-US" sz="2400" b="1" dirty="0">
+              <a:rPr lang="en-US" sz="2800" b="1" dirty="0">
                 <a:solidFill>
                   <a:srgbClr val="FFFF00"/>
                 </a:solidFill>
@@ -6165,11 +6481,11 @@
               <a:t> substitution</a:t>
             </a:r>
             <a:r>
-              <a:rPr lang="en-US" sz="2400" dirty="0"/>
+              <a:rPr lang="en-US" sz="2800" dirty="0"/>
               <a:t>, </a:t>
             </a:r>
             <a:r>
-              <a:rPr lang="en-US" sz="2400" b="1" dirty="0">
+              <a:rPr lang="en-US" sz="2800" b="1" dirty="0">
                 <a:solidFill>
                   <a:srgbClr val="FFFF00"/>
                 </a:solidFill>
@@ -6177,15 +6493,15 @@
               <a:t>interface segregation</a:t>
             </a:r>
             <a:r>
-              <a:rPr lang="en-US" sz="2400" dirty="0"/>
+              <a:rPr lang="en-US" sz="2800" dirty="0"/>
               <a:t> </a:t>
             </a:r>
             <a:r>
-              <a:rPr lang="ru-RU" sz="2400" dirty="0"/>
+              <a:rPr lang="ru-RU" sz="2800" dirty="0"/>
               <a:t>и </a:t>
             </a:r>
             <a:r>
-              <a:rPr lang="en-US" sz="2400" b="1" dirty="0">
+              <a:rPr lang="en-US" sz="2800" b="1" dirty="0">
                 <a:solidFill>
                   <a:srgbClr val="FFFF00"/>
                 </a:solidFill>
@@ -6193,47 +6509,34 @@
               <a:t>dependency inversion</a:t>
             </a:r>
             <a:r>
-              <a:rPr lang="en-US" sz="2400" dirty="0"/>
+              <a:rPr lang="en-US" sz="2800" dirty="0"/>
               <a:t>) </a:t>
             </a:r>
             <a:r>
-              <a:rPr lang="ru-RU" sz="2400" dirty="0"/>
+              <a:rPr lang="ru-RU" sz="2800" dirty="0"/>
               <a:t>в программировании — мнемонический акроним, введённый Майклом </a:t>
             </a:r>
             <a:r>
-              <a:rPr lang="ru-RU" sz="2400" dirty="0" err="1"/>
+              <a:rPr lang="ru-RU" sz="2800" dirty="0" err="1"/>
               <a:t>Фэзерсом</a:t>
             </a:r>
             <a:r>
-              <a:rPr lang="ru-RU" sz="2400" dirty="0"/>
+              <a:rPr lang="ru-RU" sz="2800" dirty="0"/>
               <a:t> (</a:t>
             </a:r>
             <a:r>
-              <a:rPr lang="en-US" sz="2400" dirty="0"/>
+              <a:rPr lang="en-US" sz="2800" dirty="0"/>
               <a:t>Michael Feathers) </a:t>
             </a:r>
             <a:r>
-              <a:rPr lang="ru-RU" sz="2400" dirty="0"/>
+              <a:rPr lang="ru-RU" sz="2800" dirty="0"/>
               <a:t>для первых пяти принципов, названных Робертом Мартином в начале 2000-х, которые означали пять основных принципов объектно-ориентированного программирования и проектирования</a:t>
             </a:r>
             <a:r>
-              <a:rPr lang="ru-RU" sz="2400" dirty="0" smtClean="0"/>
+              <a:rPr lang="ru-RU" sz="2800" dirty="0" smtClean="0"/>
               <a:t>.</a:t>
             </a:r>
-          </a:p>
-          <a:p>
-            <a:endParaRPr lang="ru-RU" sz="2400" dirty="0"/>
-          </a:p>
-          <a:p>
-            <a:r>
-              <a:rPr lang="ru-RU" dirty="0"/>
-              <a:t>Использование в совокупности данных принципов позволяет повысить вероятность того, что программист создаст систему, которую будет легко поддерживать и расширять в течение долгого </a:t>
-            </a:r>
-            <a:r>
-              <a:rPr lang="ru-RU" dirty="0" smtClean="0"/>
-              <a:t>времени.</a:t>
-            </a:r>
-            <a:endParaRPr lang="en-US" dirty="0"/>
+            <a:endParaRPr lang="ru-RU" sz="2800" dirty="0" smtClean="0"/>
           </a:p>
         </p:txBody>
       </p:sp>
@@ -6279,10 +6582,10 @@
       </p:grpSpPr>
       <p:sp>
         <p:nvSpPr>
-          <p:cNvPr id="4" name="Заголовок 3">
+          <p:cNvPr id="2" name="Заголовок 1">
             <a:extLst>
               <a:ext uri="{FF2B5EF4-FFF2-40B4-BE49-F238E27FC236}">
-                <a16:creationId xmlns:a16="http://schemas.microsoft.com/office/drawing/2014/main" id="{56B210DD-3C70-4225-BAC0-26F0709D6072}"/>
+                <a16:creationId xmlns:a16="http://schemas.microsoft.com/office/drawing/2014/main" id="{EB4F0F77-D976-4217-99A3-C3568F5A5ADF}"/>
               </a:ext>
             </a:extLst>
           </p:cNvPr>
@@ -6295,36 +6598,26 @@
         </p:nvSpPr>
         <p:spPr/>
         <p:txBody>
-          <a:bodyPr>
-            <a:normAutofit/>
-          </a:bodyPr>
+          <a:bodyPr/>
           <a:lstStyle/>
           <a:p>
             <a:r>
-              <a:rPr lang="ru-RU" b="1" dirty="0"/>
-              <a:t>Принцип единственной ответственности</a:t>
-            </a:r>
-            <a:r>
-              <a:rPr lang="en-US" b="1" dirty="0"/>
-              <a:t/>
-            </a:r>
-            <a:br>
-              <a:rPr lang="en-US" b="1" dirty="0"/>
-            </a:br>
-            <a:r>
-              <a:rPr lang="en-US" sz="3200" i="1" dirty="0"/>
-              <a:t>The Single Responsibility Principle</a:t>
-            </a:r>
-            <a:endParaRPr lang="en-US" dirty="0"/>
-          </a:p>
-        </p:txBody>
-      </p:sp>
-      <p:sp>
-        <p:nvSpPr>
-          <p:cNvPr id="15" name="TextBox 14">
+              <a:rPr lang="ru-RU" dirty="0"/>
+              <a:t>Коротко про </a:t>
+            </a:r>
+            <a:r>
+              <a:rPr lang="en-US" dirty="0"/>
+              <a:t>SOLID</a:t>
+            </a:r>
+          </a:p>
+        </p:txBody>
+      </p:sp>
+      <p:sp>
+        <p:nvSpPr>
+          <p:cNvPr id="4" name="TextBox 3">
             <a:extLst>
               <a:ext uri="{FF2B5EF4-FFF2-40B4-BE49-F238E27FC236}">
-                <a16:creationId xmlns:a16="http://schemas.microsoft.com/office/drawing/2014/main" id="{101A60AD-0F18-481A-96EA-970C064E5E5F}"/>
+                <a16:creationId xmlns:a16="http://schemas.microsoft.com/office/drawing/2014/main" id="{077D61FE-C636-4EF0-856E-B1D57722A55D}"/>
               </a:ext>
             </a:extLst>
           </p:cNvPr>
@@ -6333,8 +6626,8 @@
         </p:nvSpPr>
         <p:spPr>
           <a:xfrm>
-            <a:off x="576263" y="2233613"/>
-            <a:ext cx="9836982" cy="2492990"/>
+            <a:off x="576263" y="3181451"/>
+            <a:ext cx="9717919" cy="338554"/>
           </a:xfrm>
           <a:prstGeom prst="rect">
             <a:avLst/>
@@ -6347,63 +6640,157 @@
           </a:bodyPr>
           <a:lstStyle/>
           <a:p>
-            <a:r>
-              <a:rPr lang="ru-RU" sz="2800" dirty="0">
+            <a:pPr algn="just"/>
+            <a:r>
+              <a:rPr lang="ru-RU" sz="1600" dirty="0" smtClean="0">
                 <a:solidFill>
-                  <a:srgbClr val="FFFF00"/>
+                  <a:schemeClr val="accent1"/>
                 </a:solidFill>
               </a:rPr>
-              <a:t>Каждый класс выполняет лишь одну задачу.</a:t>
-            </a:r>
-          </a:p>
-          <a:p>
-            <a:endParaRPr lang="ru-RU" sz="2800" dirty="0"/>
-          </a:p>
-          <a:p>
-            <a:r>
-              <a:rPr lang="ru-RU" sz="2000" dirty="0"/>
-              <a:t>Принцип единственной ответственности (англ. </a:t>
-            </a:r>
-            <a:r>
-              <a:rPr lang="ru-RU" sz="2000" dirty="0" err="1"/>
-              <a:t>The</a:t>
-            </a:r>
-            <a:r>
-              <a:rPr lang="ru-RU" sz="2000" dirty="0"/>
-              <a:t> </a:t>
-            </a:r>
-            <a:r>
-              <a:rPr lang="ru-RU" sz="2000" dirty="0" err="1"/>
-              <a:t>Single</a:t>
-            </a:r>
-            <a:r>
-              <a:rPr lang="ru-RU" sz="2000" dirty="0"/>
-              <a:t> </a:t>
-            </a:r>
-            <a:r>
-              <a:rPr lang="ru-RU" sz="2000" dirty="0" err="1"/>
-              <a:t>Responsibility</a:t>
-            </a:r>
-            <a:r>
-              <a:rPr lang="ru-RU" sz="2000" dirty="0"/>
-              <a:t> </a:t>
-            </a:r>
-            <a:r>
-              <a:rPr lang="ru-RU" sz="2000" dirty="0" err="1"/>
-              <a:t>Principle</a:t>
-            </a:r>
-            <a:r>
-              <a:rPr lang="ru-RU" sz="2000" dirty="0"/>
-              <a:t>, SRP) — принцип ООП, обозначающий, что каждый объект должен иметь одну ответственность и эта ответственность должна быть полностью инкапсулирована в класс. Все его поведения должны быть направлены исключительно на обеспечение этой ответственности.</a:t>
-            </a:r>
-            <a:endParaRPr lang="en-US" sz="2000" dirty="0"/>
+              <a:t>Источник</a:t>
+            </a:r>
+            <a:r>
+              <a:rPr lang="ru-RU" sz="1600" dirty="0">
+                <a:solidFill>
+                  <a:schemeClr val="accent1"/>
+                </a:solidFill>
+              </a:rPr>
+              <a:t>: </a:t>
+            </a:r>
+            <a:r>
+              <a:rPr lang="en-US" sz="1600" dirty="0">
+                <a:solidFill>
+                  <a:schemeClr val="accent1"/>
+                </a:solidFill>
+              </a:rPr>
+              <a:t>https://ru.wikipedia.org/wiki/SOLID_(</a:t>
+            </a:r>
+            <a:r>
+              <a:rPr lang="ru-RU" sz="1600" dirty="0">
+                <a:solidFill>
+                  <a:schemeClr val="accent1"/>
+                </a:solidFill>
+              </a:rPr>
+              <a:t>объектно-</a:t>
+            </a:r>
+            <a:r>
+              <a:rPr lang="ru-RU" sz="1600" dirty="0" err="1">
+                <a:solidFill>
+                  <a:schemeClr val="accent1"/>
+                </a:solidFill>
+              </a:rPr>
+              <a:t>ориентированное_программирование</a:t>
+            </a:r>
+            <a:r>
+              <a:rPr lang="ru-RU" sz="1600" dirty="0">
+                <a:solidFill>
+                  <a:schemeClr val="accent1"/>
+                </a:solidFill>
+              </a:rPr>
+              <a:t>)</a:t>
+            </a:r>
+            <a:endParaRPr lang="en-US" sz="1600" dirty="0">
+              <a:solidFill>
+                <a:schemeClr val="accent1"/>
+              </a:solidFill>
+            </a:endParaRPr>
+          </a:p>
+        </p:txBody>
+      </p:sp>
+      <p:sp>
+        <p:nvSpPr>
+          <p:cNvPr id="5" name="TextBox 4">
+            <a:extLst>
+              <a:ext uri="{FF2B5EF4-FFF2-40B4-BE49-F238E27FC236}">
+                <a16:creationId xmlns:a16="http://schemas.microsoft.com/office/drawing/2014/main" id="{44B24152-01AE-47D8-B46E-8ED927595807}"/>
+              </a:ext>
+            </a:extLst>
+          </p:cNvPr>
+          <p:cNvSpPr txBox="1"/>
+          <p:nvPr/>
+        </p:nvSpPr>
+        <p:spPr>
+          <a:xfrm>
+            <a:off x="576263" y="2233613"/>
+            <a:ext cx="9836982" cy="923330"/>
+          </a:xfrm>
+          <a:prstGeom prst="rect">
+            <a:avLst/>
+          </a:prstGeom>
+          <a:noFill/>
+        </p:spPr>
+        <p:txBody>
+          <a:bodyPr wrap="square" rtlCol="0">
+            <a:spAutoFit/>
+          </a:bodyPr>
+          <a:lstStyle/>
+          <a:p>
+            <a:r>
+              <a:rPr lang="ru-RU" dirty="0"/>
+              <a:t>Использование в совокупности данных принципов позволяет повысить вероятность того, что программист создаст систему, которую будет легко поддерживать и расширять в течение долгого времени</a:t>
+            </a:r>
+            <a:r>
+              <a:rPr lang="ru-RU" dirty="0" smtClean="0"/>
+              <a:t>.</a:t>
+            </a:r>
+            <a:endParaRPr lang="ru-RU" dirty="0"/>
+          </a:p>
+        </p:txBody>
+      </p:sp>
+      <p:sp>
+        <p:nvSpPr>
+          <p:cNvPr id="3" name="TextBox 2"/>
+          <p:cNvSpPr txBox="1"/>
+          <p:nvPr/>
+        </p:nvSpPr>
+        <p:spPr>
+          <a:xfrm>
+            <a:off x="576263" y="3883068"/>
+            <a:ext cx="9832866" cy="923330"/>
+          </a:xfrm>
+          <a:prstGeom prst="rect">
+            <a:avLst/>
+          </a:prstGeom>
+          <a:noFill/>
+        </p:spPr>
+        <p:txBody>
+          <a:bodyPr wrap="square" rtlCol="0">
+            <a:spAutoFit/>
+          </a:bodyPr>
+          <a:lstStyle/>
+          <a:p>
+            <a:r>
+              <a:rPr lang="ru-RU" dirty="0"/>
+              <a:t>С другой стороны надо понимать, что </a:t>
+            </a:r>
+            <a:r>
+              <a:rPr lang="ru-RU" dirty="0" smtClean="0"/>
+              <a:t>использование </a:t>
+            </a:r>
+            <a:r>
+              <a:rPr lang="ru-RU" dirty="0"/>
+              <a:t>принципов существенно усложняет процесс </a:t>
+            </a:r>
+            <a:r>
+              <a:rPr lang="ru-RU" dirty="0" smtClean="0"/>
+              <a:t>разработки, хотя и дает неоспоримые плюсы. Другими </a:t>
+            </a:r>
+            <a:r>
+              <a:rPr lang="ru-RU" dirty="0"/>
+              <a:t>словами – кода писать придется в разы больше</a:t>
+            </a:r>
+            <a:r>
+              <a:rPr lang="ru-RU" dirty="0" smtClean="0"/>
+              <a:t>.</a:t>
+            </a:r>
+            <a:endParaRPr lang="en-US" dirty="0"/>
           </a:p>
         </p:txBody>
       </p:sp>
     </p:spTree>
     <p:extLst>
       <p:ext uri="{BB962C8B-B14F-4D97-AF65-F5344CB8AC3E}">
-        <p14:creationId xmlns:p14="http://schemas.microsoft.com/office/powerpoint/2010/main" val="2784039926"/>
+        <p14:creationId xmlns:p14="http://schemas.microsoft.com/office/powerpoint/2010/main" val="1464485588"/>
       </p:ext>
     </p:extLst>
   </p:cSld>
@@ -6442,10 +6829,10 @@
       </p:grpSpPr>
       <p:sp>
         <p:nvSpPr>
-          <p:cNvPr id="4" name="Заголовок 3">
+          <p:cNvPr id="2" name="Заголовок 1">
             <a:extLst>
               <a:ext uri="{FF2B5EF4-FFF2-40B4-BE49-F238E27FC236}">
-                <a16:creationId xmlns:a16="http://schemas.microsoft.com/office/drawing/2014/main" id="{56B210DD-3C70-4225-BAC0-26F0709D6072}"/>
+                <a16:creationId xmlns:a16="http://schemas.microsoft.com/office/drawing/2014/main" id="{EB4F0F77-D976-4217-99A3-C3568F5A5ADF}"/>
               </a:ext>
             </a:extLst>
           </p:cNvPr>
@@ -6458,36 +6845,26 @@
         </p:nvSpPr>
         <p:spPr/>
         <p:txBody>
-          <a:bodyPr>
-            <a:normAutofit/>
-          </a:bodyPr>
+          <a:bodyPr/>
           <a:lstStyle/>
           <a:p>
             <a:r>
-              <a:rPr lang="ru-RU" b="1" dirty="0"/>
-              <a:t>Принцип единственной ответственности</a:t>
-            </a:r>
-            <a:r>
-              <a:rPr lang="en-US" b="1" dirty="0"/>
-              <a:t/>
-            </a:r>
-            <a:br>
-              <a:rPr lang="en-US" b="1" dirty="0"/>
-            </a:br>
-            <a:r>
-              <a:rPr lang="en-US" sz="3200" i="1" dirty="0"/>
-              <a:t>The Single Responsibility Principle</a:t>
-            </a:r>
-            <a:endParaRPr lang="en-US" dirty="0"/>
-          </a:p>
-        </p:txBody>
-      </p:sp>
-      <p:sp>
-        <p:nvSpPr>
-          <p:cNvPr id="15" name="TextBox 14">
+              <a:rPr lang="ru-RU" dirty="0"/>
+              <a:t>Коротко про </a:t>
+            </a:r>
+            <a:r>
+              <a:rPr lang="en-US" dirty="0"/>
+              <a:t>SOLID</a:t>
+            </a:r>
+          </a:p>
+        </p:txBody>
+      </p:sp>
+      <p:sp>
+        <p:nvSpPr>
+          <p:cNvPr id="5" name="TextBox 4">
             <a:extLst>
               <a:ext uri="{FF2B5EF4-FFF2-40B4-BE49-F238E27FC236}">
-                <a16:creationId xmlns:a16="http://schemas.microsoft.com/office/drawing/2014/main" id="{101A60AD-0F18-481A-96EA-970C064E5E5F}"/>
+                <a16:creationId xmlns:a16="http://schemas.microsoft.com/office/drawing/2014/main" id="{44B24152-01AE-47D8-B46E-8ED927595807}"/>
               </a:ext>
             </a:extLst>
           </p:cNvPr>
@@ -6496,8 +6873,8 @@
         </p:nvSpPr>
         <p:spPr>
           <a:xfrm>
-            <a:off x="576263" y="3101831"/>
-            <a:ext cx="9836982" cy="830997"/>
+            <a:off x="576263" y="2233613"/>
+            <a:ext cx="9836982" cy="523220"/>
           </a:xfrm>
           <a:prstGeom prst="rect">
             <a:avLst/>
@@ -6505,21 +6882,28 @@
           <a:noFill/>
         </p:spPr>
         <p:txBody>
-          <a:bodyPr wrap="square" rtlCol="0" anchor="ctr">
+          <a:bodyPr wrap="square" rtlCol="0">
             <a:spAutoFit/>
           </a:bodyPr>
           <a:lstStyle/>
           <a:p>
-            <a:pPr algn="ctr"/>
-            <a:r>
-              <a:rPr lang="ru-RU" sz="4800" dirty="0" smtClean="0">
+            <a:r>
+              <a:rPr lang="en-US" sz="2800" dirty="0" smtClean="0">
                 <a:solidFill>
                   <a:srgbClr val="FFFF00"/>
                 </a:solidFill>
               </a:rPr>
-              <a:t>Демонстрация</a:t>
-            </a:r>
-            <a:endParaRPr lang="ru-RU" sz="4800" dirty="0">
+              <a:t>Unit-</a:t>
+            </a:r>
+            <a:r>
+              <a:rPr lang="ru-RU" sz="2800" dirty="0" smtClean="0">
+                <a:solidFill>
+                  <a:srgbClr val="FFFF00"/>
+                </a:solidFill>
+              </a:rPr>
+              <a:t>тестирование</a:t>
+            </a:r>
+            <a:endParaRPr lang="ru-RU" sz="2800" dirty="0">
               <a:solidFill>
                 <a:srgbClr val="FFFF00"/>
               </a:solidFill>
@@ -6527,10 +6911,415 @@
           </a:p>
         </p:txBody>
       </p:sp>
+      <p:grpSp>
+        <p:nvGrpSpPr>
+          <p:cNvPr id="44" name="Группа 43"/>
+          <p:cNvGrpSpPr/>
+          <p:nvPr/>
+        </p:nvGrpSpPr>
+        <p:grpSpPr>
+          <a:xfrm>
+            <a:off x="680321" y="2756833"/>
+            <a:ext cx="5857639" cy="3231716"/>
+            <a:chOff x="680321" y="2968668"/>
+            <a:chExt cx="5857639" cy="3231716"/>
+          </a:xfrm>
+        </p:grpSpPr>
+        <p:sp>
+          <p:nvSpPr>
+            <p:cNvPr id="10" name="Прямоугольник 9"/>
+            <p:cNvSpPr/>
+            <p:nvPr/>
+          </p:nvSpPr>
+          <p:spPr>
+            <a:xfrm>
+              <a:off x="680321" y="2968668"/>
+              <a:ext cx="5857639" cy="3231716"/>
+            </a:xfrm>
+            <a:prstGeom prst="rect">
+              <a:avLst/>
+            </a:prstGeom>
+          </p:spPr>
+          <p:style>
+            <a:lnRef idx="2">
+              <a:schemeClr val="accent6"/>
+            </a:lnRef>
+            <a:fillRef idx="1">
+              <a:schemeClr val="lt1"/>
+            </a:fillRef>
+            <a:effectRef idx="0">
+              <a:schemeClr val="accent6"/>
+            </a:effectRef>
+            <a:fontRef idx="minor">
+              <a:schemeClr val="dk1"/>
+            </a:fontRef>
+          </p:style>
+          <p:txBody>
+            <a:bodyPr rtlCol="0" anchor="ctr"/>
+            <a:lstStyle/>
+            <a:p>
+              <a:pPr algn="ctr"/>
+              <a:endParaRPr lang="en-US" dirty="0"/>
+            </a:p>
+          </p:txBody>
+        </p:sp>
+        <p:cxnSp>
+          <p:nvCxnSpPr>
+            <p:cNvPr id="12" name="Прямая со стрелкой 11"/>
+            <p:cNvCxnSpPr/>
+            <p:nvPr/>
+          </p:nvCxnSpPr>
+          <p:spPr>
+            <a:xfrm flipV="1">
+              <a:off x="1121915" y="3360839"/>
+              <a:ext cx="0" cy="2573379"/>
+            </a:xfrm>
+            <a:prstGeom prst="straightConnector1">
+              <a:avLst/>
+            </a:prstGeom>
+            <a:ln w="12700">
+              <a:solidFill>
+                <a:schemeClr val="tx1">
+                  <a:lumMod val="50000"/>
+                </a:schemeClr>
+              </a:solidFill>
+              <a:tailEnd type="triangle"/>
+            </a:ln>
+          </p:spPr>
+          <p:style>
+            <a:lnRef idx="1">
+              <a:schemeClr val="dk1"/>
+            </a:lnRef>
+            <a:fillRef idx="0">
+              <a:schemeClr val="dk1"/>
+            </a:fillRef>
+            <a:effectRef idx="0">
+              <a:schemeClr val="dk1"/>
+            </a:effectRef>
+            <a:fontRef idx="minor">
+              <a:schemeClr val="tx1"/>
+            </a:fontRef>
+          </p:style>
+        </p:cxnSp>
+        <p:cxnSp>
+          <p:nvCxnSpPr>
+            <p:cNvPr id="18" name="Прямая со стрелкой 17"/>
+            <p:cNvCxnSpPr/>
+            <p:nvPr/>
+          </p:nvCxnSpPr>
+          <p:spPr>
+            <a:xfrm>
+              <a:off x="975360" y="5803413"/>
+              <a:ext cx="4869180" cy="0"/>
+            </a:xfrm>
+            <a:prstGeom prst="straightConnector1">
+              <a:avLst/>
+            </a:prstGeom>
+            <a:ln w="12700">
+              <a:solidFill>
+                <a:schemeClr val="tx1">
+                  <a:lumMod val="50000"/>
+                </a:schemeClr>
+              </a:solidFill>
+              <a:tailEnd type="triangle"/>
+            </a:ln>
+          </p:spPr>
+          <p:style>
+            <a:lnRef idx="1">
+              <a:schemeClr val="dk1"/>
+            </a:lnRef>
+            <a:fillRef idx="0">
+              <a:schemeClr val="dk1"/>
+            </a:fillRef>
+            <a:effectRef idx="0">
+              <a:schemeClr val="dk1"/>
+            </a:effectRef>
+            <a:fontRef idx="minor">
+              <a:schemeClr val="tx1"/>
+            </a:fontRef>
+          </p:style>
+        </p:cxnSp>
+        <p:sp>
+          <p:nvSpPr>
+            <p:cNvPr id="21" name="TextBox 20"/>
+            <p:cNvSpPr txBox="1"/>
+            <p:nvPr/>
+          </p:nvSpPr>
+          <p:spPr>
+            <a:xfrm>
+              <a:off x="680321" y="3033949"/>
+              <a:ext cx="1285929" cy="261610"/>
+            </a:xfrm>
+            <a:prstGeom prst="rect">
+              <a:avLst/>
+            </a:prstGeom>
+            <a:noFill/>
+          </p:spPr>
+          <p:txBody>
+            <a:bodyPr wrap="none" rtlCol="0">
+              <a:spAutoFit/>
+            </a:bodyPr>
+            <a:lstStyle/>
+            <a:p>
+              <a:r>
+                <a:rPr lang="ru-RU" sz="1100" dirty="0" smtClean="0">
+                  <a:solidFill>
+                    <a:srgbClr val="0070C0"/>
+                  </a:solidFill>
+                </a:rPr>
+                <a:t>Количество кода</a:t>
+              </a:r>
+              <a:endParaRPr lang="en-US" sz="1100" dirty="0">
+                <a:solidFill>
+                  <a:srgbClr val="0070C0"/>
+                </a:solidFill>
+              </a:endParaRPr>
+            </a:p>
+          </p:txBody>
+        </p:sp>
+        <p:sp>
+          <p:nvSpPr>
+            <p:cNvPr id="22" name="TextBox 21"/>
+            <p:cNvSpPr txBox="1"/>
+            <p:nvPr/>
+          </p:nvSpPr>
+          <p:spPr>
+            <a:xfrm>
+              <a:off x="5549428" y="5803413"/>
+              <a:ext cx="590226" cy="261610"/>
+            </a:xfrm>
+            <a:prstGeom prst="rect">
+              <a:avLst/>
+            </a:prstGeom>
+            <a:noFill/>
+          </p:spPr>
+          <p:txBody>
+            <a:bodyPr wrap="none" rtlCol="0">
+              <a:spAutoFit/>
+            </a:bodyPr>
+            <a:lstStyle/>
+            <a:p>
+              <a:r>
+                <a:rPr lang="ru-RU" sz="1100" dirty="0" smtClean="0">
+                  <a:solidFill>
+                    <a:srgbClr val="0070C0"/>
+                  </a:solidFill>
+                </a:rPr>
+                <a:t>Время</a:t>
+              </a:r>
+              <a:endParaRPr lang="en-US" sz="1100" dirty="0">
+                <a:solidFill>
+                  <a:srgbClr val="0070C0"/>
+                </a:solidFill>
+              </a:endParaRPr>
+            </a:p>
+          </p:txBody>
+        </p:sp>
+        <p:cxnSp>
+          <p:nvCxnSpPr>
+            <p:cNvPr id="31" name="Прямая соединительная линия 30"/>
+            <p:cNvCxnSpPr/>
+            <p:nvPr/>
+          </p:nvCxnSpPr>
+          <p:spPr>
+            <a:xfrm flipV="1">
+              <a:off x="1249680" y="3520440"/>
+              <a:ext cx="4299748" cy="2118360"/>
+            </a:xfrm>
+            <a:prstGeom prst="line">
+              <a:avLst/>
+            </a:prstGeom>
+            <a:ln w="57150">
+              <a:solidFill>
+                <a:schemeClr val="accent6">
+                  <a:lumMod val="75000"/>
+                </a:schemeClr>
+              </a:solidFill>
+            </a:ln>
+          </p:spPr>
+          <p:style>
+            <a:lnRef idx="1">
+              <a:schemeClr val="accent1"/>
+            </a:lnRef>
+            <a:fillRef idx="0">
+              <a:schemeClr val="accent1"/>
+            </a:fillRef>
+            <a:effectRef idx="0">
+              <a:schemeClr val="accent1"/>
+            </a:effectRef>
+            <a:fontRef idx="minor">
+              <a:schemeClr val="tx1"/>
+            </a:fontRef>
+          </p:style>
+        </p:cxnSp>
+        <p:sp>
+          <p:nvSpPr>
+            <p:cNvPr id="40" name="Полилиния 39"/>
+            <p:cNvSpPr/>
+            <p:nvPr/>
+          </p:nvSpPr>
+          <p:spPr>
+            <a:xfrm>
+              <a:off x="1249680" y="4541520"/>
+              <a:ext cx="4299748" cy="1104900"/>
+            </a:xfrm>
+            <a:custGeom>
+              <a:avLst/>
+              <a:gdLst>
+                <a:gd name="connsiteX0" fmla="*/ 0 w 4495800"/>
+                <a:gd name="connsiteY0" fmla="*/ 1691640 h 1691640"/>
+                <a:gd name="connsiteX1" fmla="*/ 838200 w 4495800"/>
+                <a:gd name="connsiteY1" fmla="*/ 563880 h 1691640"/>
+                <a:gd name="connsiteX2" fmla="*/ 4495800 w 4495800"/>
+                <a:gd name="connsiteY2" fmla="*/ 0 h 1691640"/>
+              </a:gdLst>
+              <a:ahLst/>
+              <a:cxnLst>
+                <a:cxn ang="0">
+                  <a:pos x="connsiteX0" y="connsiteY0"/>
+                </a:cxn>
+                <a:cxn ang="0">
+                  <a:pos x="connsiteX1" y="connsiteY1"/>
+                </a:cxn>
+                <a:cxn ang="0">
+                  <a:pos x="connsiteX2" y="connsiteY2"/>
+                </a:cxn>
+              </a:cxnLst>
+              <a:rect l="l" t="t" r="r" b="b"/>
+              <a:pathLst>
+                <a:path w="4495800" h="1691640">
+                  <a:moveTo>
+                    <a:pt x="0" y="1691640"/>
+                  </a:moveTo>
+                  <a:cubicBezTo>
+                    <a:pt x="44450" y="1268730"/>
+                    <a:pt x="88900" y="845820"/>
+                    <a:pt x="838200" y="563880"/>
+                  </a:cubicBezTo>
+                  <a:cubicBezTo>
+                    <a:pt x="1587500" y="281940"/>
+                    <a:pt x="3865880" y="87630"/>
+                    <a:pt x="4495800" y="0"/>
+                  </a:cubicBezTo>
+                </a:path>
+              </a:pathLst>
+            </a:custGeom>
+            <a:noFill/>
+            <a:ln w="57150">
+              <a:solidFill>
+                <a:srgbClr val="00B050"/>
+              </a:solidFill>
+            </a:ln>
+          </p:spPr>
+          <p:style>
+            <a:lnRef idx="2">
+              <a:schemeClr val="accent1">
+                <a:shade val="50000"/>
+              </a:schemeClr>
+            </a:lnRef>
+            <a:fillRef idx="1">
+              <a:schemeClr val="accent1"/>
+            </a:fillRef>
+            <a:effectRef idx="0">
+              <a:schemeClr val="accent1"/>
+            </a:effectRef>
+            <a:fontRef idx="minor">
+              <a:schemeClr val="lt1"/>
+            </a:fontRef>
+          </p:style>
+          <p:txBody>
+            <a:bodyPr rtlCol="0" anchor="ctr"/>
+            <a:lstStyle/>
+            <a:p>
+              <a:pPr algn="ctr"/>
+              <a:endParaRPr lang="en-US"/>
+            </a:p>
+          </p:txBody>
+        </p:sp>
+      </p:grpSp>
+      <p:sp>
+        <p:nvSpPr>
+          <p:cNvPr id="45" name="TextBox 44"/>
+          <p:cNvSpPr txBox="1"/>
+          <p:nvPr/>
+        </p:nvSpPr>
+        <p:spPr>
+          <a:xfrm>
+            <a:off x="6636797" y="2756832"/>
+            <a:ext cx="3776448" cy="2554545"/>
+          </a:xfrm>
+          <a:prstGeom prst="rect">
+            <a:avLst/>
+          </a:prstGeom>
+          <a:noFill/>
+        </p:spPr>
+        <p:txBody>
+          <a:bodyPr wrap="square" rtlCol="0">
+            <a:spAutoFit/>
+          </a:bodyPr>
+          <a:lstStyle/>
+          <a:p>
+            <a:r>
+              <a:rPr lang="ru-RU" sz="1600" dirty="0" smtClean="0"/>
+              <a:t>Использование </a:t>
+            </a:r>
+            <a:r>
+              <a:rPr lang="en-US" sz="1600" dirty="0" smtClean="0"/>
+              <a:t>SOLID </a:t>
+            </a:r>
+            <a:r>
+              <a:rPr lang="ru-RU" sz="1600" dirty="0" smtClean="0"/>
+              <a:t>позволяет написание </a:t>
+            </a:r>
+            <a:r>
+              <a:rPr lang="en-US" sz="1600" dirty="0" smtClean="0"/>
+              <a:t>unit-</a:t>
+            </a:r>
+            <a:r>
+              <a:rPr lang="ru-RU" sz="1600" dirty="0" smtClean="0"/>
+              <a:t>тестов. Без использования данного подхода существенно сокращает возможность покрытия кода тестами.</a:t>
+            </a:r>
+          </a:p>
+          <a:p>
+            <a:endParaRPr lang="ru-RU" sz="1600" dirty="0"/>
+          </a:p>
+          <a:p>
+            <a:r>
+              <a:rPr lang="ru-RU" sz="1600" dirty="0" smtClean="0">
+                <a:solidFill>
+                  <a:srgbClr val="FFFF00"/>
+                </a:solidFill>
+              </a:rPr>
+              <a:t>Код, написанный без использования шаблонов проектирования очень сложно, а порой и совсем невозможно, покрыть </a:t>
+            </a:r>
+            <a:r>
+              <a:rPr lang="en-US" sz="1600" dirty="0" smtClean="0">
+                <a:solidFill>
+                  <a:srgbClr val="FFFF00"/>
+                </a:solidFill>
+              </a:rPr>
+              <a:t>unit-</a:t>
+            </a:r>
+            <a:r>
+              <a:rPr lang="ru-RU" sz="1600" dirty="0" smtClean="0">
+                <a:solidFill>
+                  <a:srgbClr val="FFFF00"/>
+                </a:solidFill>
+              </a:rPr>
+              <a:t>тестами.</a:t>
+            </a:r>
+            <a:endParaRPr lang="en-US" sz="1600" dirty="0">
+              <a:solidFill>
+                <a:srgbClr val="FFFF00"/>
+              </a:solidFill>
+            </a:endParaRPr>
+          </a:p>
+        </p:txBody>
+      </p:sp>
     </p:spTree>
     <p:extLst>
       <p:ext uri="{BB962C8B-B14F-4D97-AF65-F5344CB8AC3E}">
-        <p14:creationId xmlns:p14="http://schemas.microsoft.com/office/powerpoint/2010/main" val="341898640"/>
+        <p14:creationId xmlns:p14="http://schemas.microsoft.com/office/powerpoint/2010/main" val="2056410578"/>
       </p:ext>
     </p:extLst>
   </p:cSld>
@@ -6609,84 +7398,91 @@
           </a:p>
         </p:txBody>
       </p:sp>
-      <p:pic>
-        <p:nvPicPr>
-          <p:cNvPr id="2" name="Рисунок 1"/>
-          <p:cNvPicPr>
-            <a:picLocks noChangeAspect="1"/>
-          </p:cNvPicPr>
-          <p:nvPr/>
-        </p:nvPicPr>
-        <p:blipFill>
-          <a:blip r:embed="rId2">
+      <p:sp>
+        <p:nvSpPr>
+          <p:cNvPr id="15" name="TextBox 14">
             <a:extLst>
-              <a:ext uri="{28A0092B-C50C-407E-A947-70E740481C1C}">
-                <a14:useLocalDpi xmlns:a14="http://schemas.microsoft.com/office/drawing/2010/main" val="0"/>
+              <a:ext uri="{FF2B5EF4-FFF2-40B4-BE49-F238E27FC236}">
+                <a16:creationId xmlns:a16="http://schemas.microsoft.com/office/drawing/2014/main" id="{101A60AD-0F18-481A-96EA-970C064E5E5F}"/>
               </a:ext>
             </a:extLst>
-          </a:blip>
-          <a:stretch>
-            <a:fillRect/>
-          </a:stretch>
-        </p:blipFill>
-        <p:spPr>
-          <a:xfrm>
-            <a:off x="3170074" y="2385120"/>
-            <a:ext cx="7249368" cy="4078309"/>
+          </p:cNvPr>
+          <p:cNvSpPr txBox="1"/>
+          <p:nvPr/>
+        </p:nvSpPr>
+        <p:spPr>
+          <a:xfrm>
+            <a:off x="576263" y="2233613"/>
+            <a:ext cx="9836982" cy="2492990"/>
           </a:xfrm>
           <a:prstGeom prst="rect">
             <a:avLst/>
           </a:prstGeom>
-          <a:effectLst/>
-        </p:spPr>
-      </p:pic>
-      <p:sp>
-        <p:nvSpPr>
-          <p:cNvPr id="3" name="Стрелка вправо 2"/>
-          <p:cNvSpPr/>
-          <p:nvPr/>
-        </p:nvSpPr>
-        <p:spPr>
-          <a:xfrm>
-            <a:off x="680321" y="2385120"/>
-            <a:ext cx="3027383" cy="1615857"/>
-          </a:xfrm>
-          <a:prstGeom prst="rightArrow">
-            <a:avLst>
-              <a:gd name="adj1" fmla="val 79538"/>
-              <a:gd name="adj2" fmla="val 27892"/>
-            </a:avLst>
-          </a:prstGeom>
-        </p:spPr>
-        <p:style>
-          <a:lnRef idx="0">
-            <a:schemeClr val="accent6"/>
-          </a:lnRef>
-          <a:fillRef idx="3">
-            <a:schemeClr val="accent6"/>
-          </a:fillRef>
-          <a:effectRef idx="3">
-            <a:schemeClr val="accent6"/>
-          </a:effectRef>
-          <a:fontRef idx="minor">
-            <a:schemeClr val="lt1"/>
-          </a:fontRef>
-        </p:style>
-        <p:txBody>
-          <a:bodyPr rtlCol="0" anchor="ctr"/>
+          <a:noFill/>
+        </p:spPr>
+        <p:txBody>
+          <a:bodyPr wrap="square" rtlCol="0">
+            <a:spAutoFit/>
+          </a:bodyPr>
           <a:lstStyle/>
           <a:p>
             <a:r>
-              <a:rPr lang="ru-RU" sz="1600" dirty="0"/>
-              <a:t>Концептуальные слои и договоренности по их использованию</a:t>
-            </a:r>
+              <a:rPr lang="ru-RU" sz="2800" dirty="0">
+                <a:solidFill>
+                  <a:srgbClr val="FFFF00"/>
+                </a:solidFill>
+              </a:rPr>
+              <a:t>Каждый класс выполняет лишь одну задачу.</a:t>
+            </a:r>
+          </a:p>
+          <a:p>
+            <a:endParaRPr lang="ru-RU" sz="2800" dirty="0"/>
+          </a:p>
+          <a:p>
+            <a:r>
+              <a:rPr lang="ru-RU" sz="2000" dirty="0"/>
+              <a:t>Принцип единственной ответственности (англ. </a:t>
+            </a:r>
+            <a:r>
+              <a:rPr lang="ru-RU" sz="2000" dirty="0" err="1"/>
+              <a:t>The</a:t>
+            </a:r>
+            <a:r>
+              <a:rPr lang="ru-RU" sz="2000" dirty="0"/>
+              <a:t> </a:t>
+            </a:r>
+            <a:r>
+              <a:rPr lang="ru-RU" sz="2000" dirty="0" err="1"/>
+              <a:t>Single</a:t>
+            </a:r>
+            <a:r>
+              <a:rPr lang="ru-RU" sz="2000" dirty="0"/>
+              <a:t> </a:t>
+            </a:r>
+            <a:r>
+              <a:rPr lang="ru-RU" sz="2000" dirty="0" err="1"/>
+              <a:t>Responsibility</a:t>
+            </a:r>
+            <a:r>
+              <a:rPr lang="ru-RU" sz="2000" dirty="0"/>
+              <a:t> </a:t>
+            </a:r>
+            <a:r>
+              <a:rPr lang="ru-RU" sz="2000" dirty="0" err="1"/>
+              <a:t>Principle</a:t>
+            </a:r>
+            <a:r>
+              <a:rPr lang="ru-RU" sz="2000" dirty="0"/>
+              <a:t>, SRP) — принцип ООП, обозначающий, что каждый объект должен иметь одну ответственность и эта ответственность должна быть полностью инкапсулирована в класс. Все его поведения должны быть направлены исключительно на обеспечение этой ответственности.</a:t>
+            </a:r>
+            <a:endParaRPr lang="en-US" sz="2000" dirty="0"/>
           </a:p>
         </p:txBody>
       </p:sp>
     </p:spTree>
     <p:extLst>
       <p:ext uri="{BB962C8B-B14F-4D97-AF65-F5344CB8AC3E}">
-        <p14:creationId xmlns:p14="http://schemas.microsoft.com/office/powerpoint/2010/main" val="2629252122"/>
+        <p14:creationId xmlns:p14="http://schemas.microsoft.com/office/powerpoint/2010/main" val="2784039926"/>
       </p:ext>
     </p:extLst>
   </p:cSld>
@@ -6748,7 +7544,7 @@
           <a:p>
             <a:r>
               <a:rPr lang="ru-RU" b="1" dirty="0"/>
-              <a:t>Принцип открытости/закрытости</a:t>
+              <a:t>Принцип единственной ответственности</a:t>
             </a:r>
             <a:r>
               <a:rPr lang="en-US" b="1" dirty="0"/>
@@ -6759,7 +7555,7 @@
             </a:br>
             <a:r>
               <a:rPr lang="en-US" sz="3200" i="1" dirty="0"/>
-              <a:t>The Open Closed Principle</a:t>
+              <a:t>The Single Responsibility Principle</a:t>
             </a:r>
             <a:endParaRPr lang="en-US" dirty="0"/>
           </a:p>
@@ -6767,10 +7563,10 @@
       </p:sp>
       <p:sp>
         <p:nvSpPr>
-          <p:cNvPr id="3" name="TextBox 2">
+          <p:cNvPr id="15" name="TextBox 14">
             <a:extLst>
               <a:ext uri="{FF2B5EF4-FFF2-40B4-BE49-F238E27FC236}">
-                <a16:creationId xmlns:a16="http://schemas.microsoft.com/office/drawing/2014/main" id="{0449A707-99AE-4210-AF89-4A9F25E03165}"/>
+                <a16:creationId xmlns:a16="http://schemas.microsoft.com/office/drawing/2014/main" id="{101A60AD-0F18-481A-96EA-970C064E5E5F}"/>
               </a:ext>
             </a:extLst>
           </p:cNvPr>
@@ -6779,8 +7575,8 @@
         </p:nvSpPr>
         <p:spPr>
           <a:xfrm>
-            <a:off x="576263" y="2233613"/>
-            <a:ext cx="9836982" cy="2616101"/>
+            <a:off x="576263" y="3101831"/>
+            <a:ext cx="9836982" cy="830997"/>
           </a:xfrm>
           <a:prstGeom prst="rect">
             <a:avLst/>
@@ -6788,68 +7584,32 @@
           <a:noFill/>
         </p:spPr>
         <p:txBody>
-          <a:bodyPr wrap="square" rtlCol="0">
+          <a:bodyPr wrap="square" rtlCol="0" anchor="ctr">
             <a:spAutoFit/>
           </a:bodyPr>
           <a:lstStyle/>
           <a:p>
-            <a:r>
-              <a:rPr lang="ru-RU" sz="2800" dirty="0">
+            <a:pPr algn="ctr"/>
+            <a:r>
+              <a:rPr lang="ru-RU" sz="4800" dirty="0" smtClean="0">
                 <a:solidFill>
                   <a:srgbClr val="FFFF00"/>
                 </a:solidFill>
               </a:rPr>
-              <a:t>Программные сущности должны быть открыты для расширения, но закрыты для модификации.</a:t>
-            </a:r>
-          </a:p>
-          <a:p>
-            <a:endParaRPr lang="ru-RU" sz="2800" dirty="0"/>
-          </a:p>
-          <a:p>
-            <a:r>
-              <a:rPr lang="ru-RU" sz="2000" dirty="0"/>
-              <a:t>Принцип открытости/закрытости (англ. </a:t>
-            </a:r>
-            <a:r>
-              <a:rPr lang="ru-RU" sz="2000" dirty="0" err="1"/>
-              <a:t>The</a:t>
-            </a:r>
-            <a:r>
-              <a:rPr lang="ru-RU" sz="2000" dirty="0"/>
-              <a:t> </a:t>
-            </a:r>
-            <a:r>
-              <a:rPr lang="ru-RU" sz="2000" dirty="0" err="1"/>
-              <a:t>Open</a:t>
-            </a:r>
-            <a:r>
-              <a:rPr lang="ru-RU" sz="2000" dirty="0"/>
-              <a:t> </a:t>
-            </a:r>
-            <a:r>
-              <a:rPr lang="ru-RU" sz="2000" dirty="0" err="1"/>
-              <a:t>Closed</a:t>
-            </a:r>
-            <a:r>
-              <a:rPr lang="ru-RU" sz="2000" dirty="0"/>
-              <a:t> </a:t>
-            </a:r>
-            <a:r>
-              <a:rPr lang="ru-RU" sz="2000" dirty="0" err="1"/>
-              <a:t>Principle</a:t>
-            </a:r>
-            <a:r>
-              <a:rPr lang="ru-RU" sz="2000" dirty="0"/>
-              <a:t>, OCP) — принцип ООП, устанавливающий следующее положение: «программные сущности (классы, модули, функции и т. п.) должны быть открыты для расширения, но закрыты для изменения.</a:t>
-            </a:r>
-            <a:endParaRPr lang="en-US" sz="2000" dirty="0"/>
+              <a:t>Демонстрация</a:t>
+            </a:r>
+            <a:endParaRPr lang="ru-RU" sz="4800" dirty="0">
+              <a:solidFill>
+                <a:srgbClr val="FFFF00"/>
+              </a:solidFill>
+            </a:endParaRPr>
           </a:p>
         </p:txBody>
       </p:sp>
     </p:spTree>
     <p:extLst>
       <p:ext uri="{BB962C8B-B14F-4D97-AF65-F5344CB8AC3E}">
-        <p14:creationId xmlns:p14="http://schemas.microsoft.com/office/powerpoint/2010/main" val="2724221835"/>
+        <p14:creationId xmlns:p14="http://schemas.microsoft.com/office/powerpoint/2010/main" val="341898640"/>
       </p:ext>
     </p:extLst>
   </p:cSld>
@@ -6859,6 +7619,13 @@
   <p:transition spd="slow">
     <p:cover/>
   </p:transition>
+  <p:timing>
+    <p:tnLst>
+      <p:par>
+        <p:cTn id="1" dur="indefinite" restart="never" nodeType="tmRoot"/>
+      </p:par>
+    </p:tnLst>
+  </p:timing>
 </p:sld>
 </file>
 
@@ -6904,7 +7671,7 @@
           <a:p>
             <a:r>
               <a:rPr lang="ru-RU" b="1" dirty="0"/>
-              <a:t>Принцип подстановки Барбары Лисков</a:t>
+              <a:t>Принцип единственной ответственности</a:t>
             </a:r>
             <a:r>
               <a:rPr lang="en-US" b="1" dirty="0"/>
@@ -6915,97 +7682,90 @@
             </a:br>
             <a:r>
               <a:rPr lang="en-US" sz="3200" i="1" dirty="0"/>
-              <a:t>The </a:t>
-            </a:r>
-            <a:r>
-              <a:rPr lang="en-US" sz="3200" i="1" dirty="0" err="1"/>
-              <a:t>Liskov</a:t>
-            </a:r>
-            <a:r>
-              <a:rPr lang="en-US" sz="3200" i="1" dirty="0"/>
-              <a:t> Substitution Principle</a:t>
+              <a:t>The Single Responsibility Principle</a:t>
             </a:r>
             <a:endParaRPr lang="en-US" dirty="0"/>
           </a:p>
         </p:txBody>
       </p:sp>
-      <p:sp>
-        <p:nvSpPr>
-          <p:cNvPr id="3" name="TextBox 2">
+      <p:pic>
+        <p:nvPicPr>
+          <p:cNvPr id="2" name="Рисунок 1"/>
+          <p:cNvPicPr>
+            <a:picLocks noChangeAspect="1"/>
+          </p:cNvPicPr>
+          <p:nvPr/>
+        </p:nvPicPr>
+        <p:blipFill>
+          <a:blip r:embed="rId2">
             <a:extLst>
-              <a:ext uri="{FF2B5EF4-FFF2-40B4-BE49-F238E27FC236}">
-                <a16:creationId xmlns:a16="http://schemas.microsoft.com/office/drawing/2014/main" id="{3089AEBE-4865-4BB1-9F1D-1582A462A55C}"/>
+              <a:ext uri="{28A0092B-C50C-407E-A947-70E740481C1C}">
+                <a14:useLocalDpi xmlns:a14="http://schemas.microsoft.com/office/drawing/2010/main" val="0"/>
               </a:ext>
             </a:extLst>
-          </p:cNvPr>
-          <p:cNvSpPr txBox="1"/>
-          <p:nvPr/>
-        </p:nvSpPr>
-        <p:spPr>
-          <a:xfrm>
-            <a:off x="576263" y="2233613"/>
-            <a:ext cx="9836982" cy="3354765"/>
+          </a:blip>
+          <a:stretch>
+            <a:fillRect/>
+          </a:stretch>
+        </p:blipFill>
+        <p:spPr>
+          <a:xfrm>
+            <a:off x="3170074" y="2385120"/>
+            <a:ext cx="7249368" cy="4078309"/>
           </a:xfrm>
           <a:prstGeom prst="rect">
             <a:avLst/>
           </a:prstGeom>
-          <a:noFill/>
-        </p:spPr>
-        <p:txBody>
-          <a:bodyPr wrap="square" rtlCol="0">
-            <a:spAutoFit/>
-          </a:bodyPr>
+          <a:effectLst/>
+        </p:spPr>
+      </p:pic>
+      <p:sp>
+        <p:nvSpPr>
+          <p:cNvPr id="3" name="Стрелка вправо 2"/>
+          <p:cNvSpPr/>
+          <p:nvPr/>
+        </p:nvSpPr>
+        <p:spPr>
+          <a:xfrm>
+            <a:off x="680321" y="2385120"/>
+            <a:ext cx="3027383" cy="1615857"/>
+          </a:xfrm>
+          <a:prstGeom prst="rightArrow">
+            <a:avLst>
+              <a:gd name="adj1" fmla="val 79538"/>
+              <a:gd name="adj2" fmla="val 27892"/>
+            </a:avLst>
+          </a:prstGeom>
+        </p:spPr>
+        <p:style>
+          <a:lnRef idx="0">
+            <a:schemeClr val="accent6"/>
+          </a:lnRef>
+          <a:fillRef idx="3">
+            <a:schemeClr val="accent6"/>
+          </a:fillRef>
+          <a:effectRef idx="3">
+            <a:schemeClr val="accent6"/>
+          </a:effectRef>
+          <a:fontRef idx="minor">
+            <a:schemeClr val="lt1"/>
+          </a:fontRef>
+        </p:style>
+        <p:txBody>
+          <a:bodyPr rtlCol="0" anchor="ctr"/>
           <a:lstStyle/>
           <a:p>
             <a:r>
-              <a:rPr lang="ru-RU" sz="2800" dirty="0">
-                <a:solidFill>
-                  <a:srgbClr val="FFFF00"/>
-                </a:solidFill>
-              </a:rPr>
-              <a:t>Объекты в программе должны быть заменяемыми на экземпляры их подтипов без изменения правильности выполнения программы.</a:t>
-            </a:r>
-          </a:p>
-          <a:p>
-            <a:endParaRPr lang="ru-RU" sz="2800" dirty="0"/>
-          </a:p>
-          <a:p>
-            <a:r>
-              <a:rPr lang="ru-RU" sz="2000" dirty="0"/>
-              <a:t>Принцип подстановки Барбары Лисков (англ. </a:t>
-            </a:r>
-            <a:r>
-              <a:rPr lang="ru-RU" sz="2000" dirty="0" err="1"/>
-              <a:t>Liskov</a:t>
-            </a:r>
-            <a:r>
-              <a:rPr lang="ru-RU" sz="2000" dirty="0"/>
-              <a:t> </a:t>
-            </a:r>
-            <a:r>
-              <a:rPr lang="ru-RU" sz="2000" dirty="0" err="1"/>
-              <a:t>Substitution</a:t>
-            </a:r>
-            <a:r>
-              <a:rPr lang="ru-RU" sz="2000" dirty="0"/>
-              <a:t> </a:t>
-            </a:r>
-            <a:r>
-              <a:rPr lang="ru-RU" sz="2000" dirty="0" err="1"/>
-              <a:t>Principle</a:t>
-            </a:r>
-            <a:r>
-              <a:rPr lang="ru-RU" sz="2000" dirty="0"/>
-              <a:t>, LSP) в объектно-ориентированном программировании является специфичным определением подтипа, предложенным Барбарой Лисков в 1987 году на конференции в основном докладе под названием Абстракция данных и иерархия.</a:t>
-            </a:r>
-            <a:endParaRPr lang="en-US" sz="2000" dirty="0"/>
+              <a:rPr lang="ru-RU" sz="1600" dirty="0"/>
+              <a:t>Концептуальные слои и договоренности по их использованию</a:t>
+            </a:r>
           </a:p>
         </p:txBody>
       </p:sp>
     </p:spTree>
     <p:extLst>
       <p:ext uri="{BB962C8B-B14F-4D97-AF65-F5344CB8AC3E}">
-        <p14:creationId xmlns:p14="http://schemas.microsoft.com/office/powerpoint/2010/main" val="3989441364"/>
+        <p14:creationId xmlns:p14="http://schemas.microsoft.com/office/powerpoint/2010/main" val="2629252122"/>
       </p:ext>
     </p:extLst>
   </p:cSld>
@@ -7015,6 +7775,13 @@
   <p:transition spd="slow">
     <p:cover/>
   </p:transition>
+  <p:timing>
+    <p:tnLst>
+      <p:par>
+        <p:cTn id="1" dur="indefinite" restart="never" nodeType="tmRoot"/>
+      </p:par>
+    </p:tnLst>
+  </p:timing>
 </p:sld>
 </file>
 
@@ -7060,7 +7827,7 @@
           <a:p>
             <a:r>
               <a:rPr lang="ru-RU" b="1" dirty="0"/>
-              <a:t>Принцип разделения интерфейса</a:t>
+              <a:t>Принцип открытости/закрытости</a:t>
             </a:r>
             <a:r>
               <a:rPr lang="en-US" b="1" dirty="0"/>
@@ -7071,7 +7838,7 @@
             </a:br>
             <a:r>
               <a:rPr lang="en-US" sz="3200" i="1" dirty="0"/>
-              <a:t>The Interface Segregation Principle</a:t>
+              <a:t>The Open Closed Principle</a:t>
             </a:r>
             <a:endParaRPr lang="en-US" dirty="0"/>
           </a:p>
@@ -7082,7 +7849,7 @@
           <p:cNvPr id="3" name="TextBox 2">
             <a:extLst>
               <a:ext uri="{FF2B5EF4-FFF2-40B4-BE49-F238E27FC236}">
-                <a16:creationId xmlns:a16="http://schemas.microsoft.com/office/drawing/2014/main" id="{9D5961E6-AF38-4100-8B63-BD9839E777E6}"/>
+                <a16:creationId xmlns:a16="http://schemas.microsoft.com/office/drawing/2014/main" id="{0449A707-99AE-4210-AF89-4A9F25E03165}"/>
               </a:ext>
             </a:extLst>
           </p:cNvPr>
@@ -7092,7 +7859,7 @@
         <p:spPr>
           <a:xfrm>
             <a:off x="576263" y="2233613"/>
-            <a:ext cx="9836982" cy="3354765"/>
+            <a:ext cx="9836982" cy="2616101"/>
           </a:xfrm>
           <a:prstGeom prst="rect">
             <a:avLst/>
@@ -7111,7 +7878,7 @@
                   <a:srgbClr val="FFFF00"/>
                 </a:solidFill>
               </a:rPr>
-              <a:t>Много интерфейсов, специально предназначенных для клиентов, лучше, чем один интерфейс общего назначения.</a:t>
+              <a:t>Программные сущности должны быть открыты для расширения, но закрыты для модификации.</a:t>
             </a:r>
           </a:p>
           <a:p>
@@ -7120,11 +7887,11 @@
           <a:p>
             <a:r>
               <a:rPr lang="ru-RU" sz="2000" dirty="0"/>
-              <a:t>Принцип разделения интерфейса (англ. </a:t>
+              <a:t>Принцип открытости/закрытости (англ. </a:t>
             </a:r>
             <a:r>
               <a:rPr lang="ru-RU" sz="2000" dirty="0" err="1"/>
-              <a:t>Interface</a:t>
+              <a:t>The</a:t>
             </a:r>
             <a:r>
               <a:rPr lang="ru-RU" sz="2000" dirty="0"/>
@@ -7132,7 +7899,7 @@
             </a:r>
             <a:r>
               <a:rPr lang="ru-RU" sz="2000" dirty="0" err="1"/>
-              <a:t>Segregation</a:t>
+              <a:t>Open</a:t>
             </a:r>
             <a:r>
               <a:rPr lang="ru-RU" sz="2000" dirty="0"/>
@@ -7140,11 +7907,19 @@
             </a:r>
             <a:r>
               <a:rPr lang="ru-RU" sz="2000" dirty="0" err="1"/>
+              <a:t>Closed</a:t>
+            </a:r>
+            <a:r>
+              <a:rPr lang="ru-RU" sz="2000" dirty="0"/>
+              <a:t> </a:t>
+            </a:r>
+            <a:r>
+              <a:rPr lang="ru-RU" sz="2000" dirty="0" err="1"/>
               <a:t>Principle</a:t>
             </a:r>
             <a:r>
               <a:rPr lang="ru-RU" sz="2000" dirty="0"/>
-              <a:t>, ISP) — один из пяти принципов проектирования классов «SOLID» в объектно-ориентированном программировании. Следование этому принципу помогает системе оставаться гибкой при внесении изменений в логику работы и пригодной для рефакторинга. </a:t>
+              <a:t>, OCP) — принцип ООП, устанавливающий следующее положение: «программные сущности (классы, модули, функции и т. п.) должны быть открыты для расширения, но закрыты для изменения.</a:t>
             </a:r>
             <a:endParaRPr lang="en-US" sz="2000" dirty="0"/>
           </a:p>
@@ -7153,7 +7928,7 @@
     </p:spTree>
     <p:extLst>
       <p:ext uri="{BB962C8B-B14F-4D97-AF65-F5344CB8AC3E}">
-        <p14:creationId xmlns:p14="http://schemas.microsoft.com/office/powerpoint/2010/main" val="4123811333"/>
+        <p14:creationId xmlns:p14="http://schemas.microsoft.com/office/powerpoint/2010/main" val="2724221835"/>
       </p:ext>
     </p:extLst>
   </p:cSld>
@@ -7163,13 +7938,6 @@
   <p:transition spd="slow">
     <p:cover/>
   </p:transition>
-  <p:timing>
-    <p:tnLst>
-      <p:par>
-        <p:cTn id="1" dur="indefinite" restart="never" nodeType="tmRoot"/>
-      </p:par>
-    </p:tnLst>
-  </p:timing>
 </p:sld>
 </file>
 
@@ -7215,7 +7983,7 @@
           <a:p>
             <a:r>
               <a:rPr lang="ru-RU" b="1" dirty="0"/>
-              <a:t>Принцип инверсии зависимостей</a:t>
+              <a:t>Принцип подстановки Барбары Лисков</a:t>
             </a:r>
             <a:r>
               <a:rPr lang="en-US" b="1" dirty="0"/>
@@ -7226,7 +7994,15 @@
             </a:br>
             <a:r>
               <a:rPr lang="en-US" sz="3200" i="1" dirty="0"/>
-              <a:t>The Dependency Inversion Principle</a:t>
+              <a:t>The </a:t>
+            </a:r>
+            <a:r>
+              <a:rPr lang="en-US" sz="3200" i="1" dirty="0" err="1"/>
+              <a:t>Liskov</a:t>
+            </a:r>
+            <a:r>
+              <a:rPr lang="en-US" sz="3200" i="1" dirty="0"/>
+              <a:t> Substitution Principle</a:t>
             </a:r>
             <a:endParaRPr lang="en-US" dirty="0"/>
           </a:p>
@@ -7237,7 +8013,7 @@
           <p:cNvPr id="3" name="TextBox 2">
             <a:extLst>
               <a:ext uri="{FF2B5EF4-FFF2-40B4-BE49-F238E27FC236}">
-                <a16:creationId xmlns:a16="http://schemas.microsoft.com/office/drawing/2014/main" id="{E2033C19-F6E3-4D93-9DFB-30667C14D781}"/>
+                <a16:creationId xmlns:a16="http://schemas.microsoft.com/office/drawing/2014/main" id="{3089AEBE-4865-4BB1-9F1D-1582A462A55C}"/>
               </a:ext>
             </a:extLst>
           </p:cNvPr>
@@ -7247,7 +8023,7 @@
         <p:spPr>
           <a:xfrm>
             <a:off x="576263" y="2233613"/>
-            <a:ext cx="9836982" cy="2616101"/>
+            <a:ext cx="9836982" cy="3354765"/>
           </a:xfrm>
           <a:prstGeom prst="rect">
             <a:avLst/>
@@ -7266,7 +8042,7 @@
                   <a:srgbClr val="FFFF00"/>
                 </a:solidFill>
               </a:rPr>
-              <a:t>Зависимость на Абстракциях. Нет зависимости на что-то конкретное.</a:t>
+              <a:t>Объекты в программе должны быть заменяемыми на экземпляры их подтипов без изменения правильности выполнения программы.</a:t>
             </a:r>
           </a:p>
           <a:p>
@@ -7275,11 +8051,11 @@
           <a:p>
             <a:r>
               <a:rPr lang="ru-RU" sz="2000" dirty="0"/>
-              <a:t>Принцип инверсии зависимостей (англ. </a:t>
+              <a:t>Принцип подстановки Барбары Лисков (англ. </a:t>
             </a:r>
             <a:r>
               <a:rPr lang="ru-RU" sz="2000" dirty="0" err="1"/>
-              <a:t>dependency</a:t>
+              <a:t>Liskov</a:t>
             </a:r>
             <a:r>
               <a:rPr lang="ru-RU" sz="2000" dirty="0"/>
@@ -7287,7 +8063,7 @@
             </a:r>
             <a:r>
               <a:rPr lang="ru-RU" sz="2000" dirty="0" err="1"/>
-              <a:t>inversion</a:t>
+              <a:t>Substitution</a:t>
             </a:r>
             <a:r>
               <a:rPr lang="ru-RU" sz="2000" dirty="0"/>
@@ -7295,15 +8071,11 @@
             </a:r>
             <a:r>
               <a:rPr lang="ru-RU" sz="2000" dirty="0" err="1"/>
-              <a:t>principle</a:t>
+              <a:t>Principle</a:t>
             </a:r>
             <a:r>
               <a:rPr lang="ru-RU" sz="2000" dirty="0"/>
-              <a:t>, DIP) — важный принцип объектно-ориентированного программирования, используемый для уменьшения зацепления в компьютерных программах. </a:t>
-            </a:r>
-            <a:r>
-              <a:rPr lang="ru-RU" sz="2000"/>
-              <a:t>Входит в пятёрку принципов SOLID.</a:t>
+              <a:t>, LSP) в объектно-ориентированном программировании является специфичным определением подтипа, предложенным Барбарой Лисков в 1987 году на конференции в основном докладе под названием Абстракция данных и иерархия.</a:t>
             </a:r>
             <a:endParaRPr lang="en-US" sz="2000" dirty="0"/>
           </a:p>
@@ -7312,7 +8084,7 @@
     </p:spTree>
     <p:extLst>
       <p:ext uri="{BB962C8B-B14F-4D97-AF65-F5344CB8AC3E}">
-        <p14:creationId xmlns:p14="http://schemas.microsoft.com/office/powerpoint/2010/main" val="2251797272"/>
+        <p14:creationId xmlns:p14="http://schemas.microsoft.com/office/powerpoint/2010/main" val="3989441364"/>
       </p:ext>
     </p:extLst>
   </p:cSld>
@@ -7322,13 +8094,6 @@
   <p:transition spd="slow">
     <p:cover/>
   </p:transition>
-  <p:timing>
-    <p:tnLst>
-      <p:par>
-        <p:cTn id="1" dur="indefinite" restart="never" nodeType="tmRoot"/>
-      </p:par>
-    </p:tnLst>
-  </p:timing>
 </p:sld>
 </file>
 

--- a/Powerpoint/SOLID_S.pptx
+++ b/Powerpoint/SOLID_S.pptx
@@ -6333,8 +6333,8 @@
         </p:nvSpPr>
         <p:spPr>
           <a:xfrm>
-            <a:off x="576263" y="6203931"/>
-            <a:ext cx="9717919" cy="338554"/>
+            <a:off x="551366" y="5773043"/>
+            <a:ext cx="9717919" cy="307777"/>
           </a:xfrm>
           <a:prstGeom prst="rect">
             <a:avLst/>
@@ -6347,9 +6347,9 @@
           </a:bodyPr>
           <a:lstStyle/>
           <a:p>
-            <a:pPr algn="just"/>
-            <a:r>
-              <a:rPr lang="ru-RU" sz="1600" dirty="0" smtClean="0">
+            <a:pPr algn="r"/>
+            <a:r>
+              <a:rPr lang="ru-RU" sz="1400" dirty="0" smtClean="0">
                 <a:solidFill>
                   <a:schemeClr val="accent1"/>
                 </a:solidFill>
@@ -6357,7 +6357,7 @@
               <a:t>Источник</a:t>
             </a:r>
             <a:r>
-              <a:rPr lang="ru-RU" sz="1600" dirty="0">
+              <a:rPr lang="ru-RU" sz="1400" dirty="0">
                 <a:solidFill>
                   <a:schemeClr val="accent1"/>
                 </a:solidFill>
@@ -6365,7 +6365,7 @@
               <a:t>: </a:t>
             </a:r>
             <a:r>
-              <a:rPr lang="en-US" sz="1600" dirty="0">
+              <a:rPr lang="en-US" sz="1400" dirty="0">
                 <a:solidFill>
                   <a:schemeClr val="accent1"/>
                 </a:solidFill>
@@ -6373,7 +6373,7 @@
               <a:t>https://ru.wikipedia.org/wiki/SOLID_(</a:t>
             </a:r>
             <a:r>
-              <a:rPr lang="ru-RU" sz="1600" dirty="0">
+              <a:rPr lang="ru-RU" sz="1400" dirty="0">
                 <a:solidFill>
                   <a:schemeClr val="accent1"/>
                 </a:solidFill>
@@ -6381,7 +6381,7 @@
               <a:t>объектно-</a:t>
             </a:r>
             <a:r>
-              <a:rPr lang="ru-RU" sz="1600" dirty="0" err="1">
+              <a:rPr lang="ru-RU" sz="1400" dirty="0" err="1">
                 <a:solidFill>
                   <a:schemeClr val="accent1"/>
                 </a:solidFill>
@@ -6389,14 +6389,14 @@
               <a:t>ориентированное_программирование</a:t>
             </a:r>
             <a:r>
-              <a:rPr lang="ru-RU" sz="1600" dirty="0">
+              <a:rPr lang="ru-RU" sz="1400" dirty="0">
                 <a:solidFill>
                   <a:schemeClr val="accent1"/>
                 </a:solidFill>
               </a:rPr>
               <a:t>)</a:t>
             </a:r>
-            <a:endParaRPr lang="en-US" sz="1600" dirty="0">
+            <a:endParaRPr lang="en-US" sz="1400" dirty="0">
               <a:solidFill>
                 <a:schemeClr val="accent1"/>
               </a:solidFill>
@@ -6640,7 +6640,7 @@
           </a:bodyPr>
           <a:lstStyle/>
           <a:p>
-            <a:pPr algn="just"/>
+            <a:pPr algn="r"/>
             <a:r>
               <a:rPr lang="ru-RU" sz="1600" dirty="0" smtClean="0">
                 <a:solidFill>
@@ -6663,7 +6663,23 @@
                   <a:schemeClr val="accent1"/>
                 </a:solidFill>
               </a:rPr>
-              <a:t>https://ru.wikipedia.org/wiki/SOLID_(</a:t>
+              <a:t>https://</a:t>
+            </a:r>
+            <a:r>
+              <a:rPr lang="en-US" sz="1400" dirty="0">
+                <a:solidFill>
+                  <a:schemeClr val="accent1"/>
+                </a:solidFill>
+              </a:rPr>
+              <a:t>ru.wikipedia.org/wiki/SOLID</a:t>
+            </a:r>
+            <a:r>
+              <a:rPr lang="en-US" sz="1600" dirty="0">
+                <a:solidFill>
+                  <a:schemeClr val="accent1"/>
+                </a:solidFill>
+              </a:rPr>
+              <a:t>_(</a:t>
             </a:r>
             <a:r>
               <a:rPr lang="ru-RU" sz="1600" dirty="0">

--- a/Powerpoint/SOLID_S.pptx
+++ b/Powerpoint/SOLID_S.pptx
@@ -4,8 +4,11 @@
   <p:sldMasterIdLst>
     <p:sldMasterId id="2147483762" r:id="rId1"/>
   </p:sldMasterIdLst>
+  <p:notesMasterIdLst>
+    <p:notesMasterId r:id="rId13"/>
+  </p:notesMasterIdLst>
   <p:handoutMasterIdLst>
-    <p:handoutMasterId r:id="rId13"/>
+    <p:handoutMasterId r:id="rId14"/>
   </p:handoutMasterIdLst>
   <p:sldIdLst>
     <p:sldId id="256" r:id="rId2"/>
@@ -139,6 +142,18 @@
 </p:presentation>
 </file>
 
+<file path=ppt/commentAuthors.xml><?xml version="1.0" encoding="utf-8"?>
+<p:cmAuthorLst xmlns:a="http://schemas.openxmlformats.org/drawingml/2006/main" xmlns:r="http://schemas.openxmlformats.org/officeDocument/2006/relationships" xmlns:p="http://schemas.openxmlformats.org/presentationml/2006/main">
+  <p:cmAuthor id="1" name="Сергей Калабонга" initials="СК" lastIdx="3" clrIdx="0">
+    <p:extLst>
+      <p:ext uri="{19B8F6BF-5375-455C-9EA6-DF929625EA0E}">
+        <p15:presenceInfo xmlns:p15="http://schemas.microsoft.com/office/powerpoint/2012/main" userId="6b2f8b568b4803e7" providerId="Windows Live"/>
+      </p:ext>
+    </p:extLst>
+  </p:cmAuthor>
+</p:cmAuthorLst>
+</file>
+
 <file path=ppt/handoutMasters/handoutMaster1.xml><?xml version="1.0" encoding="utf-8"?>
 <p:handoutMaster xmlns:a="http://schemas.openxmlformats.org/drawingml/2006/main" xmlns:r="http://schemas.openxmlformats.org/officeDocument/2006/relationships" xmlns:p="http://schemas.openxmlformats.org/presentationml/2006/main">
   <p:cSld>
@@ -221,7 +236,7 @@
           <a:p>
             <a:fld id="{CDDF240B-3CA8-4045-B7C9-8B67F6FA2B5E}" type="datetimeFigureOut">
               <a:rPr lang="en-US" smtClean="0"/>
-              <a:t>2019-01-25</a:t>
+              <a:t>2019-01-26</a:t>
             </a:fld>
             <a:endParaRPr lang="en-US"/>
           </a:p>
@@ -302,6 +317,692 @@
   </p:cSld>
   <p:clrMap bg1="lt1" tx1="dk1" bg2="lt2" tx2="dk2" accent1="accent1" accent2="accent2" accent3="accent3" accent4="accent4" accent5="accent5" accent6="accent6" hlink="hlink" folHlink="folHlink"/>
 </p:handoutMaster>
+</file>
+
+<file path=ppt/notesMasters/notesMaster1.xml><?xml version="1.0" encoding="utf-8"?>
+<p:notesMaster xmlns:a="http://schemas.openxmlformats.org/drawingml/2006/main" xmlns:r="http://schemas.openxmlformats.org/officeDocument/2006/relationships" xmlns:p="http://schemas.openxmlformats.org/presentationml/2006/main">
+  <p:cSld>
+    <p:bg>
+      <p:bgRef idx="1001">
+        <a:schemeClr val="bg1"/>
+      </p:bgRef>
+    </p:bg>
+    <p:spTree>
+      <p:nvGrpSpPr>
+        <p:cNvPr id="1" name=""/>
+        <p:cNvGrpSpPr/>
+        <p:nvPr/>
+      </p:nvGrpSpPr>
+      <p:grpSpPr>
+        <a:xfrm>
+          <a:off x="0" y="0"/>
+          <a:ext cx="0" cy="0"/>
+          <a:chOff x="0" y="0"/>
+          <a:chExt cx="0" cy="0"/>
+        </a:xfrm>
+      </p:grpSpPr>
+      <p:sp>
+        <p:nvSpPr>
+          <p:cNvPr id="2" name="Верхний колонтитул 1"/>
+          <p:cNvSpPr>
+            <a:spLocks noGrp="1"/>
+          </p:cNvSpPr>
+          <p:nvPr>
+            <p:ph type="hdr" sz="quarter"/>
+          </p:nvPr>
+        </p:nvSpPr>
+        <p:spPr>
+          <a:xfrm>
+            <a:off x="0" y="0"/>
+            <a:ext cx="2971800" cy="458788"/>
+          </a:xfrm>
+          <a:prstGeom prst="rect">
+            <a:avLst/>
+          </a:prstGeom>
+        </p:spPr>
+        <p:txBody>
+          <a:bodyPr vert="horz" lIns="91440" tIns="45720" rIns="91440" bIns="45720" rtlCol="0"/>
+          <a:lstStyle>
+            <a:lvl1pPr algn="l">
+              <a:defRPr sz="1200"/>
+            </a:lvl1pPr>
+          </a:lstStyle>
+          <a:p>
+            <a:endParaRPr lang="en-US"/>
+          </a:p>
+        </p:txBody>
+      </p:sp>
+      <p:sp>
+        <p:nvSpPr>
+          <p:cNvPr id="3" name="Дата 2"/>
+          <p:cNvSpPr>
+            <a:spLocks noGrp="1"/>
+          </p:cNvSpPr>
+          <p:nvPr>
+            <p:ph type="dt" idx="1"/>
+          </p:nvPr>
+        </p:nvSpPr>
+        <p:spPr>
+          <a:xfrm>
+            <a:off x="3884613" y="0"/>
+            <a:ext cx="2971800" cy="458788"/>
+          </a:xfrm>
+          <a:prstGeom prst="rect">
+            <a:avLst/>
+          </a:prstGeom>
+        </p:spPr>
+        <p:txBody>
+          <a:bodyPr vert="horz" lIns="91440" tIns="45720" rIns="91440" bIns="45720" rtlCol="0"/>
+          <a:lstStyle>
+            <a:lvl1pPr algn="r">
+              <a:defRPr sz="1200"/>
+            </a:lvl1pPr>
+          </a:lstStyle>
+          <a:p>
+            <a:fld id="{8DB41A92-FFF7-46B1-92E3-CDB13879911B}" type="datetimeFigureOut">
+              <a:rPr lang="en-US" smtClean="0"/>
+              <a:t>2019-01-26</a:t>
+            </a:fld>
+            <a:endParaRPr lang="en-US"/>
+          </a:p>
+        </p:txBody>
+      </p:sp>
+      <p:sp>
+        <p:nvSpPr>
+          <p:cNvPr id="4" name="Образ слайда 3"/>
+          <p:cNvSpPr>
+            <a:spLocks noGrp="1" noRot="1" noChangeAspect="1"/>
+          </p:cNvSpPr>
+          <p:nvPr>
+            <p:ph type="sldImg" idx="2"/>
+          </p:nvPr>
+        </p:nvSpPr>
+        <p:spPr>
+          <a:xfrm>
+            <a:off x="685800" y="1143000"/>
+            <a:ext cx="5486400" cy="3086100"/>
+          </a:xfrm>
+          <a:prstGeom prst="rect">
+            <a:avLst/>
+          </a:prstGeom>
+          <a:noFill/>
+          <a:ln w="12700">
+            <a:solidFill>
+              <a:prstClr val="black"/>
+            </a:solidFill>
+          </a:ln>
+        </p:spPr>
+        <p:txBody>
+          <a:bodyPr vert="horz" lIns="91440" tIns="45720" rIns="91440" bIns="45720" rtlCol="0" anchor="ctr"/>
+          <a:lstStyle/>
+          <a:p>
+            <a:endParaRPr lang="en-US"/>
+          </a:p>
+        </p:txBody>
+      </p:sp>
+      <p:sp>
+        <p:nvSpPr>
+          <p:cNvPr id="5" name="Заметки 4"/>
+          <p:cNvSpPr>
+            <a:spLocks noGrp="1"/>
+          </p:cNvSpPr>
+          <p:nvPr>
+            <p:ph type="body" sz="quarter" idx="3"/>
+          </p:nvPr>
+        </p:nvSpPr>
+        <p:spPr>
+          <a:xfrm>
+            <a:off x="685800" y="4400550"/>
+            <a:ext cx="5486400" cy="3600450"/>
+          </a:xfrm>
+          <a:prstGeom prst="rect">
+            <a:avLst/>
+          </a:prstGeom>
+        </p:spPr>
+        <p:txBody>
+          <a:bodyPr vert="horz" lIns="91440" tIns="45720" rIns="91440" bIns="45720" rtlCol="0"/>
+          <a:lstStyle/>
+          <a:p>
+            <a:pPr lvl="0"/>
+            <a:r>
+              <a:rPr lang="ru-RU"/>
+              <a:t>Образец текста</a:t>
+            </a:r>
+          </a:p>
+          <a:p>
+            <a:pPr lvl="1"/>
+            <a:r>
+              <a:rPr lang="ru-RU"/>
+              <a:t>Второй уровень</a:t>
+            </a:r>
+          </a:p>
+          <a:p>
+            <a:pPr lvl="2"/>
+            <a:r>
+              <a:rPr lang="ru-RU"/>
+              <a:t>Третий уровень</a:t>
+            </a:r>
+          </a:p>
+          <a:p>
+            <a:pPr lvl="3"/>
+            <a:r>
+              <a:rPr lang="ru-RU"/>
+              <a:t>Четвертый уровень</a:t>
+            </a:r>
+          </a:p>
+          <a:p>
+            <a:pPr lvl="4"/>
+            <a:r>
+              <a:rPr lang="ru-RU"/>
+              <a:t>Пятый уровень</a:t>
+            </a:r>
+            <a:endParaRPr lang="en-US"/>
+          </a:p>
+        </p:txBody>
+      </p:sp>
+      <p:sp>
+        <p:nvSpPr>
+          <p:cNvPr id="6" name="Нижний колонтитул 5"/>
+          <p:cNvSpPr>
+            <a:spLocks noGrp="1"/>
+          </p:cNvSpPr>
+          <p:nvPr>
+            <p:ph type="ftr" sz="quarter" idx="4"/>
+          </p:nvPr>
+        </p:nvSpPr>
+        <p:spPr>
+          <a:xfrm>
+            <a:off x="0" y="8685213"/>
+            <a:ext cx="2971800" cy="458787"/>
+          </a:xfrm>
+          <a:prstGeom prst="rect">
+            <a:avLst/>
+          </a:prstGeom>
+        </p:spPr>
+        <p:txBody>
+          <a:bodyPr vert="horz" lIns="91440" tIns="45720" rIns="91440" bIns="45720" rtlCol="0" anchor="b"/>
+          <a:lstStyle>
+            <a:lvl1pPr algn="l">
+              <a:defRPr sz="1200"/>
+            </a:lvl1pPr>
+          </a:lstStyle>
+          <a:p>
+            <a:endParaRPr lang="en-US"/>
+          </a:p>
+        </p:txBody>
+      </p:sp>
+      <p:sp>
+        <p:nvSpPr>
+          <p:cNvPr id="7" name="Номер слайда 6"/>
+          <p:cNvSpPr>
+            <a:spLocks noGrp="1"/>
+          </p:cNvSpPr>
+          <p:nvPr>
+            <p:ph type="sldNum" sz="quarter" idx="5"/>
+          </p:nvPr>
+        </p:nvSpPr>
+        <p:spPr>
+          <a:xfrm>
+            <a:off x="3884613" y="8685213"/>
+            <a:ext cx="2971800" cy="458787"/>
+          </a:xfrm>
+          <a:prstGeom prst="rect">
+            <a:avLst/>
+          </a:prstGeom>
+        </p:spPr>
+        <p:txBody>
+          <a:bodyPr vert="horz" lIns="91440" tIns="45720" rIns="91440" bIns="45720" rtlCol="0" anchor="b"/>
+          <a:lstStyle>
+            <a:lvl1pPr algn="r">
+              <a:defRPr sz="1200"/>
+            </a:lvl1pPr>
+          </a:lstStyle>
+          <a:p>
+            <a:fld id="{7FE466A1-AB78-4968-BEFB-E93872E40569}" type="slidenum">
+              <a:rPr lang="en-US" smtClean="0"/>
+              <a:t>‹#›</a:t>
+            </a:fld>
+            <a:endParaRPr lang="en-US"/>
+          </a:p>
+        </p:txBody>
+      </p:sp>
+    </p:spTree>
+    <p:extLst>
+      <p:ext uri="{BB962C8B-B14F-4D97-AF65-F5344CB8AC3E}">
+        <p14:creationId xmlns:p14="http://schemas.microsoft.com/office/powerpoint/2010/main" val="654435337"/>
+      </p:ext>
+    </p:extLst>
+  </p:cSld>
+  <p:clrMap bg1="lt1" tx1="dk1" bg2="lt2" tx2="dk2" accent1="accent1" accent2="accent2" accent3="accent3" accent4="accent4" accent5="accent5" accent6="accent6" hlink="hlink" folHlink="folHlink"/>
+  <p:notesStyle>
+    <a:lvl1pPr marL="0" algn="l" defTabSz="914400" rtl="0" eaLnBrk="1" latinLnBrk="0" hangingPunct="1">
+      <a:defRPr sz="1200" kern="1200">
+        <a:solidFill>
+          <a:schemeClr val="tx1"/>
+        </a:solidFill>
+        <a:latin typeface="+mn-lt"/>
+        <a:ea typeface="+mn-ea"/>
+        <a:cs typeface="+mn-cs"/>
+      </a:defRPr>
+    </a:lvl1pPr>
+    <a:lvl2pPr marL="457200" algn="l" defTabSz="914400" rtl="0" eaLnBrk="1" latinLnBrk="0" hangingPunct="1">
+      <a:defRPr sz="1200" kern="1200">
+        <a:solidFill>
+          <a:schemeClr val="tx1"/>
+        </a:solidFill>
+        <a:latin typeface="+mn-lt"/>
+        <a:ea typeface="+mn-ea"/>
+        <a:cs typeface="+mn-cs"/>
+      </a:defRPr>
+    </a:lvl2pPr>
+    <a:lvl3pPr marL="914400" algn="l" defTabSz="914400" rtl="0" eaLnBrk="1" latinLnBrk="0" hangingPunct="1">
+      <a:defRPr sz="1200" kern="1200">
+        <a:solidFill>
+          <a:schemeClr val="tx1"/>
+        </a:solidFill>
+        <a:latin typeface="+mn-lt"/>
+        <a:ea typeface="+mn-ea"/>
+        <a:cs typeface="+mn-cs"/>
+      </a:defRPr>
+    </a:lvl3pPr>
+    <a:lvl4pPr marL="1371600" algn="l" defTabSz="914400" rtl="0" eaLnBrk="1" latinLnBrk="0" hangingPunct="1">
+      <a:defRPr sz="1200" kern="1200">
+        <a:solidFill>
+          <a:schemeClr val="tx1"/>
+        </a:solidFill>
+        <a:latin typeface="+mn-lt"/>
+        <a:ea typeface="+mn-ea"/>
+        <a:cs typeface="+mn-cs"/>
+      </a:defRPr>
+    </a:lvl4pPr>
+    <a:lvl5pPr marL="1828800" algn="l" defTabSz="914400" rtl="0" eaLnBrk="1" latinLnBrk="0" hangingPunct="1">
+      <a:defRPr sz="1200" kern="1200">
+        <a:solidFill>
+          <a:schemeClr val="tx1"/>
+        </a:solidFill>
+        <a:latin typeface="+mn-lt"/>
+        <a:ea typeface="+mn-ea"/>
+        <a:cs typeface="+mn-cs"/>
+      </a:defRPr>
+    </a:lvl5pPr>
+    <a:lvl6pPr marL="2286000" algn="l" defTabSz="914400" rtl="0" eaLnBrk="1" latinLnBrk="0" hangingPunct="1">
+      <a:defRPr sz="1200" kern="1200">
+        <a:solidFill>
+          <a:schemeClr val="tx1"/>
+        </a:solidFill>
+        <a:latin typeface="+mn-lt"/>
+        <a:ea typeface="+mn-ea"/>
+        <a:cs typeface="+mn-cs"/>
+      </a:defRPr>
+    </a:lvl6pPr>
+    <a:lvl7pPr marL="2743200" algn="l" defTabSz="914400" rtl="0" eaLnBrk="1" latinLnBrk="0" hangingPunct="1">
+      <a:defRPr sz="1200" kern="1200">
+        <a:solidFill>
+          <a:schemeClr val="tx1"/>
+        </a:solidFill>
+        <a:latin typeface="+mn-lt"/>
+        <a:ea typeface="+mn-ea"/>
+        <a:cs typeface="+mn-cs"/>
+      </a:defRPr>
+    </a:lvl7pPr>
+    <a:lvl8pPr marL="3200400" algn="l" defTabSz="914400" rtl="0" eaLnBrk="1" latinLnBrk="0" hangingPunct="1">
+      <a:defRPr sz="1200" kern="1200">
+        <a:solidFill>
+          <a:schemeClr val="tx1"/>
+        </a:solidFill>
+        <a:latin typeface="+mn-lt"/>
+        <a:ea typeface="+mn-ea"/>
+        <a:cs typeface="+mn-cs"/>
+      </a:defRPr>
+    </a:lvl8pPr>
+    <a:lvl9pPr marL="3657600" algn="l" defTabSz="914400" rtl="0" eaLnBrk="1" latinLnBrk="0" hangingPunct="1">
+      <a:defRPr sz="1200" kern="1200">
+        <a:solidFill>
+          <a:schemeClr val="tx1"/>
+        </a:solidFill>
+        <a:latin typeface="+mn-lt"/>
+        <a:ea typeface="+mn-ea"/>
+        <a:cs typeface="+mn-cs"/>
+      </a:defRPr>
+    </a:lvl9pPr>
+  </p:notesStyle>
+</p:notesMaster>
+</file>
+
+<file path=ppt/notesSlides/notesSlide1.xml><?xml version="1.0" encoding="utf-8"?>
+<p:notes xmlns:a="http://schemas.openxmlformats.org/drawingml/2006/main" xmlns:r="http://schemas.openxmlformats.org/officeDocument/2006/relationships" xmlns:p="http://schemas.openxmlformats.org/presentationml/2006/main">
+  <p:cSld>
+    <p:spTree>
+      <p:nvGrpSpPr>
+        <p:cNvPr id="1" name=""/>
+        <p:cNvGrpSpPr/>
+        <p:nvPr/>
+      </p:nvGrpSpPr>
+      <p:grpSpPr>
+        <a:xfrm>
+          <a:off x="0" y="0"/>
+          <a:ext cx="0" cy="0"/>
+          <a:chOff x="0" y="0"/>
+          <a:chExt cx="0" cy="0"/>
+        </a:xfrm>
+      </p:grpSpPr>
+      <p:sp>
+        <p:nvSpPr>
+          <p:cNvPr id="2" name="Образ слайда 1"/>
+          <p:cNvSpPr>
+            <a:spLocks noGrp="1" noRot="1" noChangeAspect="1"/>
+          </p:cNvSpPr>
+          <p:nvPr>
+            <p:ph type="sldImg"/>
+          </p:nvPr>
+        </p:nvSpPr>
+        <p:spPr/>
+      </p:sp>
+      <p:sp>
+        <p:nvSpPr>
+          <p:cNvPr id="3" name="Заметки 2"/>
+          <p:cNvSpPr>
+            <a:spLocks noGrp="1"/>
+          </p:cNvSpPr>
+          <p:nvPr>
+            <p:ph type="body" idx="1"/>
+          </p:nvPr>
+        </p:nvSpPr>
+        <p:spPr/>
+        <p:txBody>
+          <a:bodyPr/>
+          <a:lstStyle/>
+          <a:p>
+            <a:endParaRPr lang="en-US" dirty="0"/>
+          </a:p>
+        </p:txBody>
+      </p:sp>
+      <p:sp>
+        <p:nvSpPr>
+          <p:cNvPr id="4" name="Номер слайда 3"/>
+          <p:cNvSpPr>
+            <a:spLocks noGrp="1"/>
+          </p:cNvSpPr>
+          <p:nvPr>
+            <p:ph type="sldNum" sz="quarter" idx="5"/>
+          </p:nvPr>
+        </p:nvSpPr>
+        <p:spPr/>
+        <p:txBody>
+          <a:bodyPr/>
+          <a:lstStyle/>
+          <a:p>
+            <a:fld id="{7FE466A1-AB78-4968-BEFB-E93872E40569}" type="slidenum">
+              <a:rPr lang="en-US" smtClean="0"/>
+              <a:t>1</a:t>
+            </a:fld>
+            <a:endParaRPr lang="en-US"/>
+          </a:p>
+        </p:txBody>
+      </p:sp>
+    </p:spTree>
+    <p:extLst>
+      <p:ext uri="{BB962C8B-B14F-4D97-AF65-F5344CB8AC3E}">
+        <p14:creationId xmlns:p14="http://schemas.microsoft.com/office/powerpoint/2010/main" val="800237061"/>
+      </p:ext>
+    </p:extLst>
+  </p:cSld>
+  <p:clrMapOvr>
+    <a:masterClrMapping/>
+  </p:clrMapOvr>
+</p:notes>
+</file>
+
+<file path=ppt/notesSlides/notesSlide2.xml><?xml version="1.0" encoding="utf-8"?>
+<p:notes xmlns:a="http://schemas.openxmlformats.org/drawingml/2006/main" xmlns:r="http://schemas.openxmlformats.org/officeDocument/2006/relationships" xmlns:p="http://schemas.openxmlformats.org/presentationml/2006/main">
+  <p:cSld>
+    <p:spTree>
+      <p:nvGrpSpPr>
+        <p:cNvPr id="1" name=""/>
+        <p:cNvGrpSpPr/>
+        <p:nvPr/>
+      </p:nvGrpSpPr>
+      <p:grpSpPr>
+        <a:xfrm>
+          <a:off x="0" y="0"/>
+          <a:ext cx="0" cy="0"/>
+          <a:chOff x="0" y="0"/>
+          <a:chExt cx="0" cy="0"/>
+        </a:xfrm>
+      </p:grpSpPr>
+      <p:sp>
+        <p:nvSpPr>
+          <p:cNvPr id="2" name="Образ слайда 1"/>
+          <p:cNvSpPr>
+            <a:spLocks noGrp="1" noRot="1" noChangeAspect="1"/>
+          </p:cNvSpPr>
+          <p:nvPr>
+            <p:ph type="sldImg"/>
+          </p:nvPr>
+        </p:nvSpPr>
+        <p:spPr/>
+      </p:sp>
+      <p:sp>
+        <p:nvSpPr>
+          <p:cNvPr id="3" name="Заметки 2"/>
+          <p:cNvSpPr>
+            <a:spLocks noGrp="1"/>
+          </p:cNvSpPr>
+          <p:nvPr>
+            <p:ph type="body" idx="1"/>
+          </p:nvPr>
+        </p:nvSpPr>
+        <p:spPr/>
+        <p:txBody>
+          <a:bodyPr/>
+          <a:lstStyle/>
+          <a:p>
+            <a:endParaRPr lang="en-US" dirty="0"/>
+          </a:p>
+        </p:txBody>
+      </p:sp>
+      <p:sp>
+        <p:nvSpPr>
+          <p:cNvPr id="4" name="Номер слайда 3"/>
+          <p:cNvSpPr>
+            <a:spLocks noGrp="1"/>
+          </p:cNvSpPr>
+          <p:nvPr>
+            <p:ph type="sldNum" sz="quarter" idx="5"/>
+          </p:nvPr>
+        </p:nvSpPr>
+        <p:spPr/>
+        <p:txBody>
+          <a:bodyPr/>
+          <a:lstStyle/>
+          <a:p>
+            <a:fld id="{7FE466A1-AB78-4968-BEFB-E93872E40569}" type="slidenum">
+              <a:rPr lang="en-US" smtClean="0"/>
+              <a:t>2</a:t>
+            </a:fld>
+            <a:endParaRPr lang="en-US"/>
+          </a:p>
+        </p:txBody>
+      </p:sp>
+    </p:spTree>
+    <p:extLst>
+      <p:ext uri="{BB962C8B-B14F-4D97-AF65-F5344CB8AC3E}">
+        <p14:creationId xmlns:p14="http://schemas.microsoft.com/office/powerpoint/2010/main" val="3474787600"/>
+      </p:ext>
+    </p:extLst>
+  </p:cSld>
+  <p:clrMapOvr>
+    <a:masterClrMapping/>
+  </p:clrMapOvr>
+</p:notes>
+</file>
+
+<file path=ppt/notesSlides/notesSlide3.xml><?xml version="1.0" encoding="utf-8"?>
+<p:notes xmlns:a="http://schemas.openxmlformats.org/drawingml/2006/main" xmlns:r="http://schemas.openxmlformats.org/officeDocument/2006/relationships" xmlns:p="http://schemas.openxmlformats.org/presentationml/2006/main">
+  <p:cSld>
+    <p:spTree>
+      <p:nvGrpSpPr>
+        <p:cNvPr id="1" name=""/>
+        <p:cNvGrpSpPr/>
+        <p:nvPr/>
+      </p:nvGrpSpPr>
+      <p:grpSpPr>
+        <a:xfrm>
+          <a:off x="0" y="0"/>
+          <a:ext cx="0" cy="0"/>
+          <a:chOff x="0" y="0"/>
+          <a:chExt cx="0" cy="0"/>
+        </a:xfrm>
+      </p:grpSpPr>
+      <p:sp>
+        <p:nvSpPr>
+          <p:cNvPr id="2" name="Образ слайда 1"/>
+          <p:cNvSpPr>
+            <a:spLocks noGrp="1" noRot="1" noChangeAspect="1"/>
+          </p:cNvSpPr>
+          <p:nvPr>
+            <p:ph type="sldImg"/>
+          </p:nvPr>
+        </p:nvSpPr>
+        <p:spPr/>
+      </p:sp>
+      <p:sp>
+        <p:nvSpPr>
+          <p:cNvPr id="3" name="Заметки 2"/>
+          <p:cNvSpPr>
+            <a:spLocks noGrp="1"/>
+          </p:cNvSpPr>
+          <p:nvPr>
+            <p:ph type="body" idx="1"/>
+          </p:nvPr>
+        </p:nvSpPr>
+        <p:spPr/>
+        <p:txBody>
+          <a:bodyPr/>
+          <a:lstStyle/>
+          <a:p>
+            <a:endParaRPr lang="en-US" dirty="0"/>
+          </a:p>
+        </p:txBody>
+      </p:sp>
+      <p:sp>
+        <p:nvSpPr>
+          <p:cNvPr id="4" name="Номер слайда 3"/>
+          <p:cNvSpPr>
+            <a:spLocks noGrp="1"/>
+          </p:cNvSpPr>
+          <p:nvPr>
+            <p:ph type="sldNum" sz="quarter" idx="5"/>
+          </p:nvPr>
+        </p:nvSpPr>
+        <p:spPr/>
+        <p:txBody>
+          <a:bodyPr/>
+          <a:lstStyle/>
+          <a:p>
+            <a:fld id="{7FE466A1-AB78-4968-BEFB-E93872E40569}" type="slidenum">
+              <a:rPr lang="en-US" smtClean="0"/>
+              <a:t>3</a:t>
+            </a:fld>
+            <a:endParaRPr lang="en-US"/>
+          </a:p>
+        </p:txBody>
+      </p:sp>
+    </p:spTree>
+    <p:extLst>
+      <p:ext uri="{BB962C8B-B14F-4D97-AF65-F5344CB8AC3E}">
+        <p14:creationId xmlns:p14="http://schemas.microsoft.com/office/powerpoint/2010/main" val="2963247334"/>
+      </p:ext>
+    </p:extLst>
+  </p:cSld>
+  <p:clrMapOvr>
+    <a:masterClrMapping/>
+  </p:clrMapOvr>
+</p:notes>
+</file>
+
+<file path=ppt/notesSlides/notesSlide4.xml><?xml version="1.0" encoding="utf-8"?>
+<p:notes xmlns:a="http://schemas.openxmlformats.org/drawingml/2006/main" xmlns:r="http://schemas.openxmlformats.org/officeDocument/2006/relationships" xmlns:p="http://schemas.openxmlformats.org/presentationml/2006/main">
+  <p:cSld>
+    <p:spTree>
+      <p:nvGrpSpPr>
+        <p:cNvPr id="1" name=""/>
+        <p:cNvGrpSpPr/>
+        <p:nvPr/>
+      </p:nvGrpSpPr>
+      <p:grpSpPr>
+        <a:xfrm>
+          <a:off x="0" y="0"/>
+          <a:ext cx="0" cy="0"/>
+          <a:chOff x="0" y="0"/>
+          <a:chExt cx="0" cy="0"/>
+        </a:xfrm>
+      </p:grpSpPr>
+      <p:sp>
+        <p:nvSpPr>
+          <p:cNvPr id="2" name="Образ слайда 1"/>
+          <p:cNvSpPr>
+            <a:spLocks noGrp="1" noRot="1" noChangeAspect="1"/>
+          </p:cNvSpPr>
+          <p:nvPr>
+            <p:ph type="sldImg"/>
+          </p:nvPr>
+        </p:nvSpPr>
+        <p:spPr/>
+      </p:sp>
+      <p:sp>
+        <p:nvSpPr>
+          <p:cNvPr id="3" name="Заметки 2"/>
+          <p:cNvSpPr>
+            <a:spLocks noGrp="1"/>
+          </p:cNvSpPr>
+          <p:nvPr>
+            <p:ph type="body" idx="1"/>
+          </p:nvPr>
+        </p:nvSpPr>
+        <p:spPr/>
+        <p:txBody>
+          <a:bodyPr/>
+          <a:lstStyle/>
+          <a:p>
+            <a:endParaRPr lang="en-US" dirty="0"/>
+          </a:p>
+        </p:txBody>
+      </p:sp>
+      <p:sp>
+        <p:nvSpPr>
+          <p:cNvPr id="4" name="Номер слайда 3"/>
+          <p:cNvSpPr>
+            <a:spLocks noGrp="1"/>
+          </p:cNvSpPr>
+          <p:nvPr>
+            <p:ph type="sldNum" sz="quarter" idx="5"/>
+          </p:nvPr>
+        </p:nvSpPr>
+        <p:spPr/>
+        <p:txBody>
+          <a:bodyPr/>
+          <a:lstStyle/>
+          <a:p>
+            <a:fld id="{7FE466A1-AB78-4968-BEFB-E93872E40569}" type="slidenum">
+              <a:rPr lang="en-US" smtClean="0"/>
+              <a:t>4</a:t>
+            </a:fld>
+            <a:endParaRPr lang="en-US"/>
+          </a:p>
+        </p:txBody>
+      </p:sp>
+    </p:spTree>
+    <p:extLst>
+      <p:ext uri="{BB962C8B-B14F-4D97-AF65-F5344CB8AC3E}">
+        <p14:creationId xmlns:p14="http://schemas.microsoft.com/office/powerpoint/2010/main" val="1519391517"/>
+      </p:ext>
+    </p:extLst>
+  </p:cSld>
+  <p:clrMapOvr>
+    <a:masterClrMapping/>
+  </p:clrMapOvr>
+</p:notes>
 </file>
 
 <file path=ppt/slideLayouts/slideLayout1.xml><?xml version="1.0" encoding="utf-8"?>
@@ -1253,7 +1954,7 @@
           <a:p>
             <a:fld id="{679D33B1-6C88-4DB6-8F59-77EBF0001DE5}" type="datetimeFigureOut">
               <a:rPr lang="en-US" smtClean="0"/>
-              <a:t>2019-01-25</a:t>
+              <a:t>2019-01-26</a:t>
             </a:fld>
             <a:endParaRPr lang="en-US"/>
           </a:p>
@@ -2163,7 +2864,7 @@
           <a:p>
             <a:fld id="{679D33B1-6C88-4DB6-8F59-77EBF0001DE5}" type="datetimeFigureOut">
               <a:rPr lang="en-US" smtClean="0"/>
-              <a:t>2019-01-25</a:t>
+              <a:t>2019-01-26</a:t>
             </a:fld>
             <a:endParaRPr lang="en-US"/>
           </a:p>
@@ -2469,7 +3170,7 @@
           <a:p>
             <a:fld id="{679D33B1-6C88-4DB6-8F59-77EBF0001DE5}" type="datetimeFigureOut">
               <a:rPr lang="en-US" smtClean="0"/>
-              <a:t>2019-01-25</a:t>
+              <a:t>2019-01-26</a:t>
             </a:fld>
             <a:endParaRPr lang="en-US"/>
           </a:p>
@@ -2855,7 +3556,7 @@
           <a:p>
             <a:fld id="{679D33B1-6C88-4DB6-8F59-77EBF0001DE5}" type="datetimeFigureOut">
               <a:rPr lang="en-US" smtClean="0"/>
-              <a:t>2019-01-25</a:t>
+              <a:t>2019-01-26</a:t>
             </a:fld>
             <a:endParaRPr lang="en-US"/>
           </a:p>
@@ -3228,7 +3929,7 @@
           <a:p>
             <a:fld id="{679D33B1-6C88-4DB6-8F59-77EBF0001DE5}" type="datetimeFigureOut">
               <a:rPr lang="en-US" smtClean="0"/>
-              <a:t>2019-01-25</a:t>
+              <a:t>2019-01-26</a:t>
             </a:fld>
             <a:endParaRPr lang="en-US"/>
           </a:p>
@@ -3731,7 +4432,7 @@
           <a:p>
             <a:fld id="{679D33B1-6C88-4DB6-8F59-77EBF0001DE5}" type="datetimeFigureOut">
               <a:rPr lang="en-US" smtClean="0"/>
-              <a:t>2019-01-25</a:t>
+              <a:t>2019-01-26</a:t>
             </a:fld>
             <a:endParaRPr lang="en-US"/>
           </a:p>
@@ -3985,7 +4686,7 @@
           <a:p>
             <a:fld id="{679D33B1-6C88-4DB6-8F59-77EBF0001DE5}" type="datetimeFigureOut">
               <a:rPr lang="en-US" smtClean="0"/>
-              <a:t>2019-01-25</a:t>
+              <a:t>2019-01-26</a:t>
             </a:fld>
             <a:endParaRPr lang="en-US"/>
           </a:p>
@@ -4148,7 +4849,7 @@
           <a:p>
             <a:fld id="{679D33B1-6C88-4DB6-8F59-77EBF0001DE5}" type="datetimeFigureOut">
               <a:rPr lang="en-US" smtClean="0"/>
-              <a:t>2019-01-25</a:t>
+              <a:t>2019-01-26</a:t>
             </a:fld>
             <a:endParaRPr lang="en-US"/>
           </a:p>
@@ -4535,7 +5236,7 @@
           <a:p>
             <a:fld id="{679D33B1-6C88-4DB6-8F59-77EBF0001DE5}" type="datetimeFigureOut">
               <a:rPr lang="en-US" smtClean="0"/>
-              <a:t>2019-01-25</a:t>
+              <a:t>2019-01-26</a:t>
             </a:fld>
             <a:endParaRPr lang="en-US"/>
           </a:p>
@@ -4941,7 +5642,7 @@
           <a:p>
             <a:fld id="{679D33B1-6C88-4DB6-8F59-77EBF0001DE5}" type="datetimeFigureOut">
               <a:rPr lang="en-US" smtClean="0"/>
-              <a:t>2019-01-25</a:t>
+              <a:t>2019-01-26</a:t>
             </a:fld>
             <a:endParaRPr lang="en-US"/>
           </a:p>
@@ -5154,7 +5855,7 @@
           <a:p>
             <a:fld id="{679D33B1-6C88-4DB6-8F59-77EBF0001DE5}" type="datetimeFigureOut">
               <a:rPr lang="en-US" smtClean="0"/>
-              <a:t>2019-01-25</a:t>
+              <a:t>2019-01-26</a:t>
             </a:fld>
             <a:endParaRPr lang="en-US"/>
           </a:p>
@@ -5818,11 +6519,7 @@
           <a:p>
             <a:r>
               <a:rPr lang="ru-RU" sz="1800" dirty="0"/>
-              <a:t>Просто о </a:t>
-            </a:r>
-            <a:r>
-              <a:rPr lang="ru-RU" sz="1800" dirty="0" smtClean="0"/>
-              <a:t>сложном</a:t>
+              <a:t>Просто о сложном</a:t>
             </a:r>
             <a:endParaRPr lang="en-US" sz="1800" dirty="0"/>
           </a:p>
@@ -5851,8 +6548,8 @@
           <a:lstStyle/>
           <a:p>
             <a:r>
-              <a:rPr lang="ru-RU" dirty="0" smtClean="0"/>
-              <a:t>Пять основных принципов объектно-ориентированное  программирования</a:t>
+              <a:rPr lang="ru-RU" dirty="0"/>
+              <a:t>Пять основных принципов объектно-ориентированного  программирования</a:t>
             </a:r>
             <a:endParaRPr lang="en-US" dirty="0"/>
           </a:p>
@@ -5868,9 +6565,6 @@
   <p:clrMapOvr>
     <a:masterClrMapping/>
   </p:clrMapOvr>
-  <p:transition spd="slow">
-    <p:cover/>
-  </p:transition>
   <p:timing>
     <p:tnLst>
       <p:par>
@@ -6000,10 +6694,6 @@
               <a:rPr lang="ru-RU" b="1" dirty="0"/>
               <a:t>Принцип разделения интерфейса</a:t>
             </a:r>
-            <a:r>
-              <a:rPr lang="en-US" b="1" dirty="0"/>
-              <a:t/>
-            </a:r>
             <a:br>
               <a:rPr lang="en-US" b="1" dirty="0"/>
             </a:br>
@@ -6101,13 +6791,6 @@
   <p:transition spd="slow">
     <p:cover/>
   </p:transition>
-  <p:timing>
-    <p:tnLst>
-      <p:par>
-        <p:cTn id="1" dur="indefinite" restart="never" nodeType="tmRoot"/>
-      </p:par>
-    </p:tnLst>
-  </p:timing>
 </p:sld>
 </file>
 
@@ -6155,10 +6838,6 @@
               <a:rPr lang="ru-RU" b="1" dirty="0"/>
               <a:t>Принцип инверсии зависимостей</a:t>
             </a:r>
-            <a:r>
-              <a:rPr lang="en-US" b="1" dirty="0"/>
-              <a:t/>
-            </a:r>
             <a:br>
               <a:rPr lang="en-US" b="1" dirty="0"/>
             </a:br>
@@ -6260,13 +6939,6 @@
   <p:transition spd="slow">
     <p:cover/>
   </p:transition>
-  <p:timing>
-    <p:tnLst>
-      <p:par>
-        <p:cTn id="1" dur="indefinite" restart="never" nodeType="tmRoot"/>
-      </p:par>
-    </p:tnLst>
-  </p:timing>
 </p:sld>
 </file>
 
@@ -6349,20 +7021,12 @@
           <a:p>
             <a:pPr algn="r"/>
             <a:r>
-              <a:rPr lang="ru-RU" sz="1400" dirty="0" smtClean="0">
-                <a:solidFill>
-                  <a:schemeClr val="accent1"/>
-                </a:solidFill>
-              </a:rPr>
-              <a:t>Источник</a:t>
-            </a:r>
-            <a:r>
               <a:rPr lang="ru-RU" sz="1400" dirty="0">
                 <a:solidFill>
                   <a:schemeClr val="accent1"/>
                 </a:solidFill>
               </a:rPr>
-              <a:t>: </a:t>
+              <a:t>Источник: </a:t>
             </a:r>
             <a:r>
               <a:rPr lang="en-US" sz="1400" dirty="0">
@@ -6419,7 +7083,7 @@
         <p:spPr>
           <a:xfrm>
             <a:off x="576263" y="2233613"/>
-            <a:ext cx="9836982" cy="3539430"/>
+            <a:ext cx="9836982" cy="1631216"/>
           </a:xfrm>
           <a:prstGeom prst="rect">
             <a:avLst/>
@@ -6433,110 +7097,140 @@
           <a:lstStyle/>
           <a:p>
             <a:r>
-              <a:rPr lang="en-US" sz="2800" dirty="0"/>
+              <a:rPr lang="en-US" sz="2000" dirty="0"/>
               <a:t>SOLID (</a:t>
             </a:r>
             <a:r>
-              <a:rPr lang="ru-RU" sz="2800" dirty="0"/>
-              <a:t>сокр. от англ. </a:t>
-            </a:r>
-            <a:r>
-              <a:rPr lang="en-US" sz="2800" b="1" dirty="0">
+              <a:rPr lang="ru-RU" sz="2000" dirty="0"/>
+              <a:t>сокр. от англ.</a:t>
+            </a:r>
+            <a:r>
+              <a:rPr lang="en-US" sz="2000" dirty="0"/>
+              <a:t>) </a:t>
+            </a:r>
+            <a:r>
+              <a:rPr lang="ru-RU" sz="2000" dirty="0"/>
+              <a:t>в программировании — мнемонический акроним, введённый Майклом </a:t>
+            </a:r>
+            <a:r>
+              <a:rPr lang="ru-RU" sz="2000" dirty="0" err="1"/>
+              <a:t>Фэзерсом</a:t>
+            </a:r>
+            <a:r>
+              <a:rPr lang="ru-RU" sz="2000" dirty="0"/>
+              <a:t> (</a:t>
+            </a:r>
+            <a:r>
+              <a:rPr lang="en-US" sz="2000" dirty="0"/>
+              <a:t>Michael Feathers) </a:t>
+            </a:r>
+            <a:r>
+              <a:rPr lang="ru-RU" sz="2000" dirty="0"/>
+              <a:t>для первых пяти принципов, названных Робертом Мартином в начале 2000-х, которые означали пять основных принципов объектно-ориентированного программирования и проектирования.</a:t>
+            </a:r>
+          </a:p>
+        </p:txBody>
+      </p:sp>
+      <p:sp>
+        <p:nvSpPr>
+          <p:cNvPr id="3" name="TextBox 2">
+            <a:extLst>
+              <a:ext uri="{FF2B5EF4-FFF2-40B4-BE49-F238E27FC236}">
+                <a16:creationId xmlns:a16="http://schemas.microsoft.com/office/drawing/2014/main" id="{C707CC2D-E9B1-40DA-AA50-1686EDCE842E}"/>
+              </a:ext>
+            </a:extLst>
+          </p:cNvPr>
+          <p:cNvSpPr txBox="1"/>
+          <p:nvPr/>
+        </p:nvSpPr>
+        <p:spPr>
+          <a:xfrm>
+            <a:off x="2608067" y="3864829"/>
+            <a:ext cx="6815207" cy="1938992"/>
+          </a:xfrm>
+          <a:prstGeom prst="rect">
+            <a:avLst/>
+          </a:prstGeom>
+          <a:noFill/>
+        </p:spPr>
+        <p:txBody>
+          <a:bodyPr wrap="square" rtlCol="0">
+            <a:spAutoFit/>
+          </a:bodyPr>
+          <a:lstStyle/>
+          <a:p>
+            <a:r>
+              <a:rPr lang="en-US" sz="2400" dirty="0">
                 <a:solidFill>
                   <a:srgbClr val="FFFF00"/>
                 </a:solidFill>
               </a:rPr>
-              <a:t>single responsibility</a:t>
-            </a:r>
-            <a:r>
-              <a:rPr lang="en-US" sz="2800" dirty="0"/>
-              <a:t>, </a:t>
-            </a:r>
-            <a:r>
-              <a:rPr lang="en-US" sz="2800" b="1" dirty="0">
+              <a:t>S</a:t>
+            </a:r>
+            <a:r>
+              <a:rPr lang="en-US" sz="2400" dirty="0"/>
+              <a:t>ingle Responsibility Principle </a:t>
+            </a:r>
+          </a:p>
+          <a:p>
+            <a:r>
+              <a:rPr lang="en-US" sz="2400" dirty="0">
                 <a:solidFill>
                   <a:srgbClr val="FFFF00"/>
                 </a:solidFill>
               </a:rPr>
-              <a:t>open-closed</a:t>
-            </a:r>
-            <a:r>
-              <a:rPr lang="en-US" sz="2800" dirty="0"/>
-              <a:t>, </a:t>
-            </a:r>
-            <a:r>
-              <a:rPr lang="en-US" sz="2800" b="1" dirty="0" err="1">
+              <a:t>O</a:t>
+            </a:r>
+            <a:r>
+              <a:rPr lang="en-US" sz="2400" dirty="0"/>
+              <a:t>pen/Close Principle</a:t>
+            </a:r>
+          </a:p>
+          <a:p>
+            <a:r>
+              <a:rPr lang="en-US" sz="2400" dirty="0" err="1">
                 <a:solidFill>
                   <a:srgbClr val="FFFF00"/>
                 </a:solidFill>
               </a:rPr>
-              <a:t>Liskov</a:t>
-            </a:r>
-            <a:r>
-              <a:rPr lang="en-US" sz="2800" b="1" dirty="0">
+              <a:t>L</a:t>
+            </a:r>
+            <a:r>
+              <a:rPr lang="en-US" sz="2400" dirty="0" err="1"/>
+              <a:t>iskov</a:t>
+            </a:r>
+            <a:r>
+              <a:rPr lang="en-US" sz="2400" dirty="0"/>
+              <a:t> Substitution Principle</a:t>
+            </a:r>
+          </a:p>
+          <a:p>
+            <a:r>
+              <a:rPr lang="en-US" sz="2400" dirty="0">
                 <a:solidFill>
                   <a:srgbClr val="FFFF00"/>
                 </a:solidFill>
               </a:rPr>
-              <a:t> substitution</a:t>
-            </a:r>
-            <a:r>
-              <a:rPr lang="en-US" sz="2800" dirty="0"/>
-              <a:t>, </a:t>
-            </a:r>
-            <a:r>
-              <a:rPr lang="en-US" sz="2800" b="1" dirty="0">
+              <a:t>I</a:t>
+            </a:r>
+            <a:r>
+              <a:rPr lang="en-US" sz="2400" dirty="0"/>
+              <a:t>nterface Segregation Principle</a:t>
+            </a:r>
+          </a:p>
+          <a:p>
+            <a:r>
+              <a:rPr lang="en-US" sz="2400" dirty="0">
                 <a:solidFill>
                   <a:srgbClr val="FFFF00"/>
                 </a:solidFill>
               </a:rPr>
-              <a:t>interface segregation</a:t>
-            </a:r>
-            <a:r>
-              <a:rPr lang="en-US" sz="2800" dirty="0"/>
-              <a:t> </a:t>
-            </a:r>
-            <a:r>
-              <a:rPr lang="ru-RU" sz="2800" dirty="0"/>
-              <a:t>и </a:t>
-            </a:r>
-            <a:r>
-              <a:rPr lang="en-US" sz="2800" b="1" dirty="0">
-                <a:solidFill>
-                  <a:srgbClr val="FFFF00"/>
-                </a:solidFill>
-              </a:rPr>
-              <a:t>dependency inversion</a:t>
-            </a:r>
-            <a:r>
-              <a:rPr lang="en-US" sz="2800" dirty="0"/>
-              <a:t>) </a:t>
-            </a:r>
-            <a:r>
-              <a:rPr lang="ru-RU" sz="2800" dirty="0"/>
-              <a:t>в программировании — мнемонический акроним, введённый Майклом </a:t>
-            </a:r>
-            <a:r>
-              <a:rPr lang="ru-RU" sz="2800" dirty="0" err="1"/>
-              <a:t>Фэзерсом</a:t>
-            </a:r>
-            <a:r>
-              <a:rPr lang="ru-RU" sz="2800" dirty="0"/>
-              <a:t> (</a:t>
-            </a:r>
-            <a:r>
-              <a:rPr lang="en-US" sz="2800" dirty="0"/>
-              <a:t>Michael Feathers) </a:t>
-            </a:r>
-            <a:r>
-              <a:rPr lang="ru-RU" sz="2800" dirty="0"/>
-              <a:t>для первых пяти принципов, названных Робертом Мартином в начале 2000-х, которые означали пять основных принципов объектно-ориентированного программирования и проектирования</a:t>
-            </a:r>
-            <a:r>
-              <a:rPr lang="ru-RU" sz="2800" dirty="0" smtClean="0"/>
-              <a:t>.</a:t>
-            </a:r>
-            <a:endParaRPr lang="ru-RU" sz="2800" dirty="0" smtClean="0"/>
+              <a:t>D</a:t>
+            </a:r>
+            <a:r>
+              <a:rPr lang="en-US" sz="2400" dirty="0"/>
+              <a:t>ependence Inversion Principle</a:t>
+            </a:r>
           </a:p>
         </p:txBody>
       </p:sp>
@@ -6553,13 +7247,6 @@
   <p:transition spd="slow">
     <p:cover/>
   </p:transition>
-  <p:timing>
-    <p:tnLst>
-      <p:par>
-        <p:cTn id="1" dur="indefinite" restart="never" nodeType="tmRoot"/>
-      </p:par>
-    </p:tnLst>
-  </p:timing>
 </p:sld>
 </file>
 
@@ -6642,20 +7329,12 @@
           <a:p>
             <a:pPr algn="r"/>
             <a:r>
-              <a:rPr lang="ru-RU" sz="1600" dirty="0" smtClean="0">
-                <a:solidFill>
-                  <a:schemeClr val="accent1"/>
-                </a:solidFill>
-              </a:rPr>
-              <a:t>Источник</a:t>
-            </a:r>
-            <a:r>
               <a:rPr lang="ru-RU" sz="1600" dirty="0">
                 <a:solidFill>
                   <a:schemeClr val="accent1"/>
                 </a:solidFill>
               </a:rPr>
-              <a:t>: </a:t>
+              <a:t>Источник: </a:t>
             </a:r>
             <a:r>
               <a:rPr lang="en-US" sz="1600" dirty="0">
@@ -6743,13 +7422,8 @@
           <a:p>
             <a:r>
               <a:rPr lang="ru-RU" dirty="0"/>
-              <a:t>Использование в совокупности данных принципов позволяет повысить вероятность того, что программист создаст систему, которую будет легко поддерживать и расширять в течение долгого времени</a:t>
-            </a:r>
-            <a:r>
-              <a:rPr lang="ru-RU" dirty="0" smtClean="0"/>
-              <a:t>.</a:t>
-            </a:r>
-            <a:endParaRPr lang="ru-RU" dirty="0"/>
+              <a:t>Использование в совокупности данных принципов позволяет повысить вероятность того, что программист создаст систему, которую будет легко поддерживать и расширять в течение долгого времени.</a:t>
+            </a:r>
           </a:p>
         </p:txBody>
       </p:sp>
@@ -6777,27 +7451,7 @@
           <a:p>
             <a:r>
               <a:rPr lang="ru-RU" dirty="0"/>
-              <a:t>С другой стороны надо понимать, что </a:t>
-            </a:r>
-            <a:r>
-              <a:rPr lang="ru-RU" dirty="0" smtClean="0"/>
-              <a:t>использование </a:t>
-            </a:r>
-            <a:r>
-              <a:rPr lang="ru-RU" dirty="0"/>
-              <a:t>принципов существенно усложняет процесс </a:t>
-            </a:r>
-            <a:r>
-              <a:rPr lang="ru-RU" dirty="0" smtClean="0"/>
-              <a:t>разработки, хотя и дает неоспоримые плюсы. Другими </a:t>
-            </a:r>
-            <a:r>
-              <a:rPr lang="ru-RU" dirty="0"/>
-              <a:t>словами – кода писать придется в разы больше</a:t>
-            </a:r>
-            <a:r>
-              <a:rPr lang="ru-RU" dirty="0" smtClean="0"/>
-              <a:t>.</a:t>
+              <a:t>С другой стороны надо понимать, что использование принципов существенно усложняет процесс разработки, хотя и дает неоспоримые плюсы. Другими словами – кода писать придется в разы больше.</a:t>
             </a:r>
             <a:endParaRPr lang="en-US" dirty="0"/>
           </a:p>
@@ -6816,13 +7470,6 @@
   <p:transition spd="slow">
     <p:cover/>
   </p:transition>
-  <p:timing>
-    <p:tnLst>
-      <p:par>
-        <p:cTn id="1" dur="indefinite" restart="never" nodeType="tmRoot"/>
-      </p:par>
-    </p:tnLst>
-  </p:timing>
 </p:sld>
 </file>
 
@@ -6904,7 +7551,7 @@
           <a:lstStyle/>
           <a:p>
             <a:r>
-              <a:rPr lang="en-US" sz="2800" dirty="0" smtClean="0">
+              <a:rPr lang="en-US" sz="2800" dirty="0">
                 <a:solidFill>
                   <a:srgbClr val="FFFF00"/>
                 </a:solidFill>
@@ -6912,18 +7559,13 @@
               <a:t>Unit-</a:t>
             </a:r>
             <a:r>
-              <a:rPr lang="ru-RU" sz="2800" dirty="0" smtClean="0">
+              <a:rPr lang="ru-RU" sz="2800" dirty="0">
                 <a:solidFill>
                   <a:srgbClr val="FFFF00"/>
                 </a:solidFill>
               </a:rPr>
               <a:t>тестирование</a:t>
             </a:r>
-            <a:endParaRPr lang="ru-RU" sz="2800" dirty="0">
-              <a:solidFill>
-                <a:srgbClr val="FFFF00"/>
-              </a:solidFill>
-            </a:endParaRPr>
           </a:p>
         </p:txBody>
       </p:sp>
@@ -7078,7 +7720,7 @@
             <a:lstStyle/>
             <a:p>
               <a:r>
-                <a:rPr lang="ru-RU" sz="1100" dirty="0" smtClean="0">
+                <a:rPr lang="ru-RU" sz="1100" dirty="0">
                   <a:solidFill>
                     <a:srgbClr val="0070C0"/>
                   </a:solidFill>
@@ -7116,7 +7758,7 @@
             <a:lstStyle/>
             <a:p>
               <a:r>
-                <a:rPr lang="ru-RU" sz="1100" dirty="0" smtClean="0">
+                <a:rPr lang="ru-RU" sz="1100" dirty="0">
                   <a:solidFill>
                     <a:srgbClr val="0070C0"/>
                   </a:solidFill>
@@ -7276,23 +7918,23 @@
           <a:lstStyle/>
           <a:p>
             <a:r>
-              <a:rPr lang="ru-RU" sz="1600" dirty="0" smtClean="0"/>
+              <a:rPr lang="ru-RU" sz="1600" dirty="0"/>
               <a:t>Использование </a:t>
             </a:r>
             <a:r>
-              <a:rPr lang="en-US" sz="1600" dirty="0" smtClean="0"/>
+              <a:rPr lang="en-US" sz="1600" dirty="0"/>
               <a:t>SOLID </a:t>
             </a:r>
             <a:r>
-              <a:rPr lang="ru-RU" sz="1600" dirty="0" smtClean="0"/>
+              <a:rPr lang="ru-RU" sz="1600" dirty="0"/>
               <a:t>позволяет написание </a:t>
             </a:r>
             <a:r>
-              <a:rPr lang="en-US" sz="1600" dirty="0" smtClean="0"/>
+              <a:rPr lang="en-US" sz="1600" dirty="0"/>
               <a:t>unit-</a:t>
             </a:r>
             <a:r>
-              <a:rPr lang="ru-RU" sz="1600" dirty="0" smtClean="0"/>
+              <a:rPr lang="ru-RU" sz="1600" dirty="0"/>
               <a:t>тестов. Без использования данного подхода существенно сокращает возможность покрытия кода тестами.</a:t>
             </a:r>
           </a:p>
@@ -7301,7 +7943,7 @@
           </a:p>
           <a:p>
             <a:r>
-              <a:rPr lang="ru-RU" sz="1600" dirty="0" smtClean="0">
+              <a:rPr lang="ru-RU" sz="1600" dirty="0">
                 <a:solidFill>
                   <a:srgbClr val="FFFF00"/>
                 </a:solidFill>
@@ -7309,7 +7951,7 @@
               <a:t>Код, написанный без использования шаблонов проектирования очень сложно, а порой и совсем невозможно, покрыть </a:t>
             </a:r>
             <a:r>
-              <a:rPr lang="en-US" sz="1600" dirty="0" smtClean="0">
+              <a:rPr lang="en-US" sz="1600" dirty="0">
                 <a:solidFill>
                   <a:srgbClr val="FFFF00"/>
                 </a:solidFill>
@@ -7317,7 +7959,7 @@
               <a:t>unit-</a:t>
             </a:r>
             <a:r>
-              <a:rPr lang="ru-RU" sz="1600" dirty="0" smtClean="0">
+              <a:rPr lang="ru-RU" sz="1600" dirty="0">
                 <a:solidFill>
                   <a:srgbClr val="FFFF00"/>
                 </a:solidFill>
@@ -7345,13 +7987,6 @@
   <p:transition spd="slow">
     <p:cover/>
   </p:transition>
-  <p:timing>
-    <p:tnLst>
-      <p:par>
-        <p:cTn id="1" dur="indefinite" restart="never" nodeType="tmRoot"/>
-      </p:par>
-    </p:tnLst>
-  </p:timing>
 </p:sld>
 </file>
 
@@ -7399,10 +8034,6 @@
               <a:rPr lang="ru-RU" b="1" dirty="0"/>
               <a:t>Принцип единственной ответственности</a:t>
             </a:r>
-            <a:r>
-              <a:rPr lang="en-US" b="1" dirty="0"/>
-              <a:t/>
-            </a:r>
             <a:br>
               <a:rPr lang="en-US" b="1" dirty="0"/>
             </a:br>
@@ -7508,13 +8139,6 @@
   <p:transition spd="slow">
     <p:cover/>
   </p:transition>
-  <p:timing>
-    <p:tnLst>
-      <p:par>
-        <p:cTn id="1" dur="indefinite" restart="never" nodeType="tmRoot"/>
-      </p:par>
-    </p:tnLst>
-  </p:timing>
 </p:sld>
 </file>
 
@@ -7562,10 +8186,6 @@
               <a:rPr lang="ru-RU" b="1" dirty="0"/>
               <a:t>Принцип единственной ответственности</a:t>
             </a:r>
-            <a:r>
-              <a:rPr lang="en-US" b="1" dirty="0"/>
-              <a:t/>
-            </a:r>
             <a:br>
               <a:rPr lang="en-US" b="1" dirty="0"/>
             </a:br>
@@ -7607,18 +8227,13 @@
           <a:p>
             <a:pPr algn="ctr"/>
             <a:r>
-              <a:rPr lang="ru-RU" sz="4800" dirty="0" smtClean="0">
+              <a:rPr lang="ru-RU" sz="4800" dirty="0">
                 <a:solidFill>
                   <a:srgbClr val="FFFF00"/>
                 </a:solidFill>
               </a:rPr>
               <a:t>Демонстрация</a:t>
             </a:r>
-            <a:endParaRPr lang="ru-RU" sz="4800" dirty="0">
-              <a:solidFill>
-                <a:srgbClr val="FFFF00"/>
-              </a:solidFill>
-            </a:endParaRPr>
           </a:p>
         </p:txBody>
       </p:sp>
@@ -7635,13 +8250,6 @@
   <p:transition spd="slow">
     <p:cover/>
   </p:transition>
-  <p:timing>
-    <p:tnLst>
-      <p:par>
-        <p:cTn id="1" dur="indefinite" restart="never" nodeType="tmRoot"/>
-      </p:par>
-    </p:tnLst>
-  </p:timing>
 </p:sld>
 </file>
 
@@ -7689,10 +8297,6 @@
               <a:rPr lang="ru-RU" b="1" dirty="0"/>
               <a:t>Принцип единственной ответственности</a:t>
             </a:r>
-            <a:r>
-              <a:rPr lang="en-US" b="1" dirty="0"/>
-              <a:t/>
-            </a:r>
             <a:br>
               <a:rPr lang="en-US" b="1" dirty="0"/>
             </a:br>
@@ -7791,13 +8395,6 @@
   <p:transition spd="slow">
     <p:cover/>
   </p:transition>
-  <p:timing>
-    <p:tnLst>
-      <p:par>
-        <p:cTn id="1" dur="indefinite" restart="never" nodeType="tmRoot"/>
-      </p:par>
-    </p:tnLst>
-  </p:timing>
 </p:sld>
 </file>
 
@@ -7844,10 +8441,6 @@
             <a:r>
               <a:rPr lang="ru-RU" b="1" dirty="0"/>
               <a:t>Принцип открытости/закрытости</a:t>
-            </a:r>
-            <a:r>
-              <a:rPr lang="en-US" b="1" dirty="0"/>
-              <a:t/>
             </a:r>
             <a:br>
               <a:rPr lang="en-US" b="1" dirty="0"/>
@@ -8000,10 +8593,6 @@
             <a:r>
               <a:rPr lang="ru-RU" b="1" dirty="0"/>
               <a:t>Принцип подстановки Барбары Лисков</a:t>
-            </a:r>
-            <a:r>
-              <a:rPr lang="en-US" b="1" dirty="0"/>
-              <a:t/>
             </a:r>
             <a:br>
               <a:rPr lang="en-US" b="1" dirty="0"/>
@@ -8384,6 +8973,301 @@
         <a:srgbClr val="E7E6E6"/>
       </a:lt2>
       <a:accent1>
+        <a:srgbClr val="4472C4"/>
+      </a:accent1>
+      <a:accent2>
+        <a:srgbClr val="ED7D31"/>
+      </a:accent2>
+      <a:accent3>
+        <a:srgbClr val="A5A5A5"/>
+      </a:accent3>
+      <a:accent4>
+        <a:srgbClr val="FFC000"/>
+      </a:accent4>
+      <a:accent5>
+        <a:srgbClr val="5B9BD5"/>
+      </a:accent5>
+      <a:accent6>
+        <a:srgbClr val="70AD47"/>
+      </a:accent6>
+      <a:hlink>
+        <a:srgbClr val="0563C1"/>
+      </a:hlink>
+      <a:folHlink>
+        <a:srgbClr val="954F72"/>
+      </a:folHlink>
+    </a:clrScheme>
+    <a:fontScheme name="Стандартная">
+      <a:majorFont>
+        <a:latin typeface="Calibri Light" panose="020F0302020204030204"/>
+        <a:ea typeface=""/>
+        <a:cs typeface=""/>
+        <a:font script="Jpan" typeface="游ゴシック Light"/>
+        <a:font script="Hang" typeface="맑은 고딕"/>
+        <a:font script="Hans" typeface="等线 Light"/>
+        <a:font script="Hant" typeface="新細明體"/>
+        <a:font script="Arab" typeface="Times New Roman"/>
+        <a:font script="Hebr" typeface="Times New Roman"/>
+        <a:font script="Thai" typeface="Angsana New"/>
+        <a:font script="Ethi" typeface="Nyala"/>
+        <a:font script="Beng" typeface="Vrinda"/>
+        <a:font script="Gujr" typeface="Shruti"/>
+        <a:font script="Khmr" typeface="MoolBoran"/>
+        <a:font script="Knda" typeface="Tunga"/>
+        <a:font script="Guru" typeface="Raavi"/>
+        <a:font script="Cans" typeface="Euphemia"/>
+        <a:font script="Cher" typeface="Plantagenet Cherokee"/>
+        <a:font script="Yiii" typeface="Microsoft Yi Baiti"/>
+        <a:font script="Tibt" typeface="Microsoft Himalaya"/>
+        <a:font script="Thaa" typeface="MV Boli"/>
+        <a:font script="Deva" typeface="Mangal"/>
+        <a:font script="Telu" typeface="Gautami"/>
+        <a:font script="Taml" typeface="Latha"/>
+        <a:font script="Syrc" typeface="Estrangelo Edessa"/>
+        <a:font script="Orya" typeface="Kalinga"/>
+        <a:font script="Mlym" typeface="Kartika"/>
+        <a:font script="Laoo" typeface="DokChampa"/>
+        <a:font script="Sinh" typeface="Iskoola Pota"/>
+        <a:font script="Mong" typeface="Mongolian Baiti"/>
+        <a:font script="Viet" typeface="Times New Roman"/>
+        <a:font script="Uigh" typeface="Microsoft Uighur"/>
+        <a:font script="Geor" typeface="Sylfaen"/>
+        <a:font script="Armn" typeface="Arial"/>
+        <a:font script="Bugi" typeface="Leelawadee UI"/>
+        <a:font script="Bopo" typeface="Microsoft JhengHei"/>
+        <a:font script="Java" typeface="Javanese Text"/>
+        <a:font script="Lisu" typeface="Segoe UI"/>
+        <a:font script="Mymr" typeface="Myanmar Text"/>
+        <a:font script="Nkoo" typeface="Ebrima"/>
+        <a:font script="Olck" typeface="Nirmala UI"/>
+        <a:font script="Osma" typeface="Ebrima"/>
+        <a:font script="Phag" typeface="Phagspa"/>
+        <a:font script="Syrn" typeface="Estrangelo Edessa"/>
+        <a:font script="Syrj" typeface="Estrangelo Edessa"/>
+        <a:font script="Syre" typeface="Estrangelo Edessa"/>
+        <a:font script="Sora" typeface="Nirmala UI"/>
+        <a:font script="Tale" typeface="Microsoft Tai Le"/>
+        <a:font script="Talu" typeface="Microsoft New Tai Lue"/>
+        <a:font script="Tfng" typeface="Ebrima"/>
+      </a:majorFont>
+      <a:minorFont>
+        <a:latin typeface="Calibri" panose="020F0502020204030204"/>
+        <a:ea typeface=""/>
+        <a:cs typeface=""/>
+        <a:font script="Jpan" typeface="游ゴシック"/>
+        <a:font script="Hang" typeface="맑은 고딕"/>
+        <a:font script="Hans" typeface="等线"/>
+        <a:font script="Hant" typeface="新細明體"/>
+        <a:font script="Arab" typeface="Arial"/>
+        <a:font script="Hebr" typeface="Arial"/>
+        <a:font script="Thai" typeface="Cordia New"/>
+        <a:font script="Ethi" typeface="Nyala"/>
+        <a:font script="Beng" typeface="Vrinda"/>
+        <a:font script="Gujr" typeface="Shruti"/>
+        <a:font script="Khmr" typeface="DaunPenh"/>
+        <a:font script="Knda" typeface="Tunga"/>
+        <a:font script="Guru" typeface="Raavi"/>
+        <a:font script="Cans" typeface="Euphemia"/>
+        <a:font script="Cher" typeface="Plantagenet Cherokee"/>
+        <a:font script="Yiii" typeface="Microsoft Yi Baiti"/>
+        <a:font script="Tibt" typeface="Microsoft Himalaya"/>
+        <a:font script="Thaa" typeface="MV Boli"/>
+        <a:font script="Deva" typeface="Mangal"/>
+        <a:font script="Telu" typeface="Gautami"/>
+        <a:font script="Taml" typeface="Latha"/>
+        <a:font script="Syrc" typeface="Estrangelo Edessa"/>
+        <a:font script="Orya" typeface="Kalinga"/>
+        <a:font script="Mlym" typeface="Kartika"/>
+        <a:font script="Laoo" typeface="DokChampa"/>
+        <a:font script="Sinh" typeface="Iskoola Pota"/>
+        <a:font script="Mong" typeface="Mongolian Baiti"/>
+        <a:font script="Viet" typeface="Arial"/>
+        <a:font script="Uigh" typeface="Microsoft Uighur"/>
+        <a:font script="Geor" typeface="Sylfaen"/>
+        <a:font script="Armn" typeface="Arial"/>
+        <a:font script="Bugi" typeface="Leelawadee UI"/>
+        <a:font script="Bopo" typeface="Microsoft JhengHei"/>
+        <a:font script="Java" typeface="Javanese Text"/>
+        <a:font script="Lisu" typeface="Segoe UI"/>
+        <a:font script="Mymr" typeface="Myanmar Text"/>
+        <a:font script="Nkoo" typeface="Ebrima"/>
+        <a:font script="Olck" typeface="Nirmala UI"/>
+        <a:font script="Osma" typeface="Ebrima"/>
+        <a:font script="Phag" typeface="Phagspa"/>
+        <a:font script="Syrn" typeface="Estrangelo Edessa"/>
+        <a:font script="Syrj" typeface="Estrangelo Edessa"/>
+        <a:font script="Syre" typeface="Estrangelo Edessa"/>
+        <a:font script="Sora" typeface="Nirmala UI"/>
+        <a:font script="Tale" typeface="Microsoft Tai Le"/>
+        <a:font script="Talu" typeface="Microsoft New Tai Lue"/>
+        <a:font script="Tfng" typeface="Ebrima"/>
+      </a:minorFont>
+    </a:fontScheme>
+    <a:fmtScheme name="Стандартная">
+      <a:fillStyleLst>
+        <a:solidFill>
+          <a:schemeClr val="phClr"/>
+        </a:solidFill>
+        <a:gradFill rotWithShape="1">
+          <a:gsLst>
+            <a:gs pos="0">
+              <a:schemeClr val="phClr">
+                <a:lumMod val="110000"/>
+                <a:satMod val="105000"/>
+                <a:tint val="67000"/>
+              </a:schemeClr>
+            </a:gs>
+            <a:gs pos="50000">
+              <a:schemeClr val="phClr">
+                <a:lumMod val="105000"/>
+                <a:satMod val="103000"/>
+                <a:tint val="73000"/>
+              </a:schemeClr>
+            </a:gs>
+            <a:gs pos="100000">
+              <a:schemeClr val="phClr">
+                <a:lumMod val="105000"/>
+                <a:satMod val="109000"/>
+                <a:tint val="81000"/>
+              </a:schemeClr>
+            </a:gs>
+          </a:gsLst>
+          <a:lin ang="5400000" scaled="0"/>
+        </a:gradFill>
+        <a:gradFill rotWithShape="1">
+          <a:gsLst>
+            <a:gs pos="0">
+              <a:schemeClr val="phClr">
+                <a:satMod val="103000"/>
+                <a:lumMod val="102000"/>
+                <a:tint val="94000"/>
+              </a:schemeClr>
+            </a:gs>
+            <a:gs pos="50000">
+              <a:schemeClr val="phClr">
+                <a:satMod val="110000"/>
+                <a:lumMod val="100000"/>
+                <a:shade val="100000"/>
+              </a:schemeClr>
+            </a:gs>
+            <a:gs pos="100000">
+              <a:schemeClr val="phClr">
+                <a:lumMod val="99000"/>
+                <a:satMod val="120000"/>
+                <a:shade val="78000"/>
+              </a:schemeClr>
+            </a:gs>
+          </a:gsLst>
+          <a:lin ang="5400000" scaled="0"/>
+        </a:gradFill>
+      </a:fillStyleLst>
+      <a:lnStyleLst>
+        <a:ln w="6350" cap="flat" cmpd="sng" algn="ctr">
+          <a:solidFill>
+            <a:schemeClr val="phClr"/>
+          </a:solidFill>
+          <a:prstDash val="solid"/>
+          <a:miter lim="800000"/>
+        </a:ln>
+        <a:ln w="12700" cap="flat" cmpd="sng" algn="ctr">
+          <a:solidFill>
+            <a:schemeClr val="phClr"/>
+          </a:solidFill>
+          <a:prstDash val="solid"/>
+          <a:miter lim="800000"/>
+        </a:ln>
+        <a:ln w="19050" cap="flat" cmpd="sng" algn="ctr">
+          <a:solidFill>
+            <a:schemeClr val="phClr"/>
+          </a:solidFill>
+          <a:prstDash val="solid"/>
+          <a:miter lim="800000"/>
+        </a:ln>
+      </a:lnStyleLst>
+      <a:effectStyleLst>
+        <a:effectStyle>
+          <a:effectLst/>
+        </a:effectStyle>
+        <a:effectStyle>
+          <a:effectLst/>
+        </a:effectStyle>
+        <a:effectStyle>
+          <a:effectLst>
+            <a:outerShdw blurRad="57150" dist="19050" dir="5400000" algn="ctr" rotWithShape="0">
+              <a:srgbClr val="000000">
+                <a:alpha val="63000"/>
+              </a:srgbClr>
+            </a:outerShdw>
+          </a:effectLst>
+        </a:effectStyle>
+      </a:effectStyleLst>
+      <a:bgFillStyleLst>
+        <a:solidFill>
+          <a:schemeClr val="phClr"/>
+        </a:solidFill>
+        <a:solidFill>
+          <a:schemeClr val="phClr">
+            <a:tint val="95000"/>
+            <a:satMod val="170000"/>
+          </a:schemeClr>
+        </a:solidFill>
+        <a:gradFill rotWithShape="1">
+          <a:gsLst>
+            <a:gs pos="0">
+              <a:schemeClr val="phClr">
+                <a:tint val="93000"/>
+                <a:satMod val="150000"/>
+                <a:shade val="98000"/>
+                <a:lumMod val="102000"/>
+              </a:schemeClr>
+            </a:gs>
+            <a:gs pos="50000">
+              <a:schemeClr val="phClr">
+                <a:tint val="98000"/>
+                <a:satMod val="130000"/>
+                <a:shade val="90000"/>
+                <a:lumMod val="103000"/>
+              </a:schemeClr>
+            </a:gs>
+            <a:gs pos="100000">
+              <a:schemeClr val="phClr">
+                <a:shade val="63000"/>
+                <a:satMod val="120000"/>
+              </a:schemeClr>
+            </a:gs>
+          </a:gsLst>
+          <a:lin ang="5400000" scaled="0"/>
+        </a:gradFill>
+      </a:bgFillStyleLst>
+    </a:fmtScheme>
+  </a:themeElements>
+  <a:objectDefaults/>
+  <a:extraClrSchemeLst/>
+  <a:extLst>
+    <a:ext uri="{05A4C25C-085E-4340-85A3-A5531E510DB2}">
+      <thm15:themeFamily xmlns:thm15="http://schemas.microsoft.com/office/thememl/2012/main" name="Office Theme" id="{62F939B6-93AF-4DB8-9C6B-D6C7DFDC589F}" vid="{4A3C46E8-61CC-4603-A589-7422A47A8E4A}"/>
+    </a:ext>
+  </a:extLst>
+</a:theme>
+</file>
+
+<file path=ppt/theme/theme3.xml><?xml version="1.0" encoding="utf-8"?>
+<a:theme xmlns:a="http://schemas.openxmlformats.org/drawingml/2006/main" name="Тема Office">
+  <a:themeElements>
+    <a:clrScheme name="Стандартная">
+      <a:dk1>
+        <a:sysClr val="windowText" lastClr="000000"/>
+      </a:dk1>
+      <a:lt1>
+        <a:sysClr val="window" lastClr="FFFFFF"/>
+      </a:lt1>
+      <a:dk2>
+        <a:srgbClr val="44546A"/>
+      </a:dk2>
+      <a:lt2>
+        <a:srgbClr val="E7E6E6"/>
+      </a:lt2>
+      <a:accent1>
         <a:srgbClr val="5B9BD5"/>
       </a:accent1>
       <a:accent2>

--- a/Powerpoint/SOLID_S.pptx
+++ b/Powerpoint/SOLID_S.pptx
@@ -236,7 +236,7 @@
           <a:p>
             <a:fld id="{CDDF240B-3CA8-4045-B7C9-8B67F6FA2B5E}" type="datetimeFigureOut">
               <a:rPr lang="en-US" smtClean="0"/>
-              <a:t>2019-01-26</a:t>
+              <a:t>2019-02-01</a:t>
             </a:fld>
             <a:endParaRPr lang="en-US"/>
           </a:p>
@@ -401,7 +401,7 @@
           <a:p>
             <a:fld id="{8DB41A92-FFF7-46B1-92E3-CDB13879911B}" type="datetimeFigureOut">
               <a:rPr lang="en-US" smtClean="0"/>
-              <a:t>2019-01-26</a:t>
+              <a:t>2019-02-01</a:t>
             </a:fld>
             <a:endParaRPr lang="en-US"/>
           </a:p>
@@ -1954,7 +1954,7 @@
           <a:p>
             <a:fld id="{679D33B1-6C88-4DB6-8F59-77EBF0001DE5}" type="datetimeFigureOut">
               <a:rPr lang="en-US" smtClean="0"/>
-              <a:t>2019-01-26</a:t>
+              <a:t>2019-02-01</a:t>
             </a:fld>
             <a:endParaRPr lang="en-US"/>
           </a:p>
@@ -2864,7 +2864,7 @@
           <a:p>
             <a:fld id="{679D33B1-6C88-4DB6-8F59-77EBF0001DE5}" type="datetimeFigureOut">
               <a:rPr lang="en-US" smtClean="0"/>
-              <a:t>2019-01-26</a:t>
+              <a:t>2019-02-01</a:t>
             </a:fld>
             <a:endParaRPr lang="en-US"/>
           </a:p>
@@ -3170,7 +3170,7 @@
           <a:p>
             <a:fld id="{679D33B1-6C88-4DB6-8F59-77EBF0001DE5}" type="datetimeFigureOut">
               <a:rPr lang="en-US" smtClean="0"/>
-              <a:t>2019-01-26</a:t>
+              <a:t>2019-02-01</a:t>
             </a:fld>
             <a:endParaRPr lang="en-US"/>
           </a:p>
@@ -3556,7 +3556,7 @@
           <a:p>
             <a:fld id="{679D33B1-6C88-4DB6-8F59-77EBF0001DE5}" type="datetimeFigureOut">
               <a:rPr lang="en-US" smtClean="0"/>
-              <a:t>2019-01-26</a:t>
+              <a:t>2019-02-01</a:t>
             </a:fld>
             <a:endParaRPr lang="en-US"/>
           </a:p>
@@ -3929,7 +3929,7 @@
           <a:p>
             <a:fld id="{679D33B1-6C88-4DB6-8F59-77EBF0001DE5}" type="datetimeFigureOut">
               <a:rPr lang="en-US" smtClean="0"/>
-              <a:t>2019-01-26</a:t>
+              <a:t>2019-02-01</a:t>
             </a:fld>
             <a:endParaRPr lang="en-US"/>
           </a:p>
@@ -4432,7 +4432,7 @@
           <a:p>
             <a:fld id="{679D33B1-6C88-4DB6-8F59-77EBF0001DE5}" type="datetimeFigureOut">
               <a:rPr lang="en-US" smtClean="0"/>
-              <a:t>2019-01-26</a:t>
+              <a:t>2019-02-01</a:t>
             </a:fld>
             <a:endParaRPr lang="en-US"/>
           </a:p>
@@ -4686,7 +4686,7 @@
           <a:p>
             <a:fld id="{679D33B1-6C88-4DB6-8F59-77EBF0001DE5}" type="datetimeFigureOut">
               <a:rPr lang="en-US" smtClean="0"/>
-              <a:t>2019-01-26</a:t>
+              <a:t>2019-02-01</a:t>
             </a:fld>
             <a:endParaRPr lang="en-US"/>
           </a:p>
@@ -4849,7 +4849,7 @@
           <a:p>
             <a:fld id="{679D33B1-6C88-4DB6-8F59-77EBF0001DE5}" type="datetimeFigureOut">
               <a:rPr lang="en-US" smtClean="0"/>
-              <a:t>2019-01-26</a:t>
+              <a:t>2019-02-01</a:t>
             </a:fld>
             <a:endParaRPr lang="en-US"/>
           </a:p>
@@ -5236,7 +5236,7 @@
           <a:p>
             <a:fld id="{679D33B1-6C88-4DB6-8F59-77EBF0001DE5}" type="datetimeFigureOut">
               <a:rPr lang="en-US" smtClean="0"/>
-              <a:t>2019-01-26</a:t>
+              <a:t>2019-02-01</a:t>
             </a:fld>
             <a:endParaRPr lang="en-US"/>
           </a:p>
@@ -5642,7 +5642,7 @@
           <a:p>
             <a:fld id="{679D33B1-6C88-4DB6-8F59-77EBF0001DE5}" type="datetimeFigureOut">
               <a:rPr lang="en-US" smtClean="0"/>
-              <a:t>2019-01-26</a:t>
+              <a:t>2019-02-01</a:t>
             </a:fld>
             <a:endParaRPr lang="en-US"/>
           </a:p>
@@ -5855,7 +5855,7 @@
           <a:p>
             <a:fld id="{679D33B1-6C88-4DB6-8F59-77EBF0001DE5}" type="datetimeFigureOut">
               <a:rPr lang="en-US" smtClean="0"/>
-              <a:t>2019-01-26</a:t>
+              <a:t>2019-02-01</a:t>
             </a:fld>
             <a:endParaRPr lang="en-US"/>
           </a:p>

--- a/Powerpoint/SOLID_S.pptx
+++ b/Powerpoint/SOLID_S.pptx
@@ -5,10 +5,10 @@
     <p:sldMasterId id="2147483762" r:id="rId1"/>
   </p:sldMasterIdLst>
   <p:notesMasterIdLst>
-    <p:notesMasterId r:id="rId13"/>
+    <p:notesMasterId r:id="rId17"/>
   </p:notesMasterIdLst>
   <p:handoutMasterIdLst>
-    <p:handoutMasterId r:id="rId14"/>
+    <p:handoutMasterId r:id="rId18"/>
   </p:handoutMasterIdLst>
   <p:sldIdLst>
     <p:sldId id="256" r:id="rId2"/>
@@ -18,10 +18,14 @@
     <p:sldId id="257" r:id="rId6"/>
     <p:sldId id="263" r:id="rId7"/>
     <p:sldId id="264" r:id="rId8"/>
-    <p:sldId id="258" r:id="rId9"/>
-    <p:sldId id="259" r:id="rId10"/>
-    <p:sldId id="260" r:id="rId11"/>
-    <p:sldId id="261" r:id="rId12"/>
+    <p:sldId id="269" r:id="rId9"/>
+    <p:sldId id="258" r:id="rId10"/>
+    <p:sldId id="270" r:id="rId11"/>
+    <p:sldId id="267" r:id="rId12"/>
+    <p:sldId id="268" r:id="rId13"/>
+    <p:sldId id="259" r:id="rId14"/>
+    <p:sldId id="260" r:id="rId15"/>
+    <p:sldId id="261" r:id="rId16"/>
   </p:sldIdLst>
   <p:sldSz cx="12192000" cy="6858000"/>
   <p:notesSz cx="6858000" cy="9144000"/>
@@ -236,7 +240,7 @@
           <a:p>
             <a:fld id="{CDDF240B-3CA8-4045-B7C9-8B67F6FA2B5E}" type="datetimeFigureOut">
               <a:rPr lang="en-US" smtClean="0"/>
-              <a:t>2019-02-01</a:t>
+              <a:t>2019-02-17</a:t>
             </a:fld>
             <a:endParaRPr lang="en-US"/>
           </a:p>
@@ -401,7 +405,7 @@
           <a:p>
             <a:fld id="{8DB41A92-FFF7-46B1-92E3-CDB13879911B}" type="datetimeFigureOut">
               <a:rPr lang="en-US" smtClean="0"/>
-              <a:t>2019-02-01</a:t>
+              <a:t>2019-02-17</a:t>
             </a:fld>
             <a:endParaRPr lang="en-US"/>
           </a:p>
@@ -1005,6 +1009,90 @@
 </p:notes>
 </file>
 
+<file path=ppt/notesSlides/notesSlide5.xml><?xml version="1.0" encoding="utf-8"?>
+<p:notes xmlns:a="http://schemas.openxmlformats.org/drawingml/2006/main" xmlns:r="http://schemas.openxmlformats.org/officeDocument/2006/relationships" xmlns:p="http://schemas.openxmlformats.org/presentationml/2006/main">
+  <p:cSld>
+    <p:spTree>
+      <p:nvGrpSpPr>
+        <p:cNvPr id="1" name=""/>
+        <p:cNvGrpSpPr/>
+        <p:nvPr/>
+      </p:nvGrpSpPr>
+      <p:grpSpPr>
+        <a:xfrm>
+          <a:off x="0" y="0"/>
+          <a:ext cx="0" cy="0"/>
+          <a:chOff x="0" y="0"/>
+          <a:chExt cx="0" cy="0"/>
+        </a:xfrm>
+      </p:grpSpPr>
+      <p:sp>
+        <p:nvSpPr>
+          <p:cNvPr id="2" name="Образ слайда 1"/>
+          <p:cNvSpPr>
+            <a:spLocks noGrp="1" noRot="1" noChangeAspect="1"/>
+          </p:cNvSpPr>
+          <p:nvPr>
+            <p:ph type="sldImg"/>
+          </p:nvPr>
+        </p:nvSpPr>
+        <p:spPr/>
+      </p:sp>
+      <p:sp>
+        <p:nvSpPr>
+          <p:cNvPr id="3" name="Заметки 2"/>
+          <p:cNvSpPr>
+            <a:spLocks noGrp="1"/>
+          </p:cNvSpPr>
+          <p:nvPr>
+            <p:ph type="body" idx="1"/>
+          </p:nvPr>
+        </p:nvSpPr>
+        <p:spPr/>
+        <p:txBody>
+          <a:bodyPr/>
+          <a:lstStyle/>
+          <a:p>
+            <a:endParaRPr lang="en-US" dirty="0"/>
+          </a:p>
+        </p:txBody>
+      </p:sp>
+      <p:sp>
+        <p:nvSpPr>
+          <p:cNvPr id="4" name="Номер слайда 3"/>
+          <p:cNvSpPr>
+            <a:spLocks noGrp="1"/>
+          </p:cNvSpPr>
+          <p:nvPr>
+            <p:ph type="sldNum" sz="quarter" idx="5"/>
+          </p:nvPr>
+        </p:nvSpPr>
+        <p:spPr/>
+        <p:txBody>
+          <a:bodyPr/>
+          <a:lstStyle/>
+          <a:p>
+            <a:fld id="{7FE466A1-AB78-4968-BEFB-E93872E40569}" type="slidenum">
+              <a:rPr lang="en-US" smtClean="0"/>
+              <a:t>8</a:t>
+            </a:fld>
+            <a:endParaRPr lang="en-US"/>
+          </a:p>
+        </p:txBody>
+      </p:sp>
+    </p:spTree>
+    <p:extLst>
+      <p:ext uri="{BB962C8B-B14F-4D97-AF65-F5344CB8AC3E}">
+        <p14:creationId xmlns:p14="http://schemas.microsoft.com/office/powerpoint/2010/main" val="8346864"/>
+      </p:ext>
+    </p:extLst>
+  </p:cSld>
+  <p:clrMapOvr>
+    <a:masterClrMapping/>
+  </p:clrMapOvr>
+</p:notes>
+</file>
+
 <file path=ppt/slideLayouts/slideLayout1.xml><?xml version="1.0" encoding="utf-8"?>
 <p:sldLayout xmlns:a="http://schemas.openxmlformats.org/drawingml/2006/main" xmlns:r="http://schemas.openxmlformats.org/officeDocument/2006/relationships" xmlns:p="http://schemas.openxmlformats.org/presentationml/2006/main" type="title" preserve="1">
   <p:cSld name="Титульный слайд">
@@ -1954,7 +2042,7 @@
           <a:p>
             <a:fld id="{679D33B1-6C88-4DB6-8F59-77EBF0001DE5}" type="datetimeFigureOut">
               <a:rPr lang="en-US" smtClean="0"/>
-              <a:t>2019-02-01</a:t>
+              <a:t>2019-02-17</a:t>
             </a:fld>
             <a:endParaRPr lang="en-US"/>
           </a:p>
@@ -2864,7 +2952,7 @@
           <a:p>
             <a:fld id="{679D33B1-6C88-4DB6-8F59-77EBF0001DE5}" type="datetimeFigureOut">
               <a:rPr lang="en-US" smtClean="0"/>
-              <a:t>2019-02-01</a:t>
+              <a:t>2019-02-17</a:t>
             </a:fld>
             <a:endParaRPr lang="en-US"/>
           </a:p>
@@ -3170,7 +3258,7 @@
           <a:p>
             <a:fld id="{679D33B1-6C88-4DB6-8F59-77EBF0001DE5}" type="datetimeFigureOut">
               <a:rPr lang="en-US" smtClean="0"/>
-              <a:t>2019-02-01</a:t>
+              <a:t>2019-02-17</a:t>
             </a:fld>
             <a:endParaRPr lang="en-US"/>
           </a:p>
@@ -3556,7 +3644,7 @@
           <a:p>
             <a:fld id="{679D33B1-6C88-4DB6-8F59-77EBF0001DE5}" type="datetimeFigureOut">
               <a:rPr lang="en-US" smtClean="0"/>
-              <a:t>2019-02-01</a:t>
+              <a:t>2019-02-17</a:t>
             </a:fld>
             <a:endParaRPr lang="en-US"/>
           </a:p>
@@ -3929,7 +4017,7 @@
           <a:p>
             <a:fld id="{679D33B1-6C88-4DB6-8F59-77EBF0001DE5}" type="datetimeFigureOut">
               <a:rPr lang="en-US" smtClean="0"/>
-              <a:t>2019-02-01</a:t>
+              <a:t>2019-02-17</a:t>
             </a:fld>
             <a:endParaRPr lang="en-US"/>
           </a:p>
@@ -4432,7 +4520,7 @@
           <a:p>
             <a:fld id="{679D33B1-6C88-4DB6-8F59-77EBF0001DE5}" type="datetimeFigureOut">
               <a:rPr lang="en-US" smtClean="0"/>
-              <a:t>2019-02-01</a:t>
+              <a:t>2019-02-17</a:t>
             </a:fld>
             <a:endParaRPr lang="en-US"/>
           </a:p>
@@ -4686,7 +4774,7 @@
           <a:p>
             <a:fld id="{679D33B1-6C88-4DB6-8F59-77EBF0001DE5}" type="datetimeFigureOut">
               <a:rPr lang="en-US" smtClean="0"/>
-              <a:t>2019-02-01</a:t>
+              <a:t>2019-02-17</a:t>
             </a:fld>
             <a:endParaRPr lang="en-US"/>
           </a:p>
@@ -4849,7 +4937,7 @@
           <a:p>
             <a:fld id="{679D33B1-6C88-4DB6-8F59-77EBF0001DE5}" type="datetimeFigureOut">
               <a:rPr lang="en-US" smtClean="0"/>
-              <a:t>2019-02-01</a:t>
+              <a:t>2019-02-17</a:t>
             </a:fld>
             <a:endParaRPr lang="en-US"/>
           </a:p>
@@ -5236,7 +5324,7 @@
           <a:p>
             <a:fld id="{679D33B1-6C88-4DB6-8F59-77EBF0001DE5}" type="datetimeFigureOut">
               <a:rPr lang="en-US" smtClean="0"/>
-              <a:t>2019-02-01</a:t>
+              <a:t>2019-02-17</a:t>
             </a:fld>
             <a:endParaRPr lang="en-US"/>
           </a:p>
@@ -5642,7 +5730,7 @@
           <a:p>
             <a:fld id="{679D33B1-6C88-4DB6-8F59-77EBF0001DE5}" type="datetimeFigureOut">
               <a:rPr lang="en-US" smtClean="0"/>
-              <a:t>2019-02-01</a:t>
+              <a:t>2019-02-17</a:t>
             </a:fld>
             <a:endParaRPr lang="en-US"/>
           </a:p>
@@ -5855,7 +5943,7 @@
           <a:p>
             <a:fld id="{679D33B1-6C88-4DB6-8F59-77EBF0001DE5}" type="datetimeFigureOut">
               <a:rPr lang="en-US" smtClean="0"/>
-              <a:t>2019-02-01</a:t>
+              <a:t>2019-02-17</a:t>
             </a:fld>
             <a:endParaRPr lang="en-US"/>
           </a:p>
@@ -6692,6 +6780,633 @@
           <a:p>
             <a:r>
               <a:rPr lang="ru-RU" b="1" dirty="0"/>
+              <a:t>Принцип открытости/закрытости</a:t>
+            </a:r>
+            <a:br>
+              <a:rPr lang="en-US" b="1" dirty="0"/>
+            </a:br>
+            <a:r>
+              <a:rPr lang="en-US" sz="3200" i="1" dirty="0"/>
+              <a:t>The Open Closed Principle</a:t>
+            </a:r>
+            <a:endParaRPr lang="en-US" dirty="0"/>
+          </a:p>
+        </p:txBody>
+      </p:sp>
+      <p:sp>
+        <p:nvSpPr>
+          <p:cNvPr id="3" name="TextBox 2">
+            <a:extLst>
+              <a:ext uri="{FF2B5EF4-FFF2-40B4-BE49-F238E27FC236}">
+                <a16:creationId xmlns:a16="http://schemas.microsoft.com/office/drawing/2014/main" id="{0449A707-99AE-4210-AF89-4A9F25E03165}"/>
+              </a:ext>
+            </a:extLst>
+          </p:cNvPr>
+          <p:cNvSpPr txBox="1"/>
+          <p:nvPr/>
+        </p:nvSpPr>
+        <p:spPr>
+          <a:xfrm>
+            <a:off x="576263" y="2233613"/>
+            <a:ext cx="5942270" cy="3108543"/>
+          </a:xfrm>
+          <a:prstGeom prst="rect">
+            <a:avLst/>
+          </a:prstGeom>
+          <a:noFill/>
+        </p:spPr>
+        <p:txBody>
+          <a:bodyPr wrap="square" rtlCol="0">
+            <a:spAutoFit/>
+          </a:bodyPr>
+          <a:lstStyle/>
+          <a:p>
+            <a:r>
+              <a:rPr lang="en-US" sz="2800" dirty="0" err="1">
+                <a:solidFill>
+                  <a:srgbClr val="FFFF00"/>
+                </a:solidFill>
+              </a:rPr>
+              <a:t>Nuget</a:t>
+            </a:r>
+            <a:r>
+              <a:rPr lang="en-US" sz="2800" dirty="0">
+                <a:solidFill>
+                  <a:srgbClr val="FFFF00"/>
+                </a:solidFill>
+              </a:rPr>
+              <a:t>-packages</a:t>
+            </a:r>
+            <a:endParaRPr lang="ru-RU" sz="2800" dirty="0">
+              <a:solidFill>
+                <a:srgbClr val="FFFF00"/>
+              </a:solidFill>
+            </a:endParaRPr>
+          </a:p>
+          <a:p>
+            <a:endParaRPr lang="ru-RU" sz="2800" dirty="0"/>
+          </a:p>
+          <a:p>
+            <a:r>
+              <a:rPr lang="ru-RU" sz="2000" dirty="0"/>
+              <a:t>Хорошим примеров описываемого принципа может послужить свободно распространяемы сборки с сайта </a:t>
+            </a:r>
+            <a:r>
+              <a:rPr lang="en-US" sz="2000" b="1" dirty="0"/>
+              <a:t>nuget.org</a:t>
+            </a:r>
+          </a:p>
+          <a:p>
+            <a:endParaRPr lang="en-US" sz="2000" b="1" dirty="0"/>
+          </a:p>
+          <a:p>
+            <a:r>
+              <a:rPr lang="ru-RU" sz="2000" dirty="0"/>
+              <a:t>В демонстрации я хочу показать как оптимизировать код, полагаясь на работу принципа </a:t>
+            </a:r>
+            <a:r>
+              <a:rPr lang="en-US" sz="2000" dirty="0"/>
+              <a:t>Open/Closed</a:t>
+            </a:r>
+          </a:p>
+        </p:txBody>
+      </p:sp>
+      <p:pic>
+        <p:nvPicPr>
+          <p:cNvPr id="2" name="Рисунок 1">
+            <a:extLst>
+              <a:ext uri="{FF2B5EF4-FFF2-40B4-BE49-F238E27FC236}">
+                <a16:creationId xmlns:a16="http://schemas.microsoft.com/office/drawing/2014/main" id="{C2DCA1E8-B7BA-493E-90DE-9F0421F153A2}"/>
+              </a:ext>
+            </a:extLst>
+          </p:cNvPr>
+          <p:cNvPicPr>
+            <a:picLocks noChangeAspect="1"/>
+          </p:cNvPicPr>
+          <p:nvPr/>
+        </p:nvPicPr>
+        <p:blipFill>
+          <a:blip r:embed="rId2"/>
+          <a:stretch>
+            <a:fillRect/>
+          </a:stretch>
+        </p:blipFill>
+        <p:spPr>
+          <a:xfrm>
+            <a:off x="6518533" y="2233614"/>
+            <a:ext cx="3921737" cy="3288822"/>
+          </a:xfrm>
+          <a:prstGeom prst="rect">
+            <a:avLst/>
+          </a:prstGeom>
+        </p:spPr>
+      </p:pic>
+    </p:spTree>
+    <p:extLst>
+      <p:ext uri="{BB962C8B-B14F-4D97-AF65-F5344CB8AC3E}">
+        <p14:creationId xmlns:p14="http://schemas.microsoft.com/office/powerpoint/2010/main" val="1972228375"/>
+      </p:ext>
+    </p:extLst>
+  </p:cSld>
+  <p:clrMapOvr>
+    <a:masterClrMapping/>
+  </p:clrMapOvr>
+  <p:transition spd="slow">
+    <p:cover/>
+  </p:transition>
+</p:sld>
+</file>
+
+<file path=ppt/slides/slide11.xml><?xml version="1.0" encoding="utf-8"?>
+<p:sld xmlns:a="http://schemas.openxmlformats.org/drawingml/2006/main" xmlns:r="http://schemas.openxmlformats.org/officeDocument/2006/relationships" xmlns:p="http://schemas.openxmlformats.org/presentationml/2006/main">
+  <p:cSld>
+    <p:spTree>
+      <p:nvGrpSpPr>
+        <p:cNvPr id="1" name=""/>
+        <p:cNvGrpSpPr/>
+        <p:nvPr/>
+      </p:nvGrpSpPr>
+      <p:grpSpPr>
+        <a:xfrm>
+          <a:off x="0" y="0"/>
+          <a:ext cx="0" cy="0"/>
+          <a:chOff x="0" y="0"/>
+          <a:chExt cx="0" cy="0"/>
+        </a:xfrm>
+      </p:grpSpPr>
+      <p:sp>
+        <p:nvSpPr>
+          <p:cNvPr id="4" name="Заголовок 3">
+            <a:extLst>
+              <a:ext uri="{FF2B5EF4-FFF2-40B4-BE49-F238E27FC236}">
+                <a16:creationId xmlns:a16="http://schemas.microsoft.com/office/drawing/2014/main" id="{56B210DD-3C70-4225-BAC0-26F0709D6072}"/>
+              </a:ext>
+            </a:extLst>
+          </p:cNvPr>
+          <p:cNvSpPr>
+            <a:spLocks noGrp="1"/>
+          </p:cNvSpPr>
+          <p:nvPr>
+            <p:ph type="title"/>
+          </p:nvPr>
+        </p:nvSpPr>
+        <p:spPr/>
+        <p:txBody>
+          <a:bodyPr>
+            <a:normAutofit/>
+          </a:bodyPr>
+          <a:lstStyle/>
+          <a:p>
+            <a:r>
+              <a:rPr lang="ru-RU" b="1" dirty="0"/>
+              <a:t>Принцип открытости/закрытости</a:t>
+            </a:r>
+            <a:br>
+              <a:rPr lang="en-US" b="1" dirty="0"/>
+            </a:br>
+            <a:r>
+              <a:rPr lang="en-US" sz="3200" i="1" dirty="0"/>
+              <a:t>The Open Closed Principle</a:t>
+            </a:r>
+            <a:endParaRPr lang="en-US" dirty="0"/>
+          </a:p>
+        </p:txBody>
+      </p:sp>
+      <p:sp>
+        <p:nvSpPr>
+          <p:cNvPr id="3" name="TextBox 2">
+            <a:extLst>
+              <a:ext uri="{FF2B5EF4-FFF2-40B4-BE49-F238E27FC236}">
+                <a16:creationId xmlns:a16="http://schemas.microsoft.com/office/drawing/2014/main" id="{0449A707-99AE-4210-AF89-4A9F25E03165}"/>
+              </a:ext>
+            </a:extLst>
+          </p:cNvPr>
+          <p:cNvSpPr txBox="1"/>
+          <p:nvPr/>
+        </p:nvSpPr>
+        <p:spPr>
+          <a:xfrm>
+            <a:off x="598785" y="3251615"/>
+            <a:ext cx="9836982" cy="1015663"/>
+          </a:xfrm>
+          <a:prstGeom prst="rect">
+            <a:avLst/>
+          </a:prstGeom>
+          <a:noFill/>
+        </p:spPr>
+        <p:txBody>
+          <a:bodyPr wrap="square" rtlCol="0">
+            <a:spAutoFit/>
+          </a:bodyPr>
+          <a:lstStyle/>
+          <a:p>
+            <a:pPr algn="ctr"/>
+            <a:r>
+              <a:rPr lang="ru-RU" sz="6000" dirty="0">
+                <a:solidFill>
+                  <a:srgbClr val="FFFF00"/>
+                </a:solidFill>
+              </a:rPr>
+              <a:t>Демонстрация</a:t>
+            </a:r>
+            <a:endParaRPr lang="en-US" sz="6000" dirty="0"/>
+          </a:p>
+        </p:txBody>
+      </p:sp>
+    </p:spTree>
+    <p:extLst>
+      <p:ext uri="{BB962C8B-B14F-4D97-AF65-F5344CB8AC3E}">
+        <p14:creationId xmlns:p14="http://schemas.microsoft.com/office/powerpoint/2010/main" val="1545914933"/>
+      </p:ext>
+    </p:extLst>
+  </p:cSld>
+  <p:clrMapOvr>
+    <a:masterClrMapping/>
+  </p:clrMapOvr>
+  <p:transition spd="slow">
+    <p:cover/>
+  </p:transition>
+</p:sld>
+</file>
+
+<file path=ppt/slides/slide12.xml><?xml version="1.0" encoding="utf-8"?>
+<p:sld xmlns:a="http://schemas.openxmlformats.org/drawingml/2006/main" xmlns:r="http://schemas.openxmlformats.org/officeDocument/2006/relationships" xmlns:p="http://schemas.openxmlformats.org/presentationml/2006/main">
+  <p:cSld>
+    <p:spTree>
+      <p:nvGrpSpPr>
+        <p:cNvPr id="1" name=""/>
+        <p:cNvGrpSpPr/>
+        <p:nvPr/>
+      </p:nvGrpSpPr>
+      <p:grpSpPr>
+        <a:xfrm>
+          <a:off x="0" y="0"/>
+          <a:ext cx="0" cy="0"/>
+          <a:chOff x="0" y="0"/>
+          <a:chExt cx="0" cy="0"/>
+        </a:xfrm>
+      </p:grpSpPr>
+      <p:sp>
+        <p:nvSpPr>
+          <p:cNvPr id="4" name="Заголовок 3">
+            <a:extLst>
+              <a:ext uri="{FF2B5EF4-FFF2-40B4-BE49-F238E27FC236}">
+                <a16:creationId xmlns:a16="http://schemas.microsoft.com/office/drawing/2014/main" id="{56B210DD-3C70-4225-BAC0-26F0709D6072}"/>
+              </a:ext>
+            </a:extLst>
+          </p:cNvPr>
+          <p:cNvSpPr>
+            <a:spLocks noGrp="1"/>
+          </p:cNvSpPr>
+          <p:nvPr>
+            <p:ph type="title"/>
+          </p:nvPr>
+        </p:nvSpPr>
+        <p:spPr/>
+        <p:txBody>
+          <a:bodyPr>
+            <a:normAutofit/>
+          </a:bodyPr>
+          <a:lstStyle/>
+          <a:p>
+            <a:r>
+              <a:rPr lang="ru-RU" b="1" dirty="0"/>
+              <a:t>Принцип открытости/закрытости</a:t>
+            </a:r>
+            <a:br>
+              <a:rPr lang="en-US" b="1" dirty="0"/>
+            </a:br>
+            <a:r>
+              <a:rPr lang="en-US" sz="3200" i="1" dirty="0"/>
+              <a:t>The Open Closed Principle</a:t>
+            </a:r>
+            <a:endParaRPr lang="en-US" dirty="0"/>
+          </a:p>
+        </p:txBody>
+      </p:sp>
+      <p:sp>
+        <p:nvSpPr>
+          <p:cNvPr id="3" name="TextBox 2">
+            <a:extLst>
+              <a:ext uri="{FF2B5EF4-FFF2-40B4-BE49-F238E27FC236}">
+                <a16:creationId xmlns:a16="http://schemas.microsoft.com/office/drawing/2014/main" id="{0449A707-99AE-4210-AF89-4A9F25E03165}"/>
+              </a:ext>
+            </a:extLst>
+          </p:cNvPr>
+          <p:cNvSpPr txBox="1"/>
+          <p:nvPr/>
+        </p:nvSpPr>
+        <p:spPr>
+          <a:xfrm>
+            <a:off x="576263" y="2233613"/>
+            <a:ext cx="9836982" cy="2800767"/>
+          </a:xfrm>
+          <a:prstGeom prst="rect">
+            <a:avLst/>
+          </a:prstGeom>
+          <a:noFill/>
+        </p:spPr>
+        <p:txBody>
+          <a:bodyPr wrap="square" rtlCol="0">
+            <a:spAutoFit/>
+          </a:bodyPr>
+          <a:lstStyle/>
+          <a:p>
+            <a:r>
+              <a:rPr lang="en-US" sz="2800" dirty="0" err="1">
+                <a:solidFill>
+                  <a:srgbClr val="FFFF00"/>
+                </a:solidFill>
+              </a:rPr>
+              <a:t>Nuget</a:t>
+            </a:r>
+            <a:r>
+              <a:rPr lang="en-US" sz="2800" dirty="0">
+                <a:solidFill>
+                  <a:srgbClr val="FFFF00"/>
+                </a:solidFill>
+              </a:rPr>
+              <a:t>-package </a:t>
+            </a:r>
+            <a:r>
+              <a:rPr lang="ru-RU" sz="2800" dirty="0">
+                <a:solidFill>
+                  <a:srgbClr val="FFFF00"/>
+                </a:solidFill>
+              </a:rPr>
+              <a:t>(обособленная сборка)</a:t>
+            </a:r>
+          </a:p>
+          <a:p>
+            <a:endParaRPr lang="ru-RU" sz="2800" dirty="0"/>
+          </a:p>
+          <a:p>
+            <a:pPr marL="342900" indent="-342900">
+              <a:buFont typeface="Arial" panose="020B0604020202020204" pitchFamily="34" charset="0"/>
+              <a:buChar char="•"/>
+            </a:pPr>
+            <a:r>
+              <a:rPr lang="ru-RU" sz="2000" dirty="0"/>
+              <a:t>Вы можете установить разные </a:t>
+            </a:r>
+            <a:r>
+              <a:rPr lang="en-US" sz="2000" dirty="0" err="1"/>
+              <a:t>nuget</a:t>
+            </a:r>
+            <a:r>
+              <a:rPr lang="en-US" sz="2000" dirty="0"/>
+              <a:t>-</a:t>
+            </a:r>
+            <a:r>
+              <a:rPr lang="ru-RU" sz="2000" dirty="0"/>
+              <a:t>пакеты в разные проекты и даже в разные платформы.</a:t>
+            </a:r>
+          </a:p>
+          <a:p>
+            <a:pPr marL="342900" indent="-342900">
+              <a:buFont typeface="Arial" panose="020B0604020202020204" pitchFamily="34" charset="0"/>
+              <a:buChar char="•"/>
+            </a:pPr>
+            <a:r>
+              <a:rPr lang="ru-RU" sz="2000" dirty="0"/>
+              <a:t>При этом менять сами </a:t>
+            </a:r>
+            <a:r>
+              <a:rPr lang="en-US" sz="2000" dirty="0" err="1"/>
+              <a:t>nuget</a:t>
+            </a:r>
+            <a:r>
+              <a:rPr lang="en-US" sz="2000" dirty="0"/>
+              <a:t>-</a:t>
+            </a:r>
+            <a:r>
+              <a:rPr lang="ru-RU" sz="2000" dirty="0"/>
+              <a:t>пакеты (вернее сборки лежащие в них) вам не требуется. </a:t>
+            </a:r>
+          </a:p>
+          <a:p>
+            <a:pPr marL="342900" indent="-342900">
+              <a:buFont typeface="Arial" panose="020B0604020202020204" pitchFamily="34" charset="0"/>
+              <a:buChar char="•"/>
+            </a:pPr>
+            <a:r>
+              <a:rPr lang="ru-RU" sz="2000" dirty="0"/>
+              <a:t>Вы можете использовать уже реализованный функционал и даже дополнить своими поведениями существующие сущности.</a:t>
+            </a:r>
+            <a:endParaRPr lang="en-US" sz="2000" dirty="0"/>
+          </a:p>
+        </p:txBody>
+      </p:sp>
+    </p:spTree>
+    <p:extLst>
+      <p:ext uri="{BB962C8B-B14F-4D97-AF65-F5344CB8AC3E}">
+        <p14:creationId xmlns:p14="http://schemas.microsoft.com/office/powerpoint/2010/main" val="319976170"/>
+      </p:ext>
+    </p:extLst>
+  </p:cSld>
+  <p:clrMapOvr>
+    <a:masterClrMapping/>
+  </p:clrMapOvr>
+  <p:transition spd="slow">
+    <p:cover/>
+  </p:transition>
+</p:sld>
+</file>
+
+<file path=ppt/slides/slide13.xml><?xml version="1.0" encoding="utf-8"?>
+<p:sld xmlns:a="http://schemas.openxmlformats.org/drawingml/2006/main" xmlns:r="http://schemas.openxmlformats.org/officeDocument/2006/relationships" xmlns:p="http://schemas.openxmlformats.org/presentationml/2006/main">
+  <p:cSld>
+    <p:spTree>
+      <p:nvGrpSpPr>
+        <p:cNvPr id="1" name=""/>
+        <p:cNvGrpSpPr/>
+        <p:nvPr/>
+      </p:nvGrpSpPr>
+      <p:grpSpPr>
+        <a:xfrm>
+          <a:off x="0" y="0"/>
+          <a:ext cx="0" cy="0"/>
+          <a:chOff x="0" y="0"/>
+          <a:chExt cx="0" cy="0"/>
+        </a:xfrm>
+      </p:grpSpPr>
+      <p:sp>
+        <p:nvSpPr>
+          <p:cNvPr id="4" name="Заголовок 3">
+            <a:extLst>
+              <a:ext uri="{FF2B5EF4-FFF2-40B4-BE49-F238E27FC236}">
+                <a16:creationId xmlns:a16="http://schemas.microsoft.com/office/drawing/2014/main" id="{56B210DD-3C70-4225-BAC0-26F0709D6072}"/>
+              </a:ext>
+            </a:extLst>
+          </p:cNvPr>
+          <p:cNvSpPr>
+            <a:spLocks noGrp="1"/>
+          </p:cNvSpPr>
+          <p:nvPr>
+            <p:ph type="title"/>
+          </p:nvPr>
+        </p:nvSpPr>
+        <p:spPr/>
+        <p:txBody>
+          <a:bodyPr>
+            <a:normAutofit/>
+          </a:bodyPr>
+          <a:lstStyle/>
+          <a:p>
+            <a:r>
+              <a:rPr lang="ru-RU" b="1" dirty="0"/>
+              <a:t>Принцип подстановки Барбары Лисков</a:t>
+            </a:r>
+            <a:br>
+              <a:rPr lang="en-US" b="1" dirty="0"/>
+            </a:br>
+            <a:r>
+              <a:rPr lang="en-US" sz="3200" i="1" dirty="0"/>
+              <a:t>The </a:t>
+            </a:r>
+            <a:r>
+              <a:rPr lang="en-US" sz="3200" i="1" dirty="0" err="1"/>
+              <a:t>Liskov</a:t>
+            </a:r>
+            <a:r>
+              <a:rPr lang="en-US" sz="3200" i="1" dirty="0"/>
+              <a:t> Substitution Principle</a:t>
+            </a:r>
+            <a:endParaRPr lang="en-US" dirty="0"/>
+          </a:p>
+        </p:txBody>
+      </p:sp>
+      <p:sp>
+        <p:nvSpPr>
+          <p:cNvPr id="3" name="TextBox 2">
+            <a:extLst>
+              <a:ext uri="{FF2B5EF4-FFF2-40B4-BE49-F238E27FC236}">
+                <a16:creationId xmlns:a16="http://schemas.microsoft.com/office/drawing/2014/main" id="{3089AEBE-4865-4BB1-9F1D-1582A462A55C}"/>
+              </a:ext>
+            </a:extLst>
+          </p:cNvPr>
+          <p:cNvSpPr txBox="1"/>
+          <p:nvPr/>
+        </p:nvSpPr>
+        <p:spPr>
+          <a:xfrm>
+            <a:off x="576263" y="2233613"/>
+            <a:ext cx="9836982" cy="3354765"/>
+          </a:xfrm>
+          <a:prstGeom prst="rect">
+            <a:avLst/>
+          </a:prstGeom>
+          <a:noFill/>
+        </p:spPr>
+        <p:txBody>
+          <a:bodyPr wrap="square" rtlCol="0">
+            <a:spAutoFit/>
+          </a:bodyPr>
+          <a:lstStyle/>
+          <a:p>
+            <a:r>
+              <a:rPr lang="ru-RU" sz="2800" dirty="0">
+                <a:solidFill>
+                  <a:srgbClr val="FFFF00"/>
+                </a:solidFill>
+              </a:rPr>
+              <a:t>Объекты в программе должны быть заменяемыми на экземпляры их подтипов без изменения правильности выполнения программы.</a:t>
+            </a:r>
+          </a:p>
+          <a:p>
+            <a:endParaRPr lang="ru-RU" sz="2800" dirty="0"/>
+          </a:p>
+          <a:p>
+            <a:r>
+              <a:rPr lang="ru-RU" sz="2000" dirty="0"/>
+              <a:t>Принцип подстановки Барбары Лисков (англ. </a:t>
+            </a:r>
+            <a:r>
+              <a:rPr lang="ru-RU" sz="2000" dirty="0" err="1"/>
+              <a:t>Liskov</a:t>
+            </a:r>
+            <a:r>
+              <a:rPr lang="ru-RU" sz="2000" dirty="0"/>
+              <a:t> </a:t>
+            </a:r>
+            <a:r>
+              <a:rPr lang="ru-RU" sz="2000" dirty="0" err="1"/>
+              <a:t>Substitution</a:t>
+            </a:r>
+            <a:r>
+              <a:rPr lang="ru-RU" sz="2000" dirty="0"/>
+              <a:t> </a:t>
+            </a:r>
+            <a:r>
+              <a:rPr lang="ru-RU" sz="2000" dirty="0" err="1"/>
+              <a:t>Principle</a:t>
+            </a:r>
+            <a:r>
+              <a:rPr lang="ru-RU" sz="2000" dirty="0"/>
+              <a:t>, LSP) в объектно-ориентированном программировании является специфичным определением подтипа, предложенным Барбарой Лисков в 1987 году на конференции в основном докладе под названием Абстракция данных и иерархия.</a:t>
+            </a:r>
+            <a:endParaRPr lang="en-US" sz="2000" dirty="0"/>
+          </a:p>
+        </p:txBody>
+      </p:sp>
+    </p:spTree>
+    <p:extLst>
+      <p:ext uri="{BB962C8B-B14F-4D97-AF65-F5344CB8AC3E}">
+        <p14:creationId xmlns:p14="http://schemas.microsoft.com/office/powerpoint/2010/main" val="3989441364"/>
+      </p:ext>
+    </p:extLst>
+  </p:cSld>
+  <p:clrMapOvr>
+    <a:masterClrMapping/>
+  </p:clrMapOvr>
+  <p:transition spd="slow">
+    <p:cover/>
+  </p:transition>
+</p:sld>
+</file>
+
+<file path=ppt/slides/slide14.xml><?xml version="1.0" encoding="utf-8"?>
+<p:sld xmlns:a="http://schemas.openxmlformats.org/drawingml/2006/main" xmlns:r="http://schemas.openxmlformats.org/officeDocument/2006/relationships" xmlns:p="http://schemas.openxmlformats.org/presentationml/2006/main">
+  <p:cSld>
+    <p:spTree>
+      <p:nvGrpSpPr>
+        <p:cNvPr id="1" name=""/>
+        <p:cNvGrpSpPr/>
+        <p:nvPr/>
+      </p:nvGrpSpPr>
+      <p:grpSpPr>
+        <a:xfrm>
+          <a:off x="0" y="0"/>
+          <a:ext cx="0" cy="0"/>
+          <a:chOff x="0" y="0"/>
+          <a:chExt cx="0" cy="0"/>
+        </a:xfrm>
+      </p:grpSpPr>
+      <p:sp>
+        <p:nvSpPr>
+          <p:cNvPr id="4" name="Заголовок 3">
+            <a:extLst>
+              <a:ext uri="{FF2B5EF4-FFF2-40B4-BE49-F238E27FC236}">
+                <a16:creationId xmlns:a16="http://schemas.microsoft.com/office/drawing/2014/main" id="{56B210DD-3C70-4225-BAC0-26F0709D6072}"/>
+              </a:ext>
+            </a:extLst>
+          </p:cNvPr>
+          <p:cNvSpPr>
+            <a:spLocks noGrp="1"/>
+          </p:cNvSpPr>
+          <p:nvPr>
+            <p:ph type="title"/>
+          </p:nvPr>
+        </p:nvSpPr>
+        <p:spPr/>
+        <p:txBody>
+          <a:bodyPr>
+            <a:normAutofit/>
+          </a:bodyPr>
+          <a:lstStyle/>
+          <a:p>
+            <a:r>
+              <a:rPr lang="ru-RU" b="1" dirty="0"/>
               <a:t>Принцип разделения интерфейса</a:t>
             </a:r>
             <a:br>
@@ -6794,7 +7509,7 @@
 </p:sld>
 </file>
 
-<file path=ppt/slides/slide11.xml><?xml version="1.0" encoding="utf-8"?>
+<file path=ppt/slides/slide15.xml><?xml version="1.0" encoding="utf-8"?>
 <p:sld xmlns:a="http://schemas.openxmlformats.org/drawingml/2006/main" xmlns:r="http://schemas.openxmlformats.org/officeDocument/2006/relationships" xmlns:p="http://schemas.openxmlformats.org/presentationml/2006/main">
   <p:cSld>
     <p:spTree>
@@ -8417,37 +9132,58 @@
       </p:grpSpPr>
       <p:sp>
         <p:nvSpPr>
-          <p:cNvPr id="4" name="Заголовок 3">
-            <a:extLst>
-              <a:ext uri="{FF2B5EF4-FFF2-40B4-BE49-F238E27FC236}">
-                <a16:creationId xmlns:a16="http://schemas.microsoft.com/office/drawing/2014/main" id="{56B210DD-3C70-4225-BAC0-26F0709D6072}"/>
-              </a:ext>
-            </a:extLst>
-          </p:cNvPr>
-          <p:cNvSpPr>
-            <a:spLocks noGrp="1"/>
-          </p:cNvSpPr>
-          <p:nvPr>
-            <p:ph type="title"/>
+          <p:cNvPr id="2" name="Заголовок 1"/>
+          <p:cNvSpPr>
+            <a:spLocks noGrp="1"/>
+          </p:cNvSpPr>
+          <p:nvPr>
+            <p:ph type="ctrTitle"/>
           </p:nvPr>
         </p:nvSpPr>
         <p:spPr/>
         <p:txBody>
-          <a:bodyPr>
-            <a:normAutofit/>
-          </a:bodyPr>
+          <a:bodyPr/>
           <a:lstStyle/>
           <a:p>
             <a:r>
-              <a:rPr lang="ru-RU" b="1" dirty="0"/>
-              <a:t>Принцип открытости/закрытости</a:t>
-            </a:r>
-            <a:br>
-              <a:rPr lang="en-US" b="1" dirty="0"/>
-            </a:br>
-            <a:r>
-              <a:rPr lang="en-US" sz="3200" i="1" dirty="0"/>
-              <a:t>The Open Closed Principle</a:t>
+              <a:rPr lang="en-US" dirty="0"/>
+              <a:t>S</a:t>
+            </a:r>
+            <a:r>
+              <a:rPr lang="ru-RU" dirty="0"/>
+              <a:t>.</a:t>
+            </a:r>
+            <a:r>
+              <a:rPr lang="en-US" dirty="0"/>
+              <a:t>O</a:t>
+            </a:r>
+            <a:r>
+              <a:rPr lang="ru-RU" dirty="0"/>
+              <a:t>.</a:t>
+            </a:r>
+            <a:r>
+              <a:rPr lang="en-US" dirty="0"/>
+              <a:t>L</a:t>
+            </a:r>
+            <a:r>
+              <a:rPr lang="ru-RU" dirty="0"/>
+              <a:t>.</a:t>
+            </a:r>
+            <a:r>
+              <a:rPr lang="en-US" dirty="0"/>
+              <a:t>I</a:t>
+            </a:r>
+            <a:r>
+              <a:rPr lang="ru-RU" dirty="0"/>
+              <a:t>.</a:t>
+            </a:r>
+            <a:r>
+              <a:rPr lang="en-US" dirty="0"/>
+              <a:t>D</a:t>
+            </a:r>
+            <a:r>
+              <a:rPr lang="ru-RU" dirty="0"/>
+              <a:t>.</a:t>
             </a:r>
             <a:endParaRPr lang="en-US" dirty="0"/>
           </a:p>
@@ -8455,20 +9191,37 @@
       </p:sp>
       <p:sp>
         <p:nvSpPr>
-          <p:cNvPr id="3" name="TextBox 2">
-            <a:extLst>
-              <a:ext uri="{FF2B5EF4-FFF2-40B4-BE49-F238E27FC236}">
-                <a16:creationId xmlns:a16="http://schemas.microsoft.com/office/drawing/2014/main" id="{0449A707-99AE-4210-AF89-4A9F25E03165}"/>
-              </a:ext>
-            </a:extLst>
-          </p:cNvPr>
+          <p:cNvPr id="3" name="Подзаголовок 2"/>
+          <p:cNvSpPr>
+            <a:spLocks noGrp="1"/>
+          </p:cNvSpPr>
+          <p:nvPr>
+            <p:ph type="subTitle" idx="1"/>
+          </p:nvPr>
+        </p:nvSpPr>
+        <p:spPr/>
+        <p:txBody>
+          <a:bodyPr/>
+          <a:lstStyle/>
+          <a:p>
+            <a:r>
+              <a:rPr lang="ru-RU" sz="1800" dirty="0"/>
+              <a:t>Просто о сложном</a:t>
+            </a:r>
+            <a:endParaRPr lang="en-US" sz="1800" dirty="0"/>
+          </a:p>
+        </p:txBody>
+      </p:sp>
+      <p:sp>
+        <p:nvSpPr>
+          <p:cNvPr id="4" name="TextBox 3"/>
           <p:cNvSpPr txBox="1"/>
           <p:nvPr/>
         </p:nvSpPr>
         <p:spPr>
           <a:xfrm>
-            <a:off x="576263" y="2233613"/>
-            <a:ext cx="9836982" cy="2616101"/>
+            <a:off x="548668" y="2061549"/>
+            <a:ext cx="8275788" cy="369332"/>
           </a:xfrm>
           <a:prstGeom prst="rect">
             <a:avLst/>
@@ -8482,71 +9235,105 @@
           <a:lstStyle/>
           <a:p>
             <a:r>
-              <a:rPr lang="ru-RU" sz="2800" dirty="0">
-                <a:solidFill>
-                  <a:srgbClr val="FFFF00"/>
-                </a:solidFill>
-              </a:rPr>
-              <a:t>Программные сущности должны быть открыты для расширения, но закрыты для модификации.</a:t>
-            </a:r>
-          </a:p>
-          <a:p>
-            <a:endParaRPr lang="ru-RU" sz="2800" dirty="0"/>
-          </a:p>
-          <a:p>
-            <a:r>
-              <a:rPr lang="ru-RU" sz="2000" dirty="0"/>
-              <a:t>Принцип открытости/закрытости (англ. </a:t>
-            </a:r>
-            <a:r>
-              <a:rPr lang="ru-RU" sz="2000" dirty="0" err="1"/>
-              <a:t>The</a:t>
-            </a:r>
-            <a:r>
-              <a:rPr lang="ru-RU" sz="2000" dirty="0"/>
-              <a:t> </a:t>
-            </a:r>
-            <a:r>
-              <a:rPr lang="ru-RU" sz="2000" dirty="0" err="1"/>
-              <a:t>Open</a:t>
-            </a:r>
-            <a:r>
-              <a:rPr lang="ru-RU" sz="2000" dirty="0"/>
-              <a:t> </a:t>
-            </a:r>
-            <a:r>
-              <a:rPr lang="ru-RU" sz="2000" dirty="0" err="1"/>
-              <a:t>Closed</a:t>
-            </a:r>
-            <a:r>
-              <a:rPr lang="ru-RU" sz="2000" dirty="0"/>
-              <a:t> </a:t>
-            </a:r>
-            <a:r>
-              <a:rPr lang="ru-RU" sz="2000" dirty="0" err="1"/>
-              <a:t>Principle</a:t>
-            </a:r>
-            <a:r>
-              <a:rPr lang="ru-RU" sz="2000" dirty="0"/>
-              <a:t>, OCP) — принцип ООП, устанавливающий следующее положение: «программные сущности (классы, модули, функции и т. п.) должны быть открыты для расширения, но закрыты для изменения.</a:t>
-            </a:r>
-            <a:endParaRPr lang="en-US" sz="2000" dirty="0"/>
+              <a:rPr lang="ru-RU" dirty="0"/>
+              <a:t>Пять основных принципов объектно-ориентированного  программирования</a:t>
+            </a:r>
+            <a:endParaRPr lang="en-US" dirty="0"/>
           </a:p>
         </p:txBody>
       </p:sp>
     </p:spTree>
     <p:extLst>
       <p:ext uri="{BB962C8B-B14F-4D97-AF65-F5344CB8AC3E}">
-        <p14:creationId xmlns:p14="http://schemas.microsoft.com/office/powerpoint/2010/main" val="2724221835"/>
+        <p14:creationId xmlns:p14="http://schemas.microsoft.com/office/powerpoint/2010/main" val="2053258474"/>
       </p:ext>
     </p:extLst>
   </p:cSld>
   <p:clrMapOvr>
     <a:masterClrMapping/>
   </p:clrMapOvr>
-  <p:transition spd="slow">
-    <p:cover/>
-  </p:transition>
+  <p:timing>
+    <p:tnLst>
+      <p:par>
+        <p:cTn id="1" dur="indefinite" restart="never" nodeType="tmRoot">
+          <p:childTnLst>
+            <p:seq concurrent="1" nextAc="seek">
+              <p:cTn id="2" dur="indefinite" nodeType="mainSeq">
+                <p:childTnLst>
+                  <p:par>
+                    <p:cTn id="3" fill="hold">
+                      <p:stCondLst>
+                        <p:cond delay="indefinite"/>
+                      </p:stCondLst>
+                      <p:childTnLst>
+                        <p:par>
+                          <p:cTn id="4" fill="hold">
+                            <p:stCondLst>
+                              <p:cond delay="0"/>
+                            </p:stCondLst>
+                            <p:childTnLst>
+                              <p:par>
+                                <p:cTn id="5" presetID="1" presetClass="entr" presetSubtype="0" fill="hold" grpId="0" nodeType="clickEffect">
+                                  <p:stCondLst>
+                                    <p:cond delay="0"/>
+                                  </p:stCondLst>
+                                  <p:childTnLst>
+                                    <p:set>
+                                      <p:cBhvr>
+                                        <p:cTn id="6" dur="1" fill="hold">
+                                          <p:stCondLst>
+                                            <p:cond delay="0"/>
+                                          </p:stCondLst>
+                                        </p:cTn>
+                                        <p:tgtEl>
+                                          <p:spTgt spid="3">
+                                            <p:txEl>
+                                              <p:pRg st="0" end="0"/>
+                                            </p:txEl>
+                                          </p:spTgt>
+                                        </p:tgtEl>
+                                        <p:attrNameLst>
+                                          <p:attrName>style.visibility</p:attrName>
+                                        </p:attrNameLst>
+                                      </p:cBhvr>
+                                      <p:to>
+                                        <p:strVal val="visible"/>
+                                      </p:to>
+                                    </p:set>
+                                  </p:childTnLst>
+                                </p:cTn>
+                              </p:par>
+                            </p:childTnLst>
+                          </p:cTn>
+                        </p:par>
+                      </p:childTnLst>
+                    </p:cTn>
+                  </p:par>
+                </p:childTnLst>
+              </p:cTn>
+              <p:prevCondLst>
+                <p:cond evt="onPrev" delay="0">
+                  <p:tgtEl>
+                    <p:sldTgt/>
+                  </p:tgtEl>
+                </p:cond>
+              </p:prevCondLst>
+              <p:nextCondLst>
+                <p:cond evt="onNext" delay="0">
+                  <p:tgtEl>
+                    <p:sldTgt/>
+                  </p:tgtEl>
+                </p:cond>
+              </p:nextCondLst>
+            </p:seq>
+          </p:childTnLst>
+        </p:cTn>
+      </p:par>
+    </p:tnLst>
+    <p:bldLst>
+      <p:bldP spid="3" grpId="0" build="p"/>
+    </p:bldLst>
+  </p:timing>
 </p:sld>
 </file>
 
@@ -8592,22 +9379,14 @@
           <a:p>
             <a:r>
               <a:rPr lang="ru-RU" b="1" dirty="0"/>
-              <a:t>Принцип подстановки Барбары Лисков</a:t>
+              <a:t>Принцип открытости/закрытости</a:t>
             </a:r>
             <a:br>
               <a:rPr lang="en-US" b="1" dirty="0"/>
             </a:br>
             <a:r>
               <a:rPr lang="en-US" sz="3200" i="1" dirty="0"/>
-              <a:t>The </a:t>
-            </a:r>
-            <a:r>
-              <a:rPr lang="en-US" sz="3200" i="1" dirty="0" err="1"/>
-              <a:t>Liskov</a:t>
-            </a:r>
-            <a:r>
-              <a:rPr lang="en-US" sz="3200" i="1" dirty="0"/>
-              <a:t> Substitution Principle</a:t>
+              <a:t>The Open Closed Principle</a:t>
             </a:r>
             <a:endParaRPr lang="en-US" dirty="0"/>
           </a:p>
@@ -8618,7 +9397,7 @@
           <p:cNvPr id="3" name="TextBox 2">
             <a:extLst>
               <a:ext uri="{FF2B5EF4-FFF2-40B4-BE49-F238E27FC236}">
-                <a16:creationId xmlns:a16="http://schemas.microsoft.com/office/drawing/2014/main" id="{3089AEBE-4865-4BB1-9F1D-1582A462A55C}"/>
+                <a16:creationId xmlns:a16="http://schemas.microsoft.com/office/drawing/2014/main" id="{0449A707-99AE-4210-AF89-4A9F25E03165}"/>
               </a:ext>
             </a:extLst>
           </p:cNvPr>
@@ -8628,7 +9407,7 @@
         <p:spPr>
           <a:xfrm>
             <a:off x="576263" y="2233613"/>
-            <a:ext cx="9836982" cy="3354765"/>
+            <a:ext cx="9836982" cy="2616101"/>
           </a:xfrm>
           <a:prstGeom prst="rect">
             <a:avLst/>
@@ -8647,7 +9426,7 @@
                   <a:srgbClr val="FFFF00"/>
                 </a:solidFill>
               </a:rPr>
-              <a:t>Объекты в программе должны быть заменяемыми на экземпляры их подтипов без изменения правильности выполнения программы.</a:t>
+              <a:t>Программные сущности должны быть открыты для расширения, но закрыты для модификации.</a:t>
             </a:r>
           </a:p>
           <a:p>
@@ -8656,11 +9435,11 @@
           <a:p>
             <a:r>
               <a:rPr lang="ru-RU" sz="2000" dirty="0"/>
-              <a:t>Принцип подстановки Барбары Лисков (англ. </a:t>
+              <a:t>Принцип открытости/закрытости (англ. </a:t>
             </a:r>
             <a:r>
               <a:rPr lang="ru-RU" sz="2000" dirty="0" err="1"/>
-              <a:t>Liskov</a:t>
+              <a:t>The</a:t>
             </a:r>
             <a:r>
               <a:rPr lang="ru-RU" sz="2000" dirty="0"/>
@@ -8668,7 +9447,7 @@
             </a:r>
             <a:r>
               <a:rPr lang="ru-RU" sz="2000" dirty="0" err="1"/>
-              <a:t>Substitution</a:t>
+              <a:t>Open</a:t>
             </a:r>
             <a:r>
               <a:rPr lang="ru-RU" sz="2000" dirty="0"/>
@@ -8676,11 +9455,19 @@
             </a:r>
             <a:r>
               <a:rPr lang="ru-RU" sz="2000" dirty="0" err="1"/>
+              <a:t>Closed</a:t>
+            </a:r>
+            <a:r>
+              <a:rPr lang="ru-RU" sz="2000" dirty="0"/>
+              <a:t> </a:t>
+            </a:r>
+            <a:r>
+              <a:rPr lang="ru-RU" sz="2000" dirty="0" err="1"/>
               <a:t>Principle</a:t>
             </a:r>
             <a:r>
               <a:rPr lang="ru-RU" sz="2000" dirty="0"/>
-              <a:t>, LSP) в объектно-ориентированном программировании является специфичным определением подтипа, предложенным Барбарой Лисков в 1987 году на конференции в основном докладе под названием Абстракция данных и иерархия.</a:t>
+              <a:t>, OCP) — принцип ООП, устанавливающий следующее положение: «программные сущности (классы, модули, функции и т. п.) должны быть открыты для расширения, но закрыты для изменения.</a:t>
             </a:r>
             <a:endParaRPr lang="en-US" sz="2000" dirty="0"/>
           </a:p>
@@ -8689,7 +9476,7 @@
     </p:spTree>
     <p:extLst>
       <p:ext uri="{BB962C8B-B14F-4D97-AF65-F5344CB8AC3E}">
-        <p14:creationId xmlns:p14="http://schemas.microsoft.com/office/powerpoint/2010/main" val="3989441364"/>
+        <p14:creationId xmlns:p14="http://schemas.microsoft.com/office/powerpoint/2010/main" val="2724221835"/>
       </p:ext>
     </p:extLst>
   </p:cSld>
